--- a/ProjectLeafWIP.pptx
+++ b/ProjectLeafWIP.pptx
@@ -14,11 +14,13 @@
     <p:sldId id="400" r:id="rId8"/>
     <p:sldId id="435" r:id="rId9"/>
     <p:sldId id="436" r:id="rId10"/>
-    <p:sldId id="423" r:id="rId11"/>
-    <p:sldId id="389" r:id="rId12"/>
-    <p:sldId id="437" r:id="rId13"/>
-    <p:sldId id="395" r:id="rId14"/>
-    <p:sldId id="438" r:id="rId15"/>
+    <p:sldId id="439" r:id="rId11"/>
+    <p:sldId id="423" r:id="rId12"/>
+    <p:sldId id="389" r:id="rId13"/>
+    <p:sldId id="425" r:id="rId14"/>
+    <p:sldId id="437" r:id="rId15"/>
+    <p:sldId id="395" r:id="rId16"/>
+    <p:sldId id="438" r:id="rId17"/>
   </p:sldIdLst>
   <p:sldSz cx="12192000" cy="6858000"/>
   <p:notesSz cx="6858000" cy="9144000"/>
@@ -139,8 +141,10 @@
             <p14:sldId id="400"/>
             <p14:sldId id="435"/>
             <p14:sldId id="436"/>
+            <p14:sldId id="439"/>
             <p14:sldId id="423"/>
             <p14:sldId id="389"/>
+            <p14:sldId id="425"/>
             <p14:sldId id="437"/>
             <p14:sldId id="395"/>
             <p14:sldId id="438"/>
@@ -1625,6 +1629,438 @@
 </c:chartSpace>
 </file>
 
+<file path=ppt/charts/chart5.xml><?xml version="1.0" encoding="utf-8"?>
+<c:chartSpace xmlns:c="http://schemas.openxmlformats.org/drawingml/2006/chart" xmlns:a="http://schemas.openxmlformats.org/drawingml/2006/main" xmlns:r="http://schemas.openxmlformats.org/officeDocument/2006/relationships" xmlns:c16r2="http://schemas.microsoft.com/office/drawing/2015/06/chart">
+  <c:date1904 val="0"/>
+  <c:lang val="it-IT"/>
+  <c:roundedCorners val="0"/>
+  <mc:AlternateContent xmlns:mc="http://schemas.openxmlformats.org/markup-compatibility/2006">
+    <mc:Choice xmlns:c14="http://schemas.microsoft.com/office/drawing/2007/8/2/chart" Requires="c14">
+      <c14:style val="102"/>
+    </mc:Choice>
+    <mc:Fallback>
+      <c:style val="2"/>
+    </mc:Fallback>
+  </mc:AlternateContent>
+  <c:chart>
+    <c:autoTitleDeleted val="1"/>
+    <c:plotArea>
+      <c:layout/>
+      <c:barChart>
+        <c:barDir val="col"/>
+        <c:grouping val="clustered"/>
+        <c:varyColors val="0"/>
+        <c:ser>
+          <c:idx val="0"/>
+          <c:order val="0"/>
+          <c:tx>
+            <c:strRef>
+              <c:f>Sheet1!$B$1</c:f>
+              <c:strCache>
+                <c:ptCount val="1"/>
+                <c:pt idx="0">
+                  <c:v>Series 1</c:v>
+                </c:pt>
+              </c:strCache>
+            </c:strRef>
+          </c:tx>
+          <c:spPr>
+            <a:solidFill>
+              <a:schemeClr val="accent1"/>
+            </a:solidFill>
+            <a:ln>
+              <a:noFill/>
+            </a:ln>
+            <a:effectLst/>
+          </c:spPr>
+          <c:invertIfNegative val="0"/>
+          <c:cat>
+            <c:numRef>
+              <c:f>Sheet1!$A$2:$A$4</c:f>
+              <c:numCache>
+                <c:formatCode>General</c:formatCode>
+                <c:ptCount val="3"/>
+                <c:pt idx="0">
+                  <c:v>2018</c:v>
+                </c:pt>
+                <c:pt idx="1">
+                  <c:v>2019</c:v>
+                </c:pt>
+                <c:pt idx="2">
+                  <c:v>2020</c:v>
+                </c:pt>
+              </c:numCache>
+            </c:numRef>
+          </c:cat>
+          <c:val>
+            <c:numRef>
+              <c:f>Sheet1!$B$2:$B$4</c:f>
+              <c:numCache>
+                <c:formatCode>General</c:formatCode>
+                <c:ptCount val="3"/>
+                <c:pt idx="0">
+                  <c:v>4.3</c:v>
+                </c:pt>
+                <c:pt idx="1">
+                  <c:v>2.5</c:v>
+                </c:pt>
+                <c:pt idx="2">
+                  <c:v>3.5</c:v>
+                </c:pt>
+              </c:numCache>
+            </c:numRef>
+          </c:val>
+          <c:extLst>
+            <c:ext xmlns:c16="http://schemas.microsoft.com/office/drawing/2014/chart" uri="{C3380CC4-5D6E-409C-BE32-E72D297353CC}">
+              <c16:uniqueId val="{00000000-A25F-48A3-955E-2A35CAABF681}"/>
+            </c:ext>
+          </c:extLst>
+        </c:ser>
+        <c:ser>
+          <c:idx val="1"/>
+          <c:order val="1"/>
+          <c:tx>
+            <c:strRef>
+              <c:f>Sheet1!$C$1</c:f>
+              <c:strCache>
+                <c:ptCount val="1"/>
+                <c:pt idx="0">
+                  <c:v>Series 2</c:v>
+                </c:pt>
+              </c:strCache>
+            </c:strRef>
+          </c:tx>
+          <c:spPr>
+            <a:solidFill>
+              <a:schemeClr val="accent2"/>
+            </a:solidFill>
+            <a:ln>
+              <a:noFill/>
+            </a:ln>
+            <a:effectLst/>
+          </c:spPr>
+          <c:invertIfNegative val="0"/>
+          <c:dPt>
+            <c:idx val="0"/>
+            <c:invertIfNegative val="0"/>
+            <c:bubble3D val="0"/>
+            <c:spPr>
+              <a:solidFill>
+                <a:schemeClr val="tx2"/>
+              </a:solidFill>
+              <a:ln>
+                <a:noFill/>
+              </a:ln>
+              <a:effectLst/>
+            </c:spPr>
+            <c:extLst>
+              <c:ext xmlns:c16="http://schemas.microsoft.com/office/drawing/2014/chart" uri="{C3380CC4-5D6E-409C-BE32-E72D297353CC}">
+                <c16:uniqueId val="{00000003-A25F-48A3-955E-2A35CAABF681}"/>
+              </c:ext>
+            </c:extLst>
+          </c:dPt>
+          <c:dPt>
+            <c:idx val="1"/>
+            <c:invertIfNegative val="0"/>
+            <c:bubble3D val="0"/>
+            <c:spPr>
+              <a:solidFill>
+                <a:schemeClr val="tx2"/>
+              </a:solidFill>
+              <a:ln>
+                <a:noFill/>
+              </a:ln>
+              <a:effectLst/>
+            </c:spPr>
+            <c:extLst>
+              <c:ext xmlns:c16="http://schemas.microsoft.com/office/drawing/2014/chart" uri="{C3380CC4-5D6E-409C-BE32-E72D297353CC}">
+                <c16:uniqueId val="{00000004-A25F-48A3-955E-2A35CAABF681}"/>
+              </c:ext>
+            </c:extLst>
+          </c:dPt>
+          <c:dPt>
+            <c:idx val="2"/>
+            <c:invertIfNegative val="0"/>
+            <c:bubble3D val="0"/>
+            <c:spPr>
+              <a:solidFill>
+                <a:schemeClr val="tx2"/>
+              </a:solidFill>
+              <a:ln>
+                <a:noFill/>
+              </a:ln>
+              <a:effectLst/>
+            </c:spPr>
+            <c:extLst>
+              <c:ext xmlns:c16="http://schemas.microsoft.com/office/drawing/2014/chart" uri="{C3380CC4-5D6E-409C-BE32-E72D297353CC}">
+                <c16:uniqueId val="{00000005-A25F-48A3-955E-2A35CAABF681}"/>
+              </c:ext>
+            </c:extLst>
+          </c:dPt>
+          <c:cat>
+            <c:numRef>
+              <c:f>Sheet1!$A$2:$A$4</c:f>
+              <c:numCache>
+                <c:formatCode>General</c:formatCode>
+                <c:ptCount val="3"/>
+                <c:pt idx="0">
+                  <c:v>2018</c:v>
+                </c:pt>
+                <c:pt idx="1">
+                  <c:v>2019</c:v>
+                </c:pt>
+                <c:pt idx="2">
+                  <c:v>2020</c:v>
+                </c:pt>
+              </c:numCache>
+            </c:numRef>
+          </c:cat>
+          <c:val>
+            <c:numRef>
+              <c:f>Sheet1!$C$2:$C$4</c:f>
+              <c:numCache>
+                <c:formatCode>General</c:formatCode>
+                <c:ptCount val="3"/>
+                <c:pt idx="0">
+                  <c:v>2.4</c:v>
+                </c:pt>
+                <c:pt idx="1">
+                  <c:v>4.4000000000000004</c:v>
+                </c:pt>
+                <c:pt idx="2">
+                  <c:v>1.8</c:v>
+                </c:pt>
+              </c:numCache>
+            </c:numRef>
+          </c:val>
+          <c:extLst>
+            <c:ext xmlns:c16="http://schemas.microsoft.com/office/drawing/2014/chart" uri="{C3380CC4-5D6E-409C-BE32-E72D297353CC}">
+              <c16:uniqueId val="{00000001-A25F-48A3-955E-2A35CAABF681}"/>
+            </c:ext>
+          </c:extLst>
+        </c:ser>
+        <c:ser>
+          <c:idx val="2"/>
+          <c:order val="2"/>
+          <c:tx>
+            <c:strRef>
+              <c:f>Sheet1!$D$1</c:f>
+              <c:strCache>
+                <c:ptCount val="1"/>
+              </c:strCache>
+            </c:strRef>
+          </c:tx>
+          <c:spPr>
+            <a:solidFill>
+              <a:schemeClr val="accent3"/>
+            </a:solidFill>
+            <a:ln>
+              <a:noFill/>
+            </a:ln>
+            <a:effectLst/>
+          </c:spPr>
+          <c:invertIfNegative val="0"/>
+          <c:cat>
+            <c:numRef>
+              <c:f>Sheet1!$A$2:$A$4</c:f>
+              <c:numCache>
+                <c:formatCode>General</c:formatCode>
+                <c:ptCount val="3"/>
+                <c:pt idx="0">
+                  <c:v>2018</c:v>
+                </c:pt>
+                <c:pt idx="1">
+                  <c:v>2019</c:v>
+                </c:pt>
+                <c:pt idx="2">
+                  <c:v>2020</c:v>
+                </c:pt>
+              </c:numCache>
+            </c:numRef>
+          </c:cat>
+          <c:val>
+            <c:numRef>
+              <c:f>Sheet1!$D$2:$D$4</c:f>
+              <c:numCache>
+                <c:formatCode>General</c:formatCode>
+                <c:ptCount val="3"/>
+              </c:numCache>
+            </c:numRef>
+          </c:val>
+          <c:extLst>
+            <c:ext xmlns:c16="http://schemas.microsoft.com/office/drawing/2014/chart" uri="{C3380CC4-5D6E-409C-BE32-E72D297353CC}">
+              <c16:uniqueId val="{00000002-A25F-48A3-955E-2A35CAABF681}"/>
+            </c:ext>
+          </c:extLst>
+        </c:ser>
+        <c:dLbls>
+          <c:showLegendKey val="0"/>
+          <c:showVal val="0"/>
+          <c:showCatName val="0"/>
+          <c:showSerName val="0"/>
+          <c:showPercent val="0"/>
+          <c:showBubbleSize val="0"/>
+        </c:dLbls>
+        <c:gapWidth val="182"/>
+        <c:axId val="1217704912"/>
+        <c:axId val="1217706832"/>
+      </c:barChart>
+      <c:catAx>
+        <c:axId val="1217704912"/>
+        <c:scaling>
+          <c:orientation val="minMax"/>
+        </c:scaling>
+        <c:delete val="0"/>
+        <c:axPos val="b"/>
+        <c:numFmt formatCode="General" sourceLinked="1"/>
+        <c:majorTickMark val="none"/>
+        <c:minorTickMark val="none"/>
+        <c:tickLblPos val="nextTo"/>
+        <c:spPr>
+          <a:noFill/>
+          <a:ln w="9525" cap="flat" cmpd="sng" algn="ctr">
+            <a:solidFill>
+              <a:schemeClr val="tx1">
+                <a:lumMod val="15000"/>
+                <a:lumOff val="85000"/>
+              </a:schemeClr>
+            </a:solidFill>
+            <a:round/>
+          </a:ln>
+          <a:effectLst/>
+        </c:spPr>
+        <c:txPr>
+          <a:bodyPr rot="-60000000" spcFirstLastPara="1" vertOverflow="ellipsis" vert="horz" wrap="square" anchor="ctr" anchorCtr="1"/>
+          <a:lstStyle/>
+          <a:p>
+            <a:pPr>
+              <a:defRPr sz="1197" b="0" i="0" u="none" strike="noStrike" kern="1200" baseline="0">
+                <a:solidFill>
+                  <a:schemeClr val="tx1">
+                    <a:lumMod val="65000"/>
+                    <a:lumOff val="35000"/>
+                  </a:schemeClr>
+                </a:solidFill>
+                <a:latin typeface="+mn-lt"/>
+                <a:ea typeface="微软雅黑" panose="020B0503020204020204" pitchFamily="34" charset="-122"/>
+                <a:cs typeface="+mn-ea"/>
+                <a:sym typeface="+mn-lt"/>
+              </a:defRPr>
+            </a:pPr>
+            <a:endParaRPr lang="en-US"/>
+          </a:p>
+        </c:txPr>
+        <c:crossAx val="1217706832"/>
+        <c:crosses val="autoZero"/>
+        <c:auto val="1"/>
+        <c:lblAlgn val="ctr"/>
+        <c:lblOffset val="100"/>
+        <c:noMultiLvlLbl val="0"/>
+      </c:catAx>
+      <c:valAx>
+        <c:axId val="1217706832"/>
+        <c:scaling>
+          <c:orientation val="minMax"/>
+        </c:scaling>
+        <c:delete val="0"/>
+        <c:axPos val="l"/>
+        <c:majorGridlines>
+          <c:spPr>
+            <a:ln w="9525" cap="flat" cmpd="sng" algn="ctr">
+              <a:solidFill>
+                <a:schemeClr val="tx1">
+                  <a:lumMod val="15000"/>
+                  <a:lumOff val="85000"/>
+                </a:schemeClr>
+              </a:solidFill>
+              <a:round/>
+            </a:ln>
+            <a:effectLst/>
+          </c:spPr>
+        </c:majorGridlines>
+        <c:numFmt formatCode="General" sourceLinked="1"/>
+        <c:majorTickMark val="none"/>
+        <c:minorTickMark val="none"/>
+        <c:tickLblPos val="nextTo"/>
+        <c:spPr>
+          <a:noFill/>
+          <a:ln>
+            <a:noFill/>
+          </a:ln>
+          <a:effectLst/>
+        </c:spPr>
+        <c:txPr>
+          <a:bodyPr rot="-60000000" spcFirstLastPara="1" vertOverflow="ellipsis" vert="horz" wrap="square" anchor="ctr" anchorCtr="1"/>
+          <a:lstStyle/>
+          <a:p>
+            <a:pPr>
+              <a:defRPr sz="1197" b="0" i="0" u="none" strike="noStrike" kern="1200" baseline="0">
+                <a:solidFill>
+                  <a:schemeClr val="tx1">
+                    <a:lumMod val="65000"/>
+                    <a:lumOff val="35000"/>
+                  </a:schemeClr>
+                </a:solidFill>
+                <a:latin typeface="+mn-lt"/>
+                <a:ea typeface="微软雅黑" panose="020B0503020204020204" pitchFamily="34" charset="-122"/>
+                <a:cs typeface="+mn-ea"/>
+                <a:sym typeface="+mn-lt"/>
+              </a:defRPr>
+            </a:pPr>
+            <a:endParaRPr lang="en-US"/>
+          </a:p>
+        </c:txPr>
+        <c:crossAx val="1217704912"/>
+        <c:crosses val="autoZero"/>
+        <c:crossBetween val="between"/>
+      </c:valAx>
+      <c:spPr>
+        <a:noFill/>
+        <a:ln>
+          <a:noFill/>
+        </a:ln>
+        <a:effectLst/>
+      </c:spPr>
+    </c:plotArea>
+    <c:plotVisOnly val="1"/>
+    <c:dispBlanksAs val="gap"/>
+    <c:extLst>
+      <c:ext xmlns:c16r3="http://schemas.microsoft.com/office/drawing/2017/03/chart" uri="{56B9EC1D-385E-4148-901F-78D8002777C0}">
+        <c16r3:dataDisplayOptions16>
+          <c16r3:dispNaAsBlank val="1"/>
+        </c16r3:dataDisplayOptions16>
+      </c:ext>
+    </c:extLst>
+    <c:showDLblsOverMax val="0"/>
+  </c:chart>
+  <c:spPr>
+    <a:noFill/>
+    <a:ln>
+      <a:noFill/>
+    </a:ln>
+    <a:effectLst/>
+  </c:spPr>
+  <c:txPr>
+    <a:bodyPr/>
+    <a:lstStyle/>
+    <a:p>
+      <a:pPr>
+        <a:defRPr>
+          <a:latin typeface="+mn-lt"/>
+          <a:ea typeface="微软雅黑" panose="020B0503020204020204" pitchFamily="34" charset="-122"/>
+          <a:cs typeface="+mn-ea"/>
+          <a:sym typeface="+mn-lt"/>
+        </a:defRPr>
+      </a:pPr>
+      <a:endParaRPr lang="en-US"/>
+    </a:p>
+  </c:txPr>
+  <c:externalData r:id="rId3">
+    <c:autoUpdate val="0"/>
+  </c:externalData>
+</c:chartSpace>
+</file>
+
 <file path=ppt/charts/colors1.xml><?xml version="1.0" encoding="utf-8"?>
 <cs:colorStyle xmlns:cs="http://schemas.microsoft.com/office/drawing/2012/chartStyle" xmlns:a="http://schemas.openxmlformats.org/drawingml/2006/main" meth="cycle" id="10">
   <a:schemeClr val="accent1"/>
@@ -1746,6 +2182,46 @@
 </file>
 
 <file path=ppt/charts/colors4.xml><?xml version="1.0" encoding="utf-8"?>
+<cs:colorStyle xmlns:cs="http://schemas.microsoft.com/office/drawing/2012/chartStyle" xmlns:a="http://schemas.openxmlformats.org/drawingml/2006/main" meth="cycle" id="10">
+  <a:schemeClr val="accent1"/>
+  <a:schemeClr val="accent2"/>
+  <a:schemeClr val="accent3"/>
+  <a:schemeClr val="accent4"/>
+  <a:schemeClr val="accent5"/>
+  <a:schemeClr val="accent6"/>
+  <cs:variation/>
+  <cs:variation>
+    <a:lumMod val="60000"/>
+  </cs:variation>
+  <cs:variation>
+    <a:lumMod val="80000"/>
+    <a:lumOff val="20000"/>
+  </cs:variation>
+  <cs:variation>
+    <a:lumMod val="80000"/>
+  </cs:variation>
+  <cs:variation>
+    <a:lumMod val="60000"/>
+    <a:lumOff val="40000"/>
+  </cs:variation>
+  <cs:variation>
+    <a:lumMod val="50000"/>
+  </cs:variation>
+  <cs:variation>
+    <a:lumMod val="70000"/>
+    <a:lumOff val="30000"/>
+  </cs:variation>
+  <cs:variation>
+    <a:lumMod val="70000"/>
+  </cs:variation>
+  <cs:variation>
+    <a:lumMod val="50000"/>
+    <a:lumOff val="50000"/>
+  </cs:variation>
+</cs:colorStyle>
+</file>
+
+<file path=ppt/charts/colors5.xml><?xml version="1.0" encoding="utf-8"?>
 <cs:colorStyle xmlns:cs="http://schemas.microsoft.com/office/drawing/2012/chartStyle" xmlns:a="http://schemas.openxmlformats.org/drawingml/2006/main" meth="cycle" id="10">
   <a:schemeClr val="accent1"/>
   <a:schemeClr val="accent2"/>
@@ -3811,6 +4287,511 @@
       </a:schemeClr>
     </cs:fontRef>
     <cs:defRPr sz="900" kern="1200"/>
+  </cs:valueAxis>
+  <cs:wall>
+    <cs:lnRef idx="0"/>
+    <cs:fillRef idx="0"/>
+    <cs:effectRef idx="0"/>
+    <cs:fontRef idx="minor">
+      <a:schemeClr val="tx1"/>
+    </cs:fontRef>
+    <cs:spPr>
+      <a:noFill/>
+      <a:ln>
+        <a:noFill/>
+      </a:ln>
+    </cs:spPr>
+  </cs:wall>
+</cs:chartStyle>
+</file>
+
+<file path=ppt/charts/style5.xml><?xml version="1.0" encoding="utf-8"?>
+<cs:chartStyle xmlns:cs="http://schemas.microsoft.com/office/drawing/2012/chartStyle" xmlns:a="http://schemas.openxmlformats.org/drawingml/2006/main" id="216">
+  <cs:axisTitle>
+    <cs:lnRef idx="0"/>
+    <cs:fillRef idx="0"/>
+    <cs:effectRef idx="0"/>
+    <cs:fontRef idx="minor">
+      <a:schemeClr val="tx1">
+        <a:lumMod val="65000"/>
+        <a:lumOff val="35000"/>
+      </a:schemeClr>
+    </cs:fontRef>
+    <cs:defRPr sz="1330" kern="1200"/>
+  </cs:axisTitle>
+  <cs:categoryAxis>
+    <cs:lnRef idx="0"/>
+    <cs:fillRef idx="0"/>
+    <cs:effectRef idx="0"/>
+    <cs:fontRef idx="minor">
+      <a:schemeClr val="tx1">
+        <a:lumMod val="65000"/>
+        <a:lumOff val="35000"/>
+      </a:schemeClr>
+    </cs:fontRef>
+    <cs:spPr>
+      <a:ln w="9525" cap="flat" cmpd="sng" algn="ctr">
+        <a:solidFill>
+          <a:schemeClr val="tx1">
+            <a:lumMod val="15000"/>
+            <a:lumOff val="85000"/>
+          </a:schemeClr>
+        </a:solidFill>
+        <a:round/>
+      </a:ln>
+    </cs:spPr>
+    <cs:defRPr sz="1197" kern="1200"/>
+  </cs:categoryAxis>
+  <cs:chartArea mods="allowNoFillOverride allowNoLineOverride">
+    <cs:lnRef idx="0"/>
+    <cs:fillRef idx="0"/>
+    <cs:effectRef idx="0"/>
+    <cs:fontRef idx="minor">
+      <a:schemeClr val="tx1"/>
+    </cs:fontRef>
+    <cs:spPr>
+      <a:solidFill>
+        <a:schemeClr val="bg1"/>
+      </a:solidFill>
+      <a:ln w="9525" cap="flat" cmpd="sng" algn="ctr">
+        <a:solidFill>
+          <a:schemeClr val="tx1">
+            <a:lumMod val="15000"/>
+            <a:lumOff val="85000"/>
+          </a:schemeClr>
+        </a:solidFill>
+        <a:round/>
+      </a:ln>
+    </cs:spPr>
+    <cs:defRPr sz="1330" kern="1200"/>
+  </cs:chartArea>
+  <cs:dataLabel>
+    <cs:lnRef idx="0"/>
+    <cs:fillRef idx="0"/>
+    <cs:effectRef idx="0"/>
+    <cs:fontRef idx="minor">
+      <a:schemeClr val="tx1">
+        <a:lumMod val="75000"/>
+        <a:lumOff val="25000"/>
+      </a:schemeClr>
+    </cs:fontRef>
+    <cs:defRPr sz="1197" kern="1200"/>
+  </cs:dataLabel>
+  <cs:dataLabelCallout>
+    <cs:lnRef idx="0"/>
+    <cs:fillRef idx="0"/>
+    <cs:effectRef idx="0"/>
+    <cs:fontRef idx="minor">
+      <a:schemeClr val="dk1">
+        <a:lumMod val="65000"/>
+        <a:lumOff val="35000"/>
+      </a:schemeClr>
+    </cs:fontRef>
+    <cs:spPr>
+      <a:solidFill>
+        <a:schemeClr val="lt1"/>
+      </a:solidFill>
+      <a:ln>
+        <a:solidFill>
+          <a:schemeClr val="dk1">
+            <a:lumMod val="25000"/>
+            <a:lumOff val="75000"/>
+          </a:schemeClr>
+        </a:solidFill>
+      </a:ln>
+    </cs:spPr>
+    <cs:defRPr sz="1197" kern="1200"/>
+    <cs:bodyPr rot="0" spcFirstLastPara="1" vertOverflow="clip" horzOverflow="clip" vert="horz" wrap="square" lIns="36576" tIns="18288" rIns="36576" bIns="18288" anchor="ctr" anchorCtr="1">
+      <a:spAutoFit/>
+    </cs:bodyPr>
+  </cs:dataLabelCallout>
+  <cs:dataPoint>
+    <cs:lnRef idx="0"/>
+    <cs:fillRef idx="1">
+      <cs:styleClr val="auto"/>
+    </cs:fillRef>
+    <cs:effectRef idx="0"/>
+    <cs:fontRef idx="minor">
+      <a:schemeClr val="tx1"/>
+    </cs:fontRef>
+  </cs:dataPoint>
+  <cs:dataPoint3D>
+    <cs:lnRef idx="0"/>
+    <cs:fillRef idx="1">
+      <cs:styleClr val="auto"/>
+    </cs:fillRef>
+    <cs:effectRef idx="0"/>
+    <cs:fontRef idx="minor">
+      <a:schemeClr val="tx1"/>
+    </cs:fontRef>
+  </cs:dataPoint3D>
+  <cs:dataPointLine>
+    <cs:lnRef idx="0">
+      <cs:styleClr val="auto"/>
+    </cs:lnRef>
+    <cs:fillRef idx="1"/>
+    <cs:effectRef idx="0"/>
+    <cs:fontRef idx="minor">
+      <a:schemeClr val="tx1"/>
+    </cs:fontRef>
+    <cs:spPr>
+      <a:ln w="28575" cap="rnd">
+        <a:solidFill>
+          <a:schemeClr val="phClr"/>
+        </a:solidFill>
+        <a:round/>
+      </a:ln>
+    </cs:spPr>
+  </cs:dataPointLine>
+  <cs:dataPointMarker>
+    <cs:lnRef idx="0">
+      <cs:styleClr val="auto"/>
+    </cs:lnRef>
+    <cs:fillRef idx="1">
+      <cs:styleClr val="auto"/>
+    </cs:fillRef>
+    <cs:effectRef idx="0"/>
+    <cs:fontRef idx="minor">
+      <a:schemeClr val="tx1"/>
+    </cs:fontRef>
+    <cs:spPr>
+      <a:ln w="9525">
+        <a:solidFill>
+          <a:schemeClr val="phClr"/>
+        </a:solidFill>
+      </a:ln>
+    </cs:spPr>
+  </cs:dataPointMarker>
+  <cs:dataPointMarkerLayout symbol="circle" size="5"/>
+  <cs:dataPointWireframe>
+    <cs:lnRef idx="0">
+      <cs:styleClr val="auto"/>
+    </cs:lnRef>
+    <cs:fillRef idx="1"/>
+    <cs:effectRef idx="0"/>
+    <cs:fontRef idx="minor">
+      <a:schemeClr val="tx1"/>
+    </cs:fontRef>
+    <cs:spPr>
+      <a:ln w="9525" cap="rnd">
+        <a:solidFill>
+          <a:schemeClr val="phClr"/>
+        </a:solidFill>
+        <a:round/>
+      </a:ln>
+    </cs:spPr>
+  </cs:dataPointWireframe>
+  <cs:dataTable>
+    <cs:lnRef idx="0"/>
+    <cs:fillRef idx="0"/>
+    <cs:effectRef idx="0"/>
+    <cs:fontRef idx="minor">
+      <a:schemeClr val="tx1">
+        <a:lumMod val="65000"/>
+        <a:lumOff val="35000"/>
+      </a:schemeClr>
+    </cs:fontRef>
+    <cs:spPr>
+      <a:noFill/>
+      <a:ln w="9525" cap="flat" cmpd="sng" algn="ctr">
+        <a:solidFill>
+          <a:schemeClr val="tx1">
+            <a:lumMod val="15000"/>
+            <a:lumOff val="85000"/>
+          </a:schemeClr>
+        </a:solidFill>
+        <a:round/>
+      </a:ln>
+    </cs:spPr>
+    <cs:defRPr sz="1197" kern="1200"/>
+  </cs:dataTable>
+  <cs:downBar>
+    <cs:lnRef idx="0"/>
+    <cs:fillRef idx="0"/>
+    <cs:effectRef idx="0"/>
+    <cs:fontRef idx="minor">
+      <a:schemeClr val="tx1"/>
+    </cs:fontRef>
+    <cs:spPr>
+      <a:solidFill>
+        <a:schemeClr val="dk1">
+          <a:lumMod val="75000"/>
+          <a:lumOff val="25000"/>
+        </a:schemeClr>
+      </a:solidFill>
+      <a:ln w="9525" cap="flat" cmpd="sng" algn="ctr">
+        <a:solidFill>
+          <a:schemeClr val="tx1">
+            <a:lumMod val="65000"/>
+            <a:lumOff val="35000"/>
+          </a:schemeClr>
+        </a:solidFill>
+        <a:round/>
+      </a:ln>
+    </cs:spPr>
+  </cs:downBar>
+  <cs:dropLine>
+    <cs:lnRef idx="0"/>
+    <cs:fillRef idx="0"/>
+    <cs:effectRef idx="0"/>
+    <cs:fontRef idx="minor">
+      <a:schemeClr val="tx1"/>
+    </cs:fontRef>
+    <cs:spPr>
+      <a:ln w="9525" cap="flat" cmpd="sng" algn="ctr">
+        <a:solidFill>
+          <a:schemeClr val="tx1">
+            <a:lumMod val="35000"/>
+            <a:lumOff val="65000"/>
+          </a:schemeClr>
+        </a:solidFill>
+        <a:round/>
+      </a:ln>
+    </cs:spPr>
+  </cs:dropLine>
+  <cs:errorBar>
+    <cs:lnRef idx="0"/>
+    <cs:fillRef idx="0"/>
+    <cs:effectRef idx="0"/>
+    <cs:fontRef idx="minor">
+      <a:schemeClr val="tx1"/>
+    </cs:fontRef>
+    <cs:spPr>
+      <a:ln w="9525" cap="flat" cmpd="sng" algn="ctr">
+        <a:solidFill>
+          <a:schemeClr val="tx1">
+            <a:lumMod val="65000"/>
+            <a:lumOff val="35000"/>
+          </a:schemeClr>
+        </a:solidFill>
+        <a:round/>
+      </a:ln>
+    </cs:spPr>
+  </cs:errorBar>
+  <cs:floor>
+    <cs:lnRef idx="0"/>
+    <cs:fillRef idx="0"/>
+    <cs:effectRef idx="0"/>
+    <cs:fontRef idx="minor">
+      <a:schemeClr val="tx1"/>
+    </cs:fontRef>
+    <cs:spPr>
+      <a:noFill/>
+      <a:ln>
+        <a:noFill/>
+      </a:ln>
+    </cs:spPr>
+  </cs:floor>
+  <cs:gridlineMajor>
+    <cs:lnRef idx="0"/>
+    <cs:fillRef idx="0"/>
+    <cs:effectRef idx="0"/>
+    <cs:fontRef idx="minor">
+      <a:schemeClr val="tx1"/>
+    </cs:fontRef>
+    <cs:spPr>
+      <a:ln w="9525" cap="flat" cmpd="sng" algn="ctr">
+        <a:solidFill>
+          <a:schemeClr val="tx1">
+            <a:lumMod val="15000"/>
+            <a:lumOff val="85000"/>
+          </a:schemeClr>
+        </a:solidFill>
+        <a:round/>
+      </a:ln>
+    </cs:spPr>
+  </cs:gridlineMajor>
+  <cs:gridlineMinor>
+    <cs:lnRef idx="0"/>
+    <cs:fillRef idx="0"/>
+    <cs:effectRef idx="0"/>
+    <cs:fontRef idx="minor">
+      <a:schemeClr val="tx1"/>
+    </cs:fontRef>
+    <cs:spPr>
+      <a:ln w="9525" cap="flat" cmpd="sng" algn="ctr">
+        <a:solidFill>
+          <a:schemeClr val="tx1">
+            <a:lumMod val="5000"/>
+            <a:lumOff val="95000"/>
+          </a:schemeClr>
+        </a:solidFill>
+        <a:round/>
+      </a:ln>
+    </cs:spPr>
+  </cs:gridlineMinor>
+  <cs:hiLoLine>
+    <cs:lnRef idx="0"/>
+    <cs:fillRef idx="0"/>
+    <cs:effectRef idx="0"/>
+    <cs:fontRef idx="minor">
+      <a:schemeClr val="tx1"/>
+    </cs:fontRef>
+    <cs:spPr>
+      <a:ln w="9525" cap="flat" cmpd="sng" algn="ctr">
+        <a:solidFill>
+          <a:schemeClr val="tx1">
+            <a:lumMod val="50000"/>
+            <a:lumOff val="50000"/>
+          </a:schemeClr>
+        </a:solidFill>
+        <a:round/>
+      </a:ln>
+    </cs:spPr>
+  </cs:hiLoLine>
+  <cs:leaderLine>
+    <cs:lnRef idx="0"/>
+    <cs:fillRef idx="0"/>
+    <cs:effectRef idx="0"/>
+    <cs:fontRef idx="minor">
+      <a:schemeClr val="tx1"/>
+    </cs:fontRef>
+    <cs:spPr>
+      <a:ln w="9525" cap="flat" cmpd="sng" algn="ctr">
+        <a:solidFill>
+          <a:schemeClr val="tx1">
+            <a:lumMod val="35000"/>
+            <a:lumOff val="65000"/>
+          </a:schemeClr>
+        </a:solidFill>
+        <a:round/>
+      </a:ln>
+    </cs:spPr>
+  </cs:leaderLine>
+  <cs:legend>
+    <cs:lnRef idx="0"/>
+    <cs:fillRef idx="0"/>
+    <cs:effectRef idx="0"/>
+    <cs:fontRef idx="minor">
+      <a:schemeClr val="tx1">
+        <a:lumMod val="65000"/>
+        <a:lumOff val="35000"/>
+      </a:schemeClr>
+    </cs:fontRef>
+    <cs:defRPr sz="1197" kern="1200"/>
+  </cs:legend>
+  <cs:plotArea mods="allowNoFillOverride allowNoLineOverride">
+    <cs:lnRef idx="0"/>
+    <cs:fillRef idx="0"/>
+    <cs:effectRef idx="0"/>
+    <cs:fontRef idx="minor">
+      <a:schemeClr val="tx1"/>
+    </cs:fontRef>
+  </cs:plotArea>
+  <cs:plotArea3D mods="allowNoFillOverride allowNoLineOverride">
+    <cs:lnRef idx="0"/>
+    <cs:fillRef idx="0"/>
+    <cs:effectRef idx="0"/>
+    <cs:fontRef idx="minor">
+      <a:schemeClr val="tx1"/>
+    </cs:fontRef>
+  </cs:plotArea3D>
+  <cs:seriesAxis>
+    <cs:lnRef idx="0"/>
+    <cs:fillRef idx="0"/>
+    <cs:effectRef idx="0"/>
+    <cs:fontRef idx="minor">
+      <a:schemeClr val="tx1">
+        <a:lumMod val="65000"/>
+        <a:lumOff val="35000"/>
+      </a:schemeClr>
+    </cs:fontRef>
+    <cs:defRPr sz="1197" kern="1200"/>
+  </cs:seriesAxis>
+  <cs:seriesLine>
+    <cs:lnRef idx="0"/>
+    <cs:fillRef idx="0"/>
+    <cs:effectRef idx="0"/>
+    <cs:fontRef idx="minor">
+      <a:schemeClr val="tx1"/>
+    </cs:fontRef>
+    <cs:spPr>
+      <a:ln w="9525" cap="flat" cmpd="sng" algn="ctr">
+        <a:solidFill>
+          <a:schemeClr val="tx1">
+            <a:lumMod val="35000"/>
+            <a:lumOff val="65000"/>
+          </a:schemeClr>
+        </a:solidFill>
+        <a:round/>
+      </a:ln>
+    </cs:spPr>
+  </cs:seriesLine>
+  <cs:title>
+    <cs:lnRef idx="0"/>
+    <cs:fillRef idx="0"/>
+    <cs:effectRef idx="0"/>
+    <cs:fontRef idx="minor">
+      <a:schemeClr val="tx1">
+        <a:lumMod val="65000"/>
+        <a:lumOff val="35000"/>
+      </a:schemeClr>
+    </cs:fontRef>
+    <cs:defRPr sz="1862" b="0" kern="1200" spc="0" baseline="0"/>
+  </cs:title>
+  <cs:trendline>
+    <cs:lnRef idx="0">
+      <cs:styleClr val="auto"/>
+    </cs:lnRef>
+    <cs:fillRef idx="0"/>
+    <cs:effectRef idx="0"/>
+    <cs:fontRef idx="minor">
+      <a:schemeClr val="tx1"/>
+    </cs:fontRef>
+    <cs:spPr>
+      <a:ln w="19050" cap="rnd">
+        <a:solidFill>
+          <a:schemeClr val="phClr"/>
+        </a:solidFill>
+        <a:prstDash val="sysDot"/>
+      </a:ln>
+    </cs:spPr>
+  </cs:trendline>
+  <cs:trendlineLabel>
+    <cs:lnRef idx="0"/>
+    <cs:fillRef idx="0"/>
+    <cs:effectRef idx="0"/>
+    <cs:fontRef idx="minor">
+      <a:schemeClr val="tx1">
+        <a:lumMod val="65000"/>
+        <a:lumOff val="35000"/>
+      </a:schemeClr>
+    </cs:fontRef>
+    <cs:defRPr sz="1197" kern="1200"/>
+  </cs:trendlineLabel>
+  <cs:upBar>
+    <cs:lnRef idx="0"/>
+    <cs:fillRef idx="0"/>
+    <cs:effectRef idx="0"/>
+    <cs:fontRef idx="minor">
+      <a:schemeClr val="tx1"/>
+    </cs:fontRef>
+    <cs:spPr>
+      <a:solidFill>
+        <a:schemeClr val="lt1"/>
+      </a:solidFill>
+      <a:ln w="9525" cap="flat" cmpd="sng" algn="ctr">
+        <a:solidFill>
+          <a:schemeClr val="tx1">
+            <a:lumMod val="65000"/>
+            <a:lumOff val="35000"/>
+          </a:schemeClr>
+        </a:solidFill>
+        <a:round/>
+      </a:ln>
+    </cs:spPr>
+  </cs:upBar>
+  <cs:valueAxis>
+    <cs:lnRef idx="0"/>
+    <cs:fillRef idx="0"/>
+    <cs:effectRef idx="0"/>
+    <cs:fontRef idx="minor">
+      <a:schemeClr val="tx1">
+        <a:lumMod val="65000"/>
+        <a:lumOff val="35000"/>
+      </a:schemeClr>
+    </cs:fontRef>
+    <cs:defRPr sz="1197" kern="1200"/>
   </cs:valueAxis>
   <cs:wall>
     <cs:lnRef idx="0"/>
@@ -8449,6 +9430,835 @@
       </p:grpSpPr>
       <p:sp>
         <p:nvSpPr>
+          <p:cNvPr id="2" name="Picture Placeholder 1">
+            <a:extLst>
+              <a:ext uri="{FF2B5EF4-FFF2-40B4-BE49-F238E27FC236}">
+                <a16:creationId xmlns:a16="http://schemas.microsoft.com/office/drawing/2014/main" id="{B9ADD7BF-5128-125F-E7B4-6756D9ED8164}"/>
+              </a:ext>
+            </a:extLst>
+          </p:cNvPr>
+          <p:cNvSpPr>
+            <a:spLocks noGrp="1"/>
+          </p:cNvSpPr>
+          <p:nvPr>
+            <p:ph type="pic" sz="quarter" idx="10"/>
+          </p:nvPr>
+        </p:nvSpPr>
+        <p:spPr>
+          <a:xfrm>
+            <a:off x="281590" y="1723069"/>
+            <a:ext cx="1808163" cy="2721609"/>
+          </a:xfrm>
+        </p:spPr>
+        <p:txBody>
+          <a:bodyPr/>
+          <a:lstStyle/>
+          <a:p>
+            <a:endParaRPr lang="en-US"/>
+          </a:p>
+        </p:txBody>
+      </p:sp>
+      <p:sp>
+        <p:nvSpPr>
+          <p:cNvPr id="3" name="Picture Placeholder 2">
+            <a:extLst>
+              <a:ext uri="{FF2B5EF4-FFF2-40B4-BE49-F238E27FC236}">
+                <a16:creationId xmlns:a16="http://schemas.microsoft.com/office/drawing/2014/main" id="{E9FB8ABF-188C-C2A5-6950-D6E5B90FDA3F}"/>
+              </a:ext>
+            </a:extLst>
+          </p:cNvPr>
+          <p:cNvSpPr>
+            <a:spLocks noGrp="1"/>
+          </p:cNvSpPr>
+          <p:nvPr>
+            <p:ph type="pic" sz="quarter" idx="11"/>
+          </p:nvPr>
+        </p:nvSpPr>
+        <p:spPr>
+          <a:xfrm>
+            <a:off x="3178810" y="1580557"/>
+            <a:ext cx="1808163" cy="2721609"/>
+          </a:xfrm>
+        </p:spPr>
+        <p:txBody>
+          <a:bodyPr/>
+          <a:lstStyle/>
+          <a:p>
+            <a:endParaRPr lang="en-US"/>
+          </a:p>
+        </p:txBody>
+      </p:sp>
+      <p:sp>
+        <p:nvSpPr>
+          <p:cNvPr id="4" name="Title 3">
+            <a:extLst>
+              <a:ext uri="{FF2B5EF4-FFF2-40B4-BE49-F238E27FC236}">
+                <a16:creationId xmlns:a16="http://schemas.microsoft.com/office/drawing/2014/main" id="{E283E792-1372-2027-273F-37B56BD636E3}"/>
+              </a:ext>
+            </a:extLst>
+          </p:cNvPr>
+          <p:cNvSpPr>
+            <a:spLocks noGrp="1"/>
+          </p:cNvSpPr>
+          <p:nvPr>
+            <p:ph type="title"/>
+          </p:nvPr>
+        </p:nvSpPr>
+        <p:spPr>
+          <a:xfrm>
+            <a:off x="579575" y="860557"/>
+            <a:ext cx="10800000" cy="720000"/>
+          </a:xfrm>
+        </p:spPr>
+        <p:txBody>
+          <a:bodyPr anchor="ctr">
+            <a:normAutofit/>
+          </a:bodyPr>
+          <a:lstStyle/>
+          <a:p>
+            <a:r>
+              <a:rPr lang="en-US" sz="4400" dirty="0">
+                <a:solidFill>
+                  <a:schemeClr val="tx2"/>
+                </a:solidFill>
+                <a:latin typeface="+mn-lt"/>
+                <a:ea typeface="微软雅黑" panose="020B0503020204020204" pitchFamily="34" charset="-122"/>
+                <a:cs typeface="+mn-ea"/>
+                <a:sym typeface="+mn-lt"/>
+              </a:rPr>
+              <a:t>Region Growing + LAB</a:t>
+            </a:r>
+          </a:p>
+        </p:txBody>
+      </p:sp>
+      <p:sp>
+        <p:nvSpPr>
+          <p:cNvPr id="5" name="矩形 3">
+            <a:extLst>
+              <a:ext uri="{FF2B5EF4-FFF2-40B4-BE49-F238E27FC236}">
+                <a16:creationId xmlns:a16="http://schemas.microsoft.com/office/drawing/2014/main" id="{566AE86E-96BB-6C35-6031-5B2CE0AFE100}"/>
+              </a:ext>
+            </a:extLst>
+          </p:cNvPr>
+          <p:cNvSpPr/>
+          <p:nvPr>
+            <p:custDataLst>
+              <p:tags r:id="rId1"/>
+            </p:custDataLst>
+          </p:nvPr>
+        </p:nvSpPr>
+        <p:spPr>
+          <a:xfrm>
+            <a:off x="5340114" y="2118779"/>
+            <a:ext cx="6851886" cy="2325899"/>
+          </a:xfrm>
+          <a:prstGeom prst="rect">
+            <a:avLst/>
+          </a:prstGeom>
+          <a:solidFill>
+            <a:schemeClr val="bg1">
+              <a:lumMod val="95000"/>
+            </a:schemeClr>
+          </a:solidFill>
+          <a:ln>
+            <a:noFill/>
+          </a:ln>
+        </p:spPr>
+        <p:style>
+          <a:lnRef idx="2">
+            <a:schemeClr val="accent1">
+              <a:shade val="50000"/>
+            </a:schemeClr>
+          </a:lnRef>
+          <a:fillRef idx="1">
+            <a:schemeClr val="accent1"/>
+          </a:fillRef>
+          <a:effectRef idx="0">
+            <a:schemeClr val="accent1"/>
+          </a:effectRef>
+          <a:fontRef idx="minor">
+            <a:schemeClr val="lt1"/>
+          </a:fontRef>
+        </p:style>
+        <p:txBody>
+          <a:bodyPr rtlCol="0" anchor="ctr"/>
+          <a:lstStyle/>
+          <a:p>
+            <a:pPr algn="ctr">
+              <a:lnSpc>
+                <a:spcPct val="120000"/>
+              </a:lnSpc>
+            </a:pPr>
+            <a:endParaRPr lang="zh-CN" altLang="en-US">
+              <a:ea typeface="微软雅黑" panose="020B0503020204020204" pitchFamily="34" charset="-122"/>
+              <a:cs typeface="+mn-ea"/>
+              <a:sym typeface="+mn-lt"/>
+            </a:endParaRPr>
+          </a:p>
+        </p:txBody>
+      </p:sp>
+      <p:grpSp>
+        <p:nvGrpSpPr>
+          <p:cNvPr id="11" name="Group 10">
+            <a:extLst>
+              <a:ext uri="{FF2B5EF4-FFF2-40B4-BE49-F238E27FC236}">
+                <a16:creationId xmlns:a16="http://schemas.microsoft.com/office/drawing/2014/main" id="{1F741E0C-7834-F17D-14EC-D9A1E6BBA088}"/>
+              </a:ext>
+            </a:extLst>
+          </p:cNvPr>
+          <p:cNvGrpSpPr/>
+          <p:nvPr/>
+        </p:nvGrpSpPr>
+        <p:grpSpPr>
+          <a:xfrm>
+            <a:off x="6015436" y="2581725"/>
+            <a:ext cx="5688764" cy="1400007"/>
+            <a:chOff x="6015436" y="2698549"/>
+            <a:chExt cx="5688764" cy="1400007"/>
+          </a:xfrm>
+        </p:grpSpPr>
+        <p:sp>
+          <p:nvSpPr>
+            <p:cNvPr id="7" name="正文">
+              <a:extLst>
+                <a:ext uri="{FF2B5EF4-FFF2-40B4-BE49-F238E27FC236}">
+                  <a16:creationId xmlns:a16="http://schemas.microsoft.com/office/drawing/2014/main" id="{34798DF5-1FA0-918F-650E-5967EB4D83BE}"/>
+                </a:ext>
+              </a:extLst>
+            </p:cNvPr>
+            <p:cNvSpPr txBox="1"/>
+            <p:nvPr>
+              <p:custDataLst>
+                <p:tags r:id="rId2"/>
+              </p:custDataLst>
+            </p:nvPr>
+          </p:nvSpPr>
+          <p:spPr>
+            <a:xfrm>
+              <a:off x="6015436" y="3292741"/>
+              <a:ext cx="5688764" cy="805815"/>
+            </a:xfrm>
+            <a:prstGeom prst="rect">
+              <a:avLst/>
+            </a:prstGeom>
+            <a:noFill/>
+          </p:spPr>
+          <p:txBody>
+            <a:bodyPr wrap="square" lIns="0" tIns="0" rIns="0" bIns="0" rtlCol="0" anchor="t" anchorCtr="0">
+              <a:noAutofit/>
+            </a:bodyPr>
+            <a:lstStyle/>
+            <a:p>
+              <a:pPr indent="0" algn="l" fontAlgn="auto">
+                <a:lnSpc>
+                  <a:spcPct val="120000"/>
+                </a:lnSpc>
+                <a:buNone/>
+              </a:pPr>
+              <a:r>
+                <a:rPr lang="it-IT" altLang="zh-CN" sz="1200" dirty="0">
+                  <a:solidFill>
+                    <a:schemeClr val="tx2"/>
+                  </a:solidFill>
+                  <a:ea typeface="微软雅黑" panose="020B0503020204020204" pitchFamily="34" charset="-122"/>
+                  <a:cs typeface="+mn-ea"/>
+                  <a:sym typeface="+mn-lt"/>
+                </a:rPr>
+                <a:t>Il programma che abbiamo implementato converte una immagine fornita in spazio colore LAB. In congiunzione con un algoritmo di </a:t>
+              </a:r>
+              <a:r>
+                <a:rPr lang="it-IT" altLang="zh-CN" sz="1200" dirty="0" err="1">
+                  <a:solidFill>
+                    <a:schemeClr val="tx2"/>
+                  </a:solidFill>
+                  <a:ea typeface="微软雅黑" panose="020B0503020204020204" pitchFamily="34" charset="-122"/>
+                  <a:cs typeface="+mn-ea"/>
+                  <a:sym typeface="+mn-lt"/>
+                </a:rPr>
+                <a:t>region.growing</a:t>
+              </a:r>
+              <a:r>
+                <a:rPr lang="it-IT" altLang="zh-CN" sz="1200" dirty="0">
+                  <a:solidFill>
+                    <a:schemeClr val="tx2"/>
+                  </a:solidFill>
+                  <a:ea typeface="微软雅黑" panose="020B0503020204020204" pitchFamily="34" charset="-122"/>
+                  <a:cs typeface="+mn-ea"/>
+                  <a:sym typeface="+mn-lt"/>
+                </a:rPr>
+                <a:t> possiamo discriminare i vari pixel tra sfondo e oggetti.</a:t>
+              </a:r>
+              <a:endParaRPr lang="zh-CN" altLang="en-US" sz="1200" dirty="0">
+                <a:solidFill>
+                  <a:schemeClr val="tx2"/>
+                </a:solidFill>
+                <a:ea typeface="微软雅黑" panose="020B0503020204020204" pitchFamily="34" charset="-122"/>
+                <a:cs typeface="+mn-ea"/>
+                <a:sym typeface="+mn-lt"/>
+              </a:endParaRPr>
+            </a:p>
+          </p:txBody>
+        </p:sp>
+        <p:sp>
+          <p:nvSpPr>
+            <p:cNvPr id="8" name="标题">
+              <a:extLst>
+                <a:ext uri="{FF2B5EF4-FFF2-40B4-BE49-F238E27FC236}">
+                  <a16:creationId xmlns:a16="http://schemas.microsoft.com/office/drawing/2014/main" id="{C36C695D-73C2-C79D-2207-51A9A597A282}"/>
+                </a:ext>
+              </a:extLst>
+            </p:cNvPr>
+            <p:cNvSpPr txBox="1"/>
+            <p:nvPr>
+              <p:custDataLst>
+                <p:tags r:id="rId3"/>
+              </p:custDataLst>
+            </p:nvPr>
+          </p:nvSpPr>
+          <p:spPr>
+            <a:xfrm>
+              <a:off x="6015436" y="2698549"/>
+              <a:ext cx="5688764" cy="368300"/>
+            </a:xfrm>
+            <a:prstGeom prst="rect">
+              <a:avLst/>
+            </a:prstGeom>
+            <a:noFill/>
+          </p:spPr>
+          <p:txBody>
+            <a:bodyPr wrap="square" lIns="0" tIns="0" rIns="0" bIns="0" rtlCol="0" anchor="b">
+              <a:noAutofit/>
+            </a:bodyPr>
+            <a:lstStyle/>
+            <a:p>
+              <a:pPr>
+                <a:lnSpc>
+                  <a:spcPct val="120000"/>
+                </a:lnSpc>
+              </a:pPr>
+              <a:r>
+                <a:rPr lang="it-IT" altLang="zh-CN" b="1" dirty="0">
+                  <a:ea typeface="微软雅黑" panose="020B0503020204020204" pitchFamily="34" charset="-122"/>
+                  <a:cs typeface="+mn-ea"/>
+                  <a:sym typeface="+mn-lt"/>
+                </a:rPr>
+                <a:t>Come abbiamo implementato la segmentazione degli oggetti?</a:t>
+              </a:r>
+              <a:endParaRPr lang="zh-CN" altLang="en-US" b="1" dirty="0">
+                <a:ea typeface="微软雅黑" panose="020B0503020204020204" pitchFamily="34" charset="-122"/>
+                <a:cs typeface="+mn-ea"/>
+                <a:sym typeface="+mn-lt"/>
+              </a:endParaRPr>
+            </a:p>
+          </p:txBody>
+        </p:sp>
+      </p:grpSp>
+      <p:sp>
+        <p:nvSpPr>
+          <p:cNvPr id="9" name="TextBox 8">
+            <a:extLst>
+              <a:ext uri="{FF2B5EF4-FFF2-40B4-BE49-F238E27FC236}">
+                <a16:creationId xmlns:a16="http://schemas.microsoft.com/office/drawing/2014/main" id="{B04F8F31-A8A1-708A-EC15-8283506EA699}"/>
+              </a:ext>
+            </a:extLst>
+          </p:cNvPr>
+          <p:cNvSpPr txBox="1"/>
+          <p:nvPr/>
+        </p:nvSpPr>
+        <p:spPr>
+          <a:xfrm>
+            <a:off x="591153" y="395843"/>
+            <a:ext cx="2997200" cy="307777"/>
+          </a:xfrm>
+          <a:prstGeom prst="rect">
+            <a:avLst/>
+          </a:prstGeom>
+          <a:noFill/>
+        </p:spPr>
+        <p:txBody>
+          <a:bodyPr wrap="square" rtlCol="0">
+            <a:spAutoFit/>
+          </a:bodyPr>
+          <a:lstStyle/>
+          <a:p>
+            <a:r>
+              <a:rPr lang="en-US" sz="1400" dirty="0" err="1">
+                <a:ea typeface="微软雅黑" panose="020B0503020204020204" pitchFamily="34" charset="-122"/>
+                <a:cs typeface="+mn-ea"/>
+                <a:sym typeface="+mn-lt"/>
+              </a:rPr>
+              <a:t>JustFreeSlide</a:t>
+            </a:r>
+            <a:endParaRPr lang="en-US" sz="1400" dirty="0">
+              <a:ea typeface="微软雅黑" panose="020B0503020204020204" pitchFamily="34" charset="-122"/>
+              <a:cs typeface="+mn-ea"/>
+              <a:sym typeface="+mn-lt"/>
+            </a:endParaRPr>
+          </a:p>
+        </p:txBody>
+      </p:sp>
+      <p:sp>
+        <p:nvSpPr>
+          <p:cNvPr id="10" name="TextBox 9">
+            <a:extLst>
+              <a:ext uri="{FF2B5EF4-FFF2-40B4-BE49-F238E27FC236}">
+                <a16:creationId xmlns:a16="http://schemas.microsoft.com/office/drawing/2014/main" id="{34541EED-BD0B-D74C-78D7-1267FD5940B6}"/>
+              </a:ext>
+            </a:extLst>
+          </p:cNvPr>
+          <p:cNvSpPr txBox="1"/>
+          <p:nvPr/>
+        </p:nvSpPr>
+        <p:spPr>
+          <a:xfrm>
+            <a:off x="8603649" y="395843"/>
+            <a:ext cx="2997200" cy="307777"/>
+          </a:xfrm>
+          <a:prstGeom prst="rect">
+            <a:avLst/>
+          </a:prstGeom>
+          <a:noFill/>
+        </p:spPr>
+        <p:txBody>
+          <a:bodyPr wrap="square" rtlCol="0">
+            <a:spAutoFit/>
+          </a:bodyPr>
+          <a:lstStyle/>
+          <a:p>
+            <a:pPr algn="r"/>
+            <a:r>
+              <a:rPr lang="en-US" sz="1400" dirty="0">
+                <a:ea typeface="微软雅黑" panose="020B0503020204020204" pitchFamily="34" charset="-122"/>
+                <a:cs typeface="+mn-ea"/>
+                <a:sym typeface="+mn-lt"/>
+              </a:rPr>
+              <a:t>Minimal Presentation</a:t>
+            </a:r>
+          </a:p>
+        </p:txBody>
+      </p:sp>
+      <p:sp>
+        <p:nvSpPr>
+          <p:cNvPr id="12" name="TextBox 11">
+            <a:extLst>
+              <a:ext uri="{FF2B5EF4-FFF2-40B4-BE49-F238E27FC236}">
+                <a16:creationId xmlns:a16="http://schemas.microsoft.com/office/drawing/2014/main" id="{D2B77B35-B393-10CB-B289-82C1902310EB}"/>
+              </a:ext>
+            </a:extLst>
+          </p:cNvPr>
+          <p:cNvSpPr txBox="1"/>
+          <p:nvPr/>
+        </p:nvSpPr>
+        <p:spPr>
+          <a:xfrm>
+            <a:off x="695326" y="4539570"/>
+            <a:ext cx="2504668" cy="1446550"/>
+          </a:xfrm>
+          <a:prstGeom prst="rect">
+            <a:avLst/>
+          </a:prstGeom>
+          <a:noFill/>
+        </p:spPr>
+        <p:txBody>
+          <a:bodyPr wrap="square">
+            <a:spAutoFit/>
+          </a:bodyPr>
+          <a:lstStyle/>
+          <a:p>
+            <a:pPr fontAlgn="auto">
+              <a:spcAft>
+                <a:spcPts val="1200"/>
+              </a:spcAft>
+            </a:pPr>
+            <a:r>
+              <a:rPr lang="en-US" altLang="zh-CN" sz="1800" b="1" dirty="0">
+                <a:ea typeface="微软雅黑" panose="020B0503020204020204" pitchFamily="34" charset="-122"/>
+                <a:cs typeface="+mn-ea"/>
+                <a:sym typeface="+mn-lt"/>
+              </a:rPr>
+              <a:t>1. </a:t>
+            </a:r>
+            <a:r>
+              <a:rPr lang="en-US" altLang="zh-CN" b="1" dirty="0">
+                <a:ea typeface="微软雅黑" panose="020B0503020204020204" pitchFamily="34" charset="-122"/>
+                <a:cs typeface="+mn-ea"/>
+                <a:sym typeface="+mn-lt"/>
+              </a:rPr>
+              <a:t>Come </a:t>
+            </a:r>
+            <a:r>
+              <a:rPr lang="en-US" altLang="zh-CN" b="1" dirty="0" err="1">
+                <a:ea typeface="微软雅黑" panose="020B0503020204020204" pitchFamily="34" charset="-122"/>
+                <a:cs typeface="+mn-ea"/>
+                <a:sym typeface="+mn-lt"/>
+              </a:rPr>
+              <a:t>mai</a:t>
+            </a:r>
+            <a:r>
+              <a:rPr lang="en-US" altLang="zh-CN" b="1" dirty="0">
+                <a:ea typeface="微软雅黑" panose="020B0503020204020204" pitchFamily="34" charset="-122"/>
+                <a:cs typeface="+mn-ea"/>
+                <a:sym typeface="+mn-lt"/>
+              </a:rPr>
+              <a:t> proprio LAB?</a:t>
+            </a:r>
+          </a:p>
+          <a:p>
+            <a:pPr fontAlgn="auto"/>
+            <a:r>
+              <a:rPr lang="it-IT" altLang="zh-CN" sz="1400" dirty="0">
+                <a:solidFill>
+                  <a:schemeClr val="tx1">
+                    <a:lumMod val="50000"/>
+                    <a:lumOff val="50000"/>
+                  </a:schemeClr>
+                </a:solidFill>
+                <a:ea typeface="微软雅黑" panose="020B0503020204020204" pitchFamily="34" charset="-122"/>
+                <a:cs typeface="+mn-ea"/>
+                <a:sym typeface="+mn-lt"/>
+              </a:rPr>
+              <a:t>È lo spazio colore più adatto per confrontare le differenze percepite visivamente. </a:t>
+            </a:r>
+            <a:endParaRPr lang="zh-CN" altLang="en-US" sz="1400" dirty="0">
+              <a:solidFill>
+                <a:schemeClr val="tx1">
+                  <a:lumMod val="50000"/>
+                  <a:lumOff val="50000"/>
+                </a:schemeClr>
+              </a:solidFill>
+              <a:ea typeface="微软雅黑" panose="020B0503020204020204" pitchFamily="34" charset="-122"/>
+              <a:cs typeface="+mn-ea"/>
+              <a:sym typeface="+mn-lt"/>
+            </a:endParaRPr>
+          </a:p>
+        </p:txBody>
+      </p:sp>
+      <p:sp>
+        <p:nvSpPr>
+          <p:cNvPr id="13" name="TextBox 12">
+            <a:extLst>
+              <a:ext uri="{FF2B5EF4-FFF2-40B4-BE49-F238E27FC236}">
+                <a16:creationId xmlns:a16="http://schemas.microsoft.com/office/drawing/2014/main" id="{2427A845-19F5-BCCB-474E-E390C3AE2F70}"/>
+              </a:ext>
+            </a:extLst>
+          </p:cNvPr>
+          <p:cNvSpPr txBox="1"/>
+          <p:nvPr/>
+        </p:nvSpPr>
+        <p:spPr>
+          <a:xfrm>
+            <a:off x="3961391" y="4923320"/>
+            <a:ext cx="3869104" cy="1600438"/>
+          </a:xfrm>
+          <a:prstGeom prst="rect">
+            <a:avLst/>
+          </a:prstGeom>
+          <a:noFill/>
+        </p:spPr>
+        <p:txBody>
+          <a:bodyPr wrap="square">
+            <a:spAutoFit/>
+          </a:bodyPr>
+          <a:lstStyle/>
+          <a:p>
+            <a:pPr fontAlgn="auto">
+              <a:spcAft>
+                <a:spcPts val="1200"/>
+              </a:spcAft>
+            </a:pPr>
+            <a:r>
+              <a:rPr lang="en-US" altLang="zh-CN" sz="1800" b="1" dirty="0">
+                <a:ea typeface="微软雅黑" panose="020B0503020204020204" pitchFamily="34" charset="-122"/>
+                <a:cs typeface="+mn-ea"/>
+                <a:sym typeface="+mn-lt"/>
+              </a:rPr>
+              <a:t>2. </a:t>
+            </a:r>
+            <a:r>
+              <a:rPr lang="en-US" altLang="zh-CN" b="1" dirty="0">
+                <a:ea typeface="微软雅黑" panose="020B0503020204020204" pitchFamily="34" charset="-122"/>
+                <a:cs typeface="+mn-ea"/>
+                <a:sym typeface="+mn-lt"/>
+              </a:rPr>
+              <a:t>Come </a:t>
+            </a:r>
+            <a:r>
+              <a:rPr lang="en-US" altLang="zh-CN" b="1" dirty="0" err="1">
+                <a:ea typeface="微软雅黑" panose="020B0503020204020204" pitchFamily="34" charset="-122"/>
+                <a:cs typeface="+mn-ea"/>
+                <a:sym typeface="+mn-lt"/>
+              </a:rPr>
+              <a:t>discrimina</a:t>
+            </a:r>
+            <a:r>
+              <a:rPr lang="en-US" altLang="zh-CN" b="1" dirty="0">
+                <a:ea typeface="微软雅黑" panose="020B0503020204020204" pitchFamily="34" charset="-122"/>
+                <a:cs typeface="+mn-ea"/>
+                <a:sym typeface="+mn-lt"/>
+              </a:rPr>
+              <a:t> </a:t>
+            </a:r>
+            <a:r>
+              <a:rPr lang="en-US" altLang="zh-CN" b="1" dirty="0" err="1">
+                <a:ea typeface="微软雅黑" panose="020B0503020204020204" pitchFamily="34" charset="-122"/>
+                <a:cs typeface="+mn-ea"/>
+                <a:sym typeface="+mn-lt"/>
+              </a:rPr>
+              <a:t>l’algoritmo</a:t>
+            </a:r>
+            <a:r>
+              <a:rPr lang="en-US" altLang="zh-CN" b="1" dirty="0">
+                <a:ea typeface="微软雅黑" panose="020B0503020204020204" pitchFamily="34" charset="-122"/>
+                <a:cs typeface="+mn-ea"/>
+                <a:sym typeface="+mn-lt"/>
+              </a:rPr>
+              <a:t>?</a:t>
+            </a:r>
+            <a:endParaRPr lang="en-US" altLang="zh-CN" sz="1800" b="1" dirty="0">
+              <a:ea typeface="微软雅黑" panose="020B0503020204020204" pitchFamily="34" charset="-122"/>
+              <a:cs typeface="+mn-ea"/>
+              <a:sym typeface="+mn-lt"/>
+            </a:endParaRPr>
+          </a:p>
+          <a:p>
+            <a:pPr fontAlgn="auto"/>
+            <a:r>
+              <a:rPr lang="it-IT" altLang="zh-CN" sz="1400" dirty="0">
+                <a:solidFill>
+                  <a:schemeClr val="tx1">
+                    <a:lumMod val="50000"/>
+                    <a:lumOff val="50000"/>
+                  </a:schemeClr>
+                </a:solidFill>
+                <a:ea typeface="微软雅黑" panose="020B0503020204020204" pitchFamily="34" charset="-122"/>
+                <a:cs typeface="+mn-ea"/>
+                <a:sym typeface="+mn-lt"/>
+              </a:rPr>
+              <a:t>Il metodo </a:t>
+            </a:r>
+            <a:r>
+              <a:rPr lang="it-IT" altLang="zh-CN" sz="1400" dirty="0" err="1">
+                <a:solidFill>
+                  <a:schemeClr val="tx1">
+                    <a:lumMod val="50000"/>
+                    <a:lumOff val="50000"/>
+                  </a:schemeClr>
+                </a:solidFill>
+                <a:ea typeface="微软雅黑" panose="020B0503020204020204" pitchFamily="34" charset="-122"/>
+                <a:cs typeface="+mn-ea"/>
+                <a:sym typeface="+mn-lt"/>
+              </a:rPr>
+              <a:t>region-growing</a:t>
+            </a:r>
+            <a:r>
+              <a:rPr lang="it-IT" altLang="zh-CN" sz="1400" dirty="0">
+                <a:solidFill>
+                  <a:schemeClr val="tx1">
+                    <a:lumMod val="50000"/>
+                    <a:lumOff val="50000"/>
+                  </a:schemeClr>
+                </a:solidFill>
+                <a:ea typeface="微软雅黑" panose="020B0503020204020204" pitchFamily="34" charset="-122"/>
+                <a:cs typeface="+mn-ea"/>
+                <a:sym typeface="+mn-lt"/>
+              </a:rPr>
+              <a:t> che abbiamo implementato calcola la distanza nel colore LAB </a:t>
+            </a:r>
+            <a:r>
+              <a:rPr lang="it-IT" altLang="zh-CN" sz="1400" dirty="0" err="1">
+                <a:solidFill>
+                  <a:schemeClr val="tx1">
+                    <a:lumMod val="50000"/>
+                    <a:lumOff val="50000"/>
+                  </a:schemeClr>
+                </a:solidFill>
+                <a:ea typeface="微软雅黑" panose="020B0503020204020204" pitchFamily="34" charset="-122"/>
+                <a:cs typeface="+mn-ea"/>
+                <a:sym typeface="+mn-lt"/>
+              </a:rPr>
+              <a:t>rispoetto</a:t>
+            </a:r>
+            <a:r>
+              <a:rPr lang="it-IT" altLang="zh-CN" sz="1400" dirty="0">
+                <a:solidFill>
+                  <a:schemeClr val="tx1">
+                    <a:lumMod val="50000"/>
+                    <a:lumOff val="50000"/>
+                  </a:schemeClr>
+                </a:solidFill>
+                <a:ea typeface="微软雅黑" panose="020B0503020204020204" pitchFamily="34" charset="-122"/>
+                <a:cs typeface="+mn-ea"/>
+                <a:sym typeface="+mn-lt"/>
+              </a:rPr>
+              <a:t> al seme con un peso di 0.5 su L.</a:t>
+            </a:r>
+          </a:p>
+          <a:p>
+            <a:pPr fontAlgn="auto"/>
+            <a:r>
+              <a:rPr lang="it-IT" altLang="zh-CN" sz="1400" dirty="0">
+                <a:solidFill>
+                  <a:schemeClr val="tx1">
+                    <a:lumMod val="50000"/>
+                    <a:lumOff val="50000"/>
+                  </a:schemeClr>
+                </a:solidFill>
+                <a:ea typeface="微软雅黑" panose="020B0503020204020204" pitchFamily="34" charset="-122"/>
+                <a:cs typeface="+mn-ea"/>
+                <a:sym typeface="+mn-lt"/>
+              </a:rPr>
+              <a:t>Se la distanza è inferiore alla soglia, il pixel viene aggiunto al background. </a:t>
+            </a:r>
+            <a:endParaRPr lang="zh-CN" altLang="en-US" sz="1400" dirty="0">
+              <a:solidFill>
+                <a:schemeClr val="tx1">
+                  <a:lumMod val="50000"/>
+                  <a:lumOff val="50000"/>
+                </a:schemeClr>
+              </a:solidFill>
+              <a:ea typeface="微软雅黑" panose="020B0503020204020204" pitchFamily="34" charset="-122"/>
+              <a:cs typeface="+mn-ea"/>
+              <a:sym typeface="+mn-lt"/>
+            </a:endParaRPr>
+          </a:p>
+        </p:txBody>
+      </p:sp>
+      <p:sp>
+        <p:nvSpPr>
+          <p:cNvPr id="6" name="TextBox 12">
+            <a:extLst>
+              <a:ext uri="{FF2B5EF4-FFF2-40B4-BE49-F238E27FC236}">
+                <a16:creationId xmlns:a16="http://schemas.microsoft.com/office/drawing/2014/main" id="{09D08E42-0BC8-36EB-ED53-54AAC6AD4382}"/>
+              </a:ext>
+            </a:extLst>
+          </p:cNvPr>
+          <p:cNvSpPr txBox="1"/>
+          <p:nvPr/>
+        </p:nvSpPr>
+        <p:spPr>
+          <a:xfrm>
+            <a:off x="8682291" y="4678069"/>
+            <a:ext cx="2504668" cy="1877437"/>
+          </a:xfrm>
+          <a:prstGeom prst="rect">
+            <a:avLst/>
+          </a:prstGeom>
+          <a:noFill/>
+        </p:spPr>
+        <p:txBody>
+          <a:bodyPr wrap="square">
+            <a:spAutoFit/>
+          </a:bodyPr>
+          <a:lstStyle/>
+          <a:p>
+            <a:pPr fontAlgn="auto">
+              <a:spcAft>
+                <a:spcPts val="1200"/>
+              </a:spcAft>
+            </a:pPr>
+            <a:r>
+              <a:rPr lang="en-US" altLang="zh-CN" sz="1800" b="1" dirty="0">
+                <a:ea typeface="微软雅黑" panose="020B0503020204020204" pitchFamily="34" charset="-122"/>
+                <a:cs typeface="+mn-ea"/>
+                <a:sym typeface="+mn-lt"/>
+              </a:rPr>
+              <a:t>3.  </a:t>
+            </a:r>
+            <a:r>
+              <a:rPr lang="en-US" altLang="zh-CN" sz="1800" b="1" dirty="0" err="1">
+                <a:ea typeface="微软雅黑" panose="020B0503020204020204" pitchFamily="34" charset="-122"/>
+                <a:cs typeface="+mn-ea"/>
+                <a:sym typeface="+mn-lt"/>
+              </a:rPr>
+              <a:t>Perchè</a:t>
+            </a:r>
+            <a:r>
+              <a:rPr lang="en-US" altLang="zh-CN" sz="1800" b="1" dirty="0">
+                <a:ea typeface="微软雅黑" panose="020B0503020204020204" pitchFamily="34" charset="-122"/>
+                <a:cs typeface="+mn-ea"/>
+                <a:sym typeface="+mn-lt"/>
+              </a:rPr>
+              <a:t> dare </a:t>
+            </a:r>
+            <a:r>
+              <a:rPr lang="en-US" altLang="zh-CN" sz="1800" b="1" dirty="0" err="1">
+                <a:ea typeface="微软雅黑" panose="020B0503020204020204" pitchFamily="34" charset="-122"/>
+                <a:cs typeface="+mn-ea"/>
+                <a:sym typeface="+mn-lt"/>
+              </a:rPr>
+              <a:t>meno</a:t>
+            </a:r>
+            <a:r>
+              <a:rPr lang="en-US" altLang="zh-CN" sz="1800" b="1" dirty="0">
+                <a:ea typeface="微软雅黑" panose="020B0503020204020204" pitchFamily="34" charset="-122"/>
+                <a:cs typeface="+mn-ea"/>
+                <a:sym typeface="+mn-lt"/>
+              </a:rPr>
+              <a:t> peso a L?</a:t>
+            </a:r>
+          </a:p>
+          <a:p>
+            <a:pPr fontAlgn="auto"/>
+            <a:r>
+              <a:rPr lang="it-IT" altLang="zh-CN" sz="1400" dirty="0">
+                <a:solidFill>
+                  <a:schemeClr val="tx1">
+                    <a:lumMod val="50000"/>
+                    <a:lumOff val="50000"/>
+                  </a:schemeClr>
+                </a:solidFill>
+                <a:ea typeface="微软雅黑" panose="020B0503020204020204" pitchFamily="34" charset="-122"/>
+                <a:cs typeface="+mn-ea"/>
+                <a:sym typeface="+mn-lt"/>
+              </a:rPr>
+              <a:t>Testando abbiamo notato che gli oggetti con tinte più scure venivano incluse nello sfondo. Per evitare ciò abbiamo voluto ridurre il peso di L</a:t>
+            </a:r>
+            <a:endParaRPr lang="zh-CN" altLang="en-US" sz="1400" dirty="0">
+              <a:solidFill>
+                <a:schemeClr val="tx1">
+                  <a:lumMod val="50000"/>
+                  <a:lumOff val="50000"/>
+                </a:schemeClr>
+              </a:solidFill>
+              <a:ea typeface="微软雅黑" panose="020B0503020204020204" pitchFamily="34" charset="-122"/>
+              <a:cs typeface="+mn-ea"/>
+              <a:sym typeface="+mn-lt"/>
+            </a:endParaRPr>
+          </a:p>
+        </p:txBody>
+      </p:sp>
+    </p:spTree>
+    <p:extLst>
+      <p:ext uri="{BB962C8B-B14F-4D97-AF65-F5344CB8AC3E}">
+        <p14:creationId xmlns:p14="http://schemas.microsoft.com/office/powerpoint/2010/main" val="2420993827"/>
+      </p:ext>
+    </p:extLst>
+  </p:cSld>
+  <p:clrMapOvr>
+    <a:masterClrMapping/>
+  </p:clrMapOvr>
+</p:sld>
+</file>
+
+<file path=ppt/slides/slide11.xml><?xml version="1.0" encoding="utf-8"?>
+<p:sld xmlns:a="http://schemas.openxmlformats.org/drawingml/2006/main" xmlns:r="http://schemas.openxmlformats.org/officeDocument/2006/relationships" xmlns:p="http://schemas.openxmlformats.org/presentationml/2006/main">
+  <p:cSld>
+    <p:spTree>
+      <p:nvGrpSpPr>
+        <p:cNvPr id="1" name=""/>
+        <p:cNvGrpSpPr/>
+        <p:nvPr/>
+      </p:nvGrpSpPr>
+      <p:grpSpPr>
+        <a:xfrm>
+          <a:off x="0" y="0"/>
+          <a:ext cx="0" cy="0"/>
+          <a:chOff x="0" y="0"/>
+          <a:chExt cx="0" cy="0"/>
+        </a:xfrm>
+      </p:grpSpPr>
+      <p:sp>
+        <p:nvSpPr>
           <p:cNvPr id="31" name="Rectangle 30">
             <a:extLst>
               <a:ext uri="{FF2B5EF4-FFF2-40B4-BE49-F238E27FC236}">
@@ -8980,7 +10790,7 @@
 </p:sld>
 </file>
 
-<file path=ppt/slides/slide11.xml><?xml version="1.0" encoding="utf-8"?>
+<file path=ppt/slides/slide12.xml><?xml version="1.0" encoding="utf-8"?>
 <p:sld xmlns:a="http://schemas.openxmlformats.org/drawingml/2006/main" xmlns:r="http://schemas.openxmlformats.org/officeDocument/2006/relationships" xmlns:p="http://schemas.openxmlformats.org/presentationml/2006/main">
   <p:cSld>
     <p:spTree>
@@ -9673,7 +11483,578 @@
 </p:sld>
 </file>
 
-<file path=ppt/slides/slide12.xml><?xml version="1.0" encoding="utf-8"?>
+<file path=ppt/slides/slide13.xml><?xml version="1.0" encoding="utf-8"?>
+<p:sld xmlns:a="http://schemas.openxmlformats.org/drawingml/2006/main" xmlns:r="http://schemas.openxmlformats.org/officeDocument/2006/relationships" xmlns:p="http://schemas.openxmlformats.org/presentationml/2006/main">
+  <p:cSld>
+    <p:spTree>
+      <p:nvGrpSpPr>
+        <p:cNvPr id="1" name=""/>
+        <p:cNvGrpSpPr/>
+        <p:nvPr/>
+      </p:nvGrpSpPr>
+      <p:grpSpPr>
+        <a:xfrm>
+          <a:off x="0" y="0"/>
+          <a:ext cx="0" cy="0"/>
+          <a:chOff x="0" y="0"/>
+          <a:chExt cx="0" cy="0"/>
+        </a:xfrm>
+      </p:grpSpPr>
+      <p:sp>
+        <p:nvSpPr>
+          <p:cNvPr id="3" name="Title 2">
+            <a:extLst>
+              <a:ext uri="{FF2B5EF4-FFF2-40B4-BE49-F238E27FC236}">
+                <a16:creationId xmlns:a16="http://schemas.microsoft.com/office/drawing/2014/main" id="{E032E7D4-7B89-FF4B-160B-DEEDDD8F578C}"/>
+              </a:ext>
+            </a:extLst>
+          </p:cNvPr>
+          <p:cNvSpPr>
+            <a:spLocks noGrp="1"/>
+          </p:cNvSpPr>
+          <p:nvPr>
+            <p:ph type="title"/>
+          </p:nvPr>
+        </p:nvSpPr>
+        <p:spPr>
+          <a:xfrm>
+            <a:off x="579577" y="860560"/>
+            <a:ext cx="10800000" cy="720000"/>
+          </a:xfrm>
+        </p:spPr>
+        <p:txBody>
+          <a:bodyPr anchor="ctr">
+            <a:normAutofit fontScale="90000"/>
+          </a:bodyPr>
+          <a:lstStyle/>
+          <a:p>
+            <a:r>
+              <a:rPr lang="en-US" sz="4400" dirty="0" err="1">
+                <a:solidFill>
+                  <a:schemeClr val="tx2"/>
+                </a:solidFill>
+                <a:latin typeface="+mn-lt"/>
+                <a:ea typeface="微软雅黑" panose="020B0503020204020204" pitchFamily="34" charset="-122"/>
+                <a:cs typeface="+mn-ea"/>
+                <a:sym typeface="+mn-lt"/>
+              </a:rPr>
+              <a:t>Tentativi</a:t>
+            </a:r>
+            <a:r>
+              <a:rPr lang="en-US" sz="4400" dirty="0">
+                <a:solidFill>
+                  <a:schemeClr val="tx2"/>
+                </a:solidFill>
+                <a:latin typeface="+mn-lt"/>
+                <a:ea typeface="微软雅黑" panose="020B0503020204020204" pitchFamily="34" charset="-122"/>
+                <a:cs typeface="+mn-ea"/>
+                <a:sym typeface="+mn-lt"/>
+              </a:rPr>
+              <a:t> </a:t>
+            </a:r>
+            <a:r>
+              <a:rPr lang="en-US" sz="4400" dirty="0" err="1">
+                <a:solidFill>
+                  <a:schemeClr val="tx2"/>
+                </a:solidFill>
+                <a:latin typeface="+mn-lt"/>
+                <a:ea typeface="微软雅黑" panose="020B0503020204020204" pitchFamily="34" charset="-122"/>
+                <a:cs typeface="+mn-ea"/>
+                <a:sym typeface="+mn-lt"/>
+              </a:rPr>
+              <a:t>differenti</a:t>
+            </a:r>
+            <a:r>
+              <a:rPr lang="en-US" sz="4400" dirty="0">
+                <a:solidFill>
+                  <a:schemeClr val="tx2"/>
+                </a:solidFill>
+                <a:latin typeface="+mn-lt"/>
+                <a:ea typeface="微软雅黑" panose="020B0503020204020204" pitchFamily="34" charset="-122"/>
+                <a:cs typeface="+mn-ea"/>
+                <a:sym typeface="+mn-lt"/>
+              </a:rPr>
+              <a:t>(Nome slide da </a:t>
+            </a:r>
+            <a:r>
+              <a:rPr lang="en-US" sz="4400" dirty="0" err="1">
+                <a:solidFill>
+                  <a:schemeClr val="tx2"/>
+                </a:solidFill>
+                <a:latin typeface="+mn-lt"/>
+                <a:ea typeface="微软雅黑" panose="020B0503020204020204" pitchFamily="34" charset="-122"/>
+                <a:cs typeface="+mn-ea"/>
+                <a:sym typeface="+mn-lt"/>
+              </a:rPr>
+              <a:t>elaborare</a:t>
+            </a:r>
+            <a:r>
+              <a:rPr lang="en-US" sz="4400" dirty="0">
+                <a:solidFill>
+                  <a:schemeClr val="tx2"/>
+                </a:solidFill>
+                <a:latin typeface="+mn-lt"/>
+                <a:ea typeface="微软雅黑" panose="020B0503020204020204" pitchFamily="34" charset="-122"/>
+                <a:cs typeface="+mn-ea"/>
+                <a:sym typeface="+mn-lt"/>
+              </a:rPr>
+              <a:t>)</a:t>
+            </a:r>
+          </a:p>
+        </p:txBody>
+      </p:sp>
+      <p:graphicFrame>
+        <p:nvGraphicFramePr>
+          <p:cNvPr id="4" name="Chart 3">
+            <a:extLst>
+              <a:ext uri="{FF2B5EF4-FFF2-40B4-BE49-F238E27FC236}">
+                <a16:creationId xmlns:a16="http://schemas.microsoft.com/office/drawing/2014/main" id="{B549A419-1FC0-4B2A-0613-C4BF346EFCA5}"/>
+              </a:ext>
+            </a:extLst>
+          </p:cNvPr>
+          <p:cNvGraphicFramePr/>
+          <p:nvPr/>
+        </p:nvGraphicFramePr>
+        <p:xfrm>
+          <a:off x="6748042" y="1737500"/>
+          <a:ext cx="4748634" cy="4529625"/>
+        </p:xfrm>
+        <a:graphic>
+          <a:graphicData uri="http://schemas.openxmlformats.org/drawingml/2006/chart">
+            <c:chart xmlns:c="http://schemas.openxmlformats.org/drawingml/2006/chart" xmlns:r="http://schemas.openxmlformats.org/officeDocument/2006/relationships" r:id="rId3"/>
+          </a:graphicData>
+        </a:graphic>
+      </p:graphicFrame>
+      <p:sp>
+        <p:nvSpPr>
+          <p:cNvPr id="5" name="TextBox 4">
+            <a:extLst>
+              <a:ext uri="{FF2B5EF4-FFF2-40B4-BE49-F238E27FC236}">
+                <a16:creationId xmlns:a16="http://schemas.microsoft.com/office/drawing/2014/main" id="{F30CACA5-599A-7AEF-56E1-F31E077779AF}"/>
+              </a:ext>
+            </a:extLst>
+          </p:cNvPr>
+          <p:cNvSpPr txBox="1"/>
+          <p:nvPr/>
+        </p:nvSpPr>
+        <p:spPr>
+          <a:xfrm>
+            <a:off x="591153" y="395843"/>
+            <a:ext cx="2997200" cy="307777"/>
+          </a:xfrm>
+          <a:prstGeom prst="rect">
+            <a:avLst/>
+          </a:prstGeom>
+          <a:noFill/>
+        </p:spPr>
+        <p:txBody>
+          <a:bodyPr wrap="square" rtlCol="0">
+            <a:spAutoFit/>
+          </a:bodyPr>
+          <a:lstStyle/>
+          <a:p>
+            <a:r>
+              <a:rPr lang="en-US" sz="1400" dirty="0" err="1">
+                <a:ea typeface="微软雅黑" panose="020B0503020204020204" pitchFamily="34" charset="-122"/>
+                <a:cs typeface="+mn-ea"/>
+                <a:sym typeface="+mn-lt"/>
+              </a:rPr>
+              <a:t>JustFreeSlide</a:t>
+            </a:r>
+            <a:endParaRPr lang="en-US" sz="1400" dirty="0">
+              <a:ea typeface="微软雅黑" panose="020B0503020204020204" pitchFamily="34" charset="-122"/>
+              <a:cs typeface="+mn-ea"/>
+              <a:sym typeface="+mn-lt"/>
+            </a:endParaRPr>
+          </a:p>
+        </p:txBody>
+      </p:sp>
+      <p:sp>
+        <p:nvSpPr>
+          <p:cNvPr id="6" name="TextBox 5">
+            <a:extLst>
+              <a:ext uri="{FF2B5EF4-FFF2-40B4-BE49-F238E27FC236}">
+                <a16:creationId xmlns:a16="http://schemas.microsoft.com/office/drawing/2014/main" id="{B552B4F4-0A07-7BAF-C18B-0AFBE9D1A214}"/>
+              </a:ext>
+            </a:extLst>
+          </p:cNvPr>
+          <p:cNvSpPr txBox="1"/>
+          <p:nvPr/>
+        </p:nvSpPr>
+        <p:spPr>
+          <a:xfrm>
+            <a:off x="8603649" y="395843"/>
+            <a:ext cx="2997200" cy="307777"/>
+          </a:xfrm>
+          <a:prstGeom prst="rect">
+            <a:avLst/>
+          </a:prstGeom>
+          <a:noFill/>
+        </p:spPr>
+        <p:txBody>
+          <a:bodyPr wrap="square" rtlCol="0">
+            <a:spAutoFit/>
+          </a:bodyPr>
+          <a:lstStyle/>
+          <a:p>
+            <a:pPr algn="r"/>
+            <a:r>
+              <a:rPr lang="en-US" sz="1400" dirty="0">
+                <a:ea typeface="微软雅黑" panose="020B0503020204020204" pitchFamily="34" charset="-122"/>
+                <a:cs typeface="+mn-ea"/>
+                <a:sym typeface="+mn-lt"/>
+              </a:rPr>
+              <a:t>Minimal Presentation</a:t>
+            </a:r>
+          </a:p>
+        </p:txBody>
+      </p:sp>
+      <p:sp>
+        <p:nvSpPr>
+          <p:cNvPr id="8" name="TextBox 7">
+            <a:extLst>
+              <a:ext uri="{FF2B5EF4-FFF2-40B4-BE49-F238E27FC236}">
+                <a16:creationId xmlns:a16="http://schemas.microsoft.com/office/drawing/2014/main" id="{A2BA9B5F-3741-0DC6-3EA7-716B00BE103E}"/>
+              </a:ext>
+            </a:extLst>
+          </p:cNvPr>
+          <p:cNvSpPr txBox="1"/>
+          <p:nvPr/>
+        </p:nvSpPr>
+        <p:spPr>
+          <a:xfrm>
+            <a:off x="3810578" y="2289337"/>
+            <a:ext cx="2504668" cy="954107"/>
+          </a:xfrm>
+          <a:prstGeom prst="rect">
+            <a:avLst/>
+          </a:prstGeom>
+          <a:noFill/>
+        </p:spPr>
+        <p:txBody>
+          <a:bodyPr wrap="square">
+            <a:spAutoFit/>
+          </a:bodyPr>
+          <a:lstStyle/>
+          <a:p>
+            <a:pPr fontAlgn="auto">
+              <a:spcAft>
+                <a:spcPts val="1200"/>
+              </a:spcAft>
+            </a:pPr>
+            <a:r>
+              <a:rPr lang="en-US" altLang="zh-CN" sz="1800" b="1" dirty="0">
+                <a:ea typeface="微软雅黑" panose="020B0503020204020204" pitchFamily="34" charset="-122"/>
+                <a:cs typeface="+mn-ea"/>
+                <a:sym typeface="+mn-lt"/>
+              </a:rPr>
+              <a:t>1. Your title here</a:t>
+            </a:r>
+          </a:p>
+          <a:p>
+            <a:pPr fontAlgn="auto"/>
+            <a:r>
+              <a:rPr lang="zh-CN" altLang="en-US" sz="1400" dirty="0">
+                <a:solidFill>
+                  <a:schemeClr val="tx1">
+                    <a:lumMod val="50000"/>
+                    <a:lumOff val="50000"/>
+                  </a:schemeClr>
+                </a:solidFill>
+                <a:ea typeface="微软雅黑" panose="020B0503020204020204" pitchFamily="34" charset="-122"/>
+                <a:cs typeface="+mn-ea"/>
+                <a:sym typeface="+mn-lt"/>
+              </a:rPr>
+              <a:t>In post mean shot ye. There out her child sir his lived. </a:t>
+            </a:r>
+          </a:p>
+        </p:txBody>
+      </p:sp>
+      <p:sp>
+        <p:nvSpPr>
+          <p:cNvPr id="9" name="TextBox 8">
+            <a:extLst>
+              <a:ext uri="{FF2B5EF4-FFF2-40B4-BE49-F238E27FC236}">
+                <a16:creationId xmlns:a16="http://schemas.microsoft.com/office/drawing/2014/main" id="{FF2D0CA7-4B1F-B542-F879-5C1950383F43}"/>
+              </a:ext>
+            </a:extLst>
+          </p:cNvPr>
+          <p:cNvSpPr txBox="1"/>
+          <p:nvPr/>
+        </p:nvSpPr>
+        <p:spPr>
+          <a:xfrm>
+            <a:off x="3810578" y="3666335"/>
+            <a:ext cx="2504668" cy="954107"/>
+          </a:xfrm>
+          <a:prstGeom prst="rect">
+            <a:avLst/>
+          </a:prstGeom>
+          <a:noFill/>
+        </p:spPr>
+        <p:txBody>
+          <a:bodyPr wrap="square">
+            <a:spAutoFit/>
+          </a:bodyPr>
+          <a:lstStyle/>
+          <a:p>
+            <a:pPr fontAlgn="auto">
+              <a:spcAft>
+                <a:spcPts val="1200"/>
+              </a:spcAft>
+            </a:pPr>
+            <a:r>
+              <a:rPr lang="en-US" altLang="zh-CN" sz="1800" b="1" dirty="0">
+                <a:ea typeface="微软雅黑" panose="020B0503020204020204" pitchFamily="34" charset="-122"/>
+                <a:cs typeface="+mn-ea"/>
+                <a:sym typeface="+mn-lt"/>
+              </a:rPr>
+              <a:t>2. Your title here</a:t>
+            </a:r>
+          </a:p>
+          <a:p>
+            <a:pPr fontAlgn="auto"/>
+            <a:r>
+              <a:rPr lang="zh-CN" altLang="en-US" sz="1400" dirty="0">
+                <a:solidFill>
+                  <a:schemeClr val="tx1">
+                    <a:lumMod val="50000"/>
+                    <a:lumOff val="50000"/>
+                  </a:schemeClr>
+                </a:solidFill>
+                <a:ea typeface="微软雅黑" panose="020B0503020204020204" pitchFamily="34" charset="-122"/>
+                <a:cs typeface="+mn-ea"/>
+                <a:sym typeface="+mn-lt"/>
+              </a:rPr>
+              <a:t>In post mean shot ye. There out her child sir his lived. </a:t>
+            </a:r>
+          </a:p>
+        </p:txBody>
+      </p:sp>
+      <p:sp>
+        <p:nvSpPr>
+          <p:cNvPr id="10" name="TextBox 9">
+            <a:extLst>
+              <a:ext uri="{FF2B5EF4-FFF2-40B4-BE49-F238E27FC236}">
+                <a16:creationId xmlns:a16="http://schemas.microsoft.com/office/drawing/2014/main" id="{153A398B-C82F-8E4D-7F8D-34622B4D517F}"/>
+              </a:ext>
+            </a:extLst>
+          </p:cNvPr>
+          <p:cNvSpPr txBox="1"/>
+          <p:nvPr/>
+        </p:nvSpPr>
+        <p:spPr>
+          <a:xfrm>
+            <a:off x="3810578" y="5043333"/>
+            <a:ext cx="2504668" cy="954107"/>
+          </a:xfrm>
+          <a:prstGeom prst="rect">
+            <a:avLst/>
+          </a:prstGeom>
+          <a:noFill/>
+        </p:spPr>
+        <p:txBody>
+          <a:bodyPr wrap="square">
+            <a:spAutoFit/>
+          </a:bodyPr>
+          <a:lstStyle/>
+          <a:p>
+            <a:pPr fontAlgn="auto">
+              <a:spcAft>
+                <a:spcPts val="1200"/>
+              </a:spcAft>
+            </a:pPr>
+            <a:r>
+              <a:rPr lang="en-US" altLang="zh-CN" sz="1800" b="1" dirty="0">
+                <a:ea typeface="微软雅黑" panose="020B0503020204020204" pitchFamily="34" charset="-122"/>
+                <a:cs typeface="+mn-ea"/>
+                <a:sym typeface="+mn-lt"/>
+              </a:rPr>
+              <a:t>3. Your title here</a:t>
+            </a:r>
+          </a:p>
+          <a:p>
+            <a:pPr fontAlgn="auto"/>
+            <a:r>
+              <a:rPr lang="zh-CN" altLang="en-US" sz="1400" dirty="0">
+                <a:solidFill>
+                  <a:schemeClr val="tx1">
+                    <a:lumMod val="50000"/>
+                    <a:lumOff val="50000"/>
+                  </a:schemeClr>
+                </a:solidFill>
+                <a:ea typeface="微软雅黑" panose="020B0503020204020204" pitchFamily="34" charset="-122"/>
+                <a:cs typeface="+mn-ea"/>
+                <a:sym typeface="+mn-lt"/>
+              </a:rPr>
+              <a:t>In post mean shot ye. There out her child sir his lived. </a:t>
+            </a:r>
+          </a:p>
+        </p:txBody>
+      </p:sp>
+      <p:sp>
+        <p:nvSpPr>
+          <p:cNvPr id="11" name="TextBox 10">
+            <a:extLst>
+              <a:ext uri="{FF2B5EF4-FFF2-40B4-BE49-F238E27FC236}">
+                <a16:creationId xmlns:a16="http://schemas.microsoft.com/office/drawing/2014/main" id="{DD0C931C-34AA-08AA-7989-6629C1C63279}"/>
+              </a:ext>
+            </a:extLst>
+          </p:cNvPr>
+          <p:cNvSpPr txBox="1"/>
+          <p:nvPr/>
+        </p:nvSpPr>
+        <p:spPr>
+          <a:xfrm>
+            <a:off x="591151" y="2289337"/>
+            <a:ext cx="2406692" cy="2308324"/>
+          </a:xfrm>
+          <a:prstGeom prst="rect">
+            <a:avLst/>
+          </a:prstGeom>
+          <a:noFill/>
+        </p:spPr>
+        <p:txBody>
+          <a:bodyPr wrap="square">
+            <a:spAutoFit/>
+          </a:bodyPr>
+          <a:lstStyle/>
+          <a:p>
+            <a:pPr fontAlgn="auto">
+              <a:spcAft>
+                <a:spcPts val="1200"/>
+              </a:spcAft>
+            </a:pPr>
+            <a:r>
+              <a:rPr lang="en-US" altLang="zh-CN" sz="1800" b="1" dirty="0">
+                <a:ea typeface="微软雅黑" panose="020B0503020204020204" pitchFamily="34" charset="-122"/>
+                <a:cs typeface="+mn-ea"/>
+                <a:sym typeface="+mn-lt"/>
+              </a:rPr>
+              <a:t>Your title here</a:t>
+            </a:r>
+            <a:r>
+              <a:rPr lang="en-US" altLang="zh-CN" b="1" dirty="0">
+                <a:ea typeface="微软雅黑" panose="020B0503020204020204" pitchFamily="34" charset="-122"/>
+                <a:cs typeface="+mn-ea"/>
+                <a:sym typeface="+mn-lt"/>
+              </a:rPr>
+              <a:t> </a:t>
+            </a:r>
+            <a:r>
+              <a:rPr lang="zh-CN" altLang="en-US" b="1" dirty="0">
+                <a:ea typeface="微软雅黑" panose="020B0503020204020204" pitchFamily="34" charset="-122"/>
+                <a:cs typeface="+mn-ea"/>
+                <a:sym typeface="+mn-lt"/>
+              </a:rPr>
+              <a:t>In post mean shot ye.</a:t>
+            </a:r>
+            <a:endParaRPr lang="en-US" altLang="zh-CN" b="1" dirty="0">
+              <a:ea typeface="微软雅黑" panose="020B0503020204020204" pitchFamily="34" charset="-122"/>
+              <a:cs typeface="+mn-ea"/>
+              <a:sym typeface="+mn-lt"/>
+            </a:endParaRPr>
+          </a:p>
+          <a:p>
+            <a:endParaRPr lang="en-US" altLang="zh-CN" sz="1400" dirty="0">
+              <a:solidFill>
+                <a:schemeClr val="tx2"/>
+              </a:solidFill>
+              <a:ea typeface="微软雅黑" panose="020B0503020204020204" pitchFamily="34" charset="-122"/>
+              <a:cs typeface="+mn-ea"/>
+              <a:sym typeface="+mn-lt"/>
+            </a:endParaRPr>
+          </a:p>
+          <a:p>
+            <a:r>
+              <a:rPr lang="zh-CN" altLang="en-US" sz="1400" dirty="0">
+                <a:solidFill>
+                  <a:schemeClr val="tx2"/>
+                </a:solidFill>
+                <a:ea typeface="微软雅黑" panose="020B0503020204020204" pitchFamily="34" charset="-122"/>
+                <a:cs typeface="+mn-ea"/>
+                <a:sym typeface="+mn-lt"/>
+              </a:rPr>
+              <a:t> There out her child sir his lived. In post mean shot ye. There out her child sir his lived. Design at uneasy me season of branch on praise esteem. </a:t>
+            </a:r>
+          </a:p>
+        </p:txBody>
+      </p:sp>
+      <p:sp>
+        <p:nvSpPr>
+          <p:cNvPr id="12" name="序号">
+            <a:extLst>
+              <a:ext uri="{FF2B5EF4-FFF2-40B4-BE49-F238E27FC236}">
+                <a16:creationId xmlns:a16="http://schemas.microsoft.com/office/drawing/2014/main" id="{DF947B64-6343-2458-ED06-1716CC2C18FD}"/>
+              </a:ext>
+            </a:extLst>
+          </p:cNvPr>
+          <p:cNvSpPr txBox="1"/>
+          <p:nvPr>
+            <p:custDataLst>
+              <p:tags r:id="rId1"/>
+            </p:custDataLst>
+          </p:nvPr>
+        </p:nvSpPr>
+        <p:spPr>
+          <a:xfrm>
+            <a:off x="695325" y="5432670"/>
+            <a:ext cx="1555815" cy="568727"/>
+          </a:xfrm>
+          <a:prstGeom prst="roundRect">
+            <a:avLst>
+              <a:gd name="adj" fmla="val 50000"/>
+            </a:avLst>
+          </a:prstGeom>
+          <a:solidFill>
+            <a:schemeClr val="bg1">
+              <a:lumMod val="95000"/>
+            </a:schemeClr>
+          </a:solidFill>
+          <a:ln>
+            <a:noFill/>
+          </a:ln>
+          <a:effectLst/>
+        </p:spPr>
+        <p:txBody>
+          <a:bodyPr wrap="none" lIns="0" tIns="0" rIns="0" bIns="0" rtlCol="0" anchor="ctr" anchorCtr="0">
+            <a:normAutofit/>
+          </a:bodyPr>
+          <a:lstStyle/>
+          <a:p>
+            <a:pPr algn="ctr">
+              <a:lnSpc>
+                <a:spcPct val="120000"/>
+              </a:lnSpc>
+            </a:pPr>
+            <a:r>
+              <a:rPr lang="en-US" altLang="zh-CN" b="1" dirty="0">
+                <a:solidFill>
+                  <a:schemeClr val="tx2"/>
+                </a:solidFill>
+                <a:ea typeface="微软雅黑" panose="020B0503020204020204" pitchFamily="34" charset="-122"/>
+                <a:cs typeface="+mn-ea"/>
+                <a:sym typeface="+mn-lt"/>
+              </a:rPr>
+              <a:t>Lorem</a:t>
+            </a:r>
+          </a:p>
+        </p:txBody>
+      </p:sp>
+    </p:spTree>
+    <p:extLst>
+      <p:ext uri="{BB962C8B-B14F-4D97-AF65-F5344CB8AC3E}">
+        <p14:creationId xmlns:p14="http://schemas.microsoft.com/office/powerpoint/2010/main" val="211430192"/>
+      </p:ext>
+    </p:extLst>
+  </p:cSld>
+  <p:clrMapOvr>
+    <a:masterClrMapping/>
+  </p:clrMapOvr>
+</p:sld>
+</file>
+
+<file path=ppt/slides/slide14.xml><?xml version="1.0" encoding="utf-8"?>
 <p:sld xmlns:a="http://schemas.openxmlformats.org/drawingml/2006/main" xmlns:r="http://schemas.openxmlformats.org/officeDocument/2006/relationships" xmlns:p="http://schemas.openxmlformats.org/presentationml/2006/main">
   <p:cSld>
     <p:spTree>
@@ -9725,18 +12106,6 @@
           <a:lstStyle/>
           <a:p>
             <a:r>
-              <a:rPr lang="en-US" sz="4400" dirty="0" err="1">
-                <a:solidFill>
-                  <a:schemeClr val="tx2"/>
-                </a:solidFill>
-                <a:latin typeface="+mn-lt"/>
-                <a:ea typeface="微软雅黑" panose="020B0503020204020204" pitchFamily="34" charset="-122"/>
-                <a:cs typeface="+mn-ea"/>
-                <a:sym typeface="+mn-lt"/>
-              </a:rPr>
-              <a:t>Acquisizione</a:t>
-            </a:r>
-            <a:r>
               <a:rPr lang="en-US" sz="4400" dirty="0">
                 <a:solidFill>
                   <a:schemeClr val="tx2"/>
@@ -9746,7 +12115,7 @@
                 <a:cs typeface="+mn-ea"/>
                 <a:sym typeface="+mn-lt"/>
               </a:rPr>
-              <a:t> </a:t>
+              <a:t>03-Acquisizione </a:t>
             </a:r>
             <a:r>
               <a:rPr lang="en-US" sz="4400" dirty="0" err="1">
@@ -11321,7 +13690,7 @@
 </p:sld>
 </file>
 
-<file path=ppt/slides/slide13.xml><?xml version="1.0" encoding="utf-8"?>
+<file path=ppt/slides/slide15.xml><?xml version="1.0" encoding="utf-8"?>
 <p:sld xmlns:a="http://schemas.openxmlformats.org/drawingml/2006/main" xmlns:r="http://schemas.openxmlformats.org/officeDocument/2006/relationships" xmlns:p="http://schemas.openxmlformats.org/presentationml/2006/main">
   <p:cSld>
     <p:spTree>
@@ -13377,7 +15746,7 @@
 </p:sld>
 </file>
 
-<file path=ppt/slides/slide14.xml><?xml version="1.0" encoding="utf-8"?>
+<file path=ppt/slides/slide16.xml><?xml version="1.0" encoding="utf-8"?>
 <p:sld xmlns:a="http://schemas.openxmlformats.org/drawingml/2006/main" xmlns:r="http://schemas.openxmlformats.org/officeDocument/2006/relationships" xmlns:p="http://schemas.openxmlformats.org/presentationml/2006/main">
   <p:cSld>
     <p:spTree>
@@ -13429,18 +15798,6 @@
           <a:lstStyle/>
           <a:p>
             <a:r>
-              <a:rPr lang="en-US" sz="4400" dirty="0" err="1">
-                <a:solidFill>
-                  <a:schemeClr val="tx2"/>
-                </a:solidFill>
-                <a:latin typeface="+mn-lt"/>
-                <a:ea typeface="微软雅黑" panose="020B0503020204020204" pitchFamily="34" charset="-122"/>
-                <a:cs typeface="+mn-ea"/>
-                <a:sym typeface="+mn-lt"/>
-              </a:rPr>
-              <a:t>Classificazione</a:t>
-            </a:r>
-            <a:r>
               <a:rPr lang="en-US" sz="4400" dirty="0">
                 <a:solidFill>
                   <a:schemeClr val="tx2"/>
@@ -13450,7 +15807,7 @@
                 <a:cs typeface="+mn-ea"/>
                 <a:sym typeface="+mn-lt"/>
               </a:rPr>
-              <a:t> </a:t>
+              <a:t>04-Classificazione </a:t>
             </a:r>
             <a:r>
               <a:rPr lang="en-US" sz="4400" dirty="0" err="1">
@@ -22126,18 +24483,6 @@
           <a:lstStyle/>
           <a:p>
             <a:r>
-              <a:rPr lang="en-US" sz="4400" dirty="0" err="1">
-                <a:solidFill>
-                  <a:schemeClr val="tx2"/>
-                </a:solidFill>
-                <a:latin typeface="+mn-lt"/>
-                <a:ea typeface="微软雅黑" panose="020B0503020204020204" pitchFamily="34" charset="-122"/>
-                <a:cs typeface="+mn-ea"/>
-                <a:sym typeface="+mn-lt"/>
-              </a:rPr>
-              <a:t>Acquisizione</a:t>
-            </a:r>
-            <a:r>
               <a:rPr lang="en-US" sz="4400" dirty="0">
                 <a:solidFill>
                   <a:schemeClr val="tx2"/>
@@ -22147,7 +24492,7 @@
                 <a:cs typeface="+mn-ea"/>
                 <a:sym typeface="+mn-lt"/>
               </a:rPr>
-              <a:t> </a:t>
+              <a:t>01-Acquisizione </a:t>
             </a:r>
             <a:r>
               <a:rPr lang="en-US" sz="4400" dirty="0" err="1">
@@ -23795,18 +26140,6 @@
           <a:lstStyle/>
           <a:p>
             <a:r>
-              <a:rPr lang="en-US" sz="4400" dirty="0" err="1">
-                <a:solidFill>
-                  <a:schemeClr val="tx2"/>
-                </a:solidFill>
-                <a:latin typeface="+mn-lt"/>
-                <a:ea typeface="微软雅黑" panose="020B0503020204020204" pitchFamily="34" charset="-122"/>
-                <a:cs typeface="+mn-ea"/>
-                <a:sym typeface="+mn-lt"/>
-              </a:rPr>
-              <a:t>Segmentazione</a:t>
-            </a:r>
-            <a:r>
               <a:rPr lang="en-US" sz="4400" dirty="0">
                 <a:solidFill>
                   <a:schemeClr val="tx2"/>
@@ -23816,7 +26149,7 @@
                 <a:cs typeface="+mn-ea"/>
                 <a:sym typeface="+mn-lt"/>
               </a:rPr>
-              <a:t> </a:t>
+              <a:t>02-Segmentazione </a:t>
             </a:r>
             <a:r>
               <a:rPr lang="en-US" sz="4400" dirty="0" err="1">
@@ -24061,30 +26394,6 @@
                 <a:t> features</a:t>
               </a:r>
             </a:p>
-            <a:p>
-              <a:pPr algn="l">
-                <a:lnSpc>
-                  <a:spcPct val="150000"/>
-                </a:lnSpc>
-                <a:spcBef>
-                  <a:spcPct val="0"/>
-                </a:spcBef>
-                <a:spcAft>
-                  <a:spcPct val="0"/>
-                </a:spcAft>
-              </a:pPr>
-              <a:r>
-                <a:rPr lang="zh-CN" altLang="en-US" sz="1400" dirty="0">
-                  <a:solidFill>
-                    <a:schemeClr val="tx2"/>
-                  </a:solidFill>
-                  <a:ea typeface="微软雅黑" panose="020B0503020204020204" pitchFamily="34" charset="-122"/>
-                  <a:cs typeface="+mn-ea"/>
-                  <a:sym typeface="+mn-lt"/>
-                </a:rPr>
-                <a:t>Design at uneasy me season of branch on praise esteem.</a:t>
-              </a:r>
-            </a:p>
           </p:txBody>
         </p:sp>
         <p:sp>
@@ -24226,14 +26535,6 @@
                 </a:rPr>
                 <a:t>Segmentazione delle Immagini</a:t>
               </a:r>
-              <a:endParaRPr lang="zh-CN" altLang="zh-CN" sz="1600" b="1" dirty="0">
-                <a:solidFill>
-                  <a:schemeClr val="bg1"/>
-                </a:solidFill>
-                <a:ea typeface="微软雅黑" panose="020B0503020204020204" pitchFamily="34" charset="-122"/>
-                <a:cs typeface="+mn-ea"/>
-                <a:sym typeface="+mn-lt"/>
-              </a:endParaRPr>
             </a:p>
             <a:p>
               <a:pPr>
@@ -24251,7 +26552,7 @@
                 <a:buFontTx/>
               </a:pPr>
               <a:r>
-                <a:rPr lang="zh-CN" altLang="en-US" sz="1400" dirty="0">
+                <a:rPr lang="it-IT" altLang="zh-CN" sz="1400" dirty="0">
                   <a:solidFill>
                     <a:schemeClr val="bg1"/>
                   </a:solidFill>
@@ -24259,8 +26560,60 @@
                   <a:cs typeface="+mn-ea"/>
                   <a:sym typeface="+mn-lt"/>
                 </a:rPr>
-                <a:t>Design at uneasy me season of branch on praise esteem.</a:t>
+                <a:t>Tramite</a:t>
               </a:r>
+              <a:r>
+                <a:rPr lang="zh-CN" altLang="it-IT" sz="1400" dirty="0">
+                  <a:solidFill>
+                    <a:schemeClr val="bg1"/>
+                  </a:solidFill>
+                  <a:ea typeface="微软雅黑" panose="020B0503020204020204" pitchFamily="34" charset="-122"/>
+                  <a:cs typeface="+mn-ea"/>
+                  <a:sym typeface="+mn-lt"/>
+                </a:rPr>
+                <a:t> </a:t>
+              </a:r>
+              <a:r>
+                <a:rPr lang="it-IT" altLang="zh-CN" sz="1400" dirty="0">
+                  <a:solidFill>
+                    <a:schemeClr val="bg1"/>
+                  </a:solidFill>
+                  <a:ea typeface="微软雅黑" panose="020B0503020204020204" pitchFamily="34" charset="-122"/>
+                  <a:cs typeface="+mn-ea"/>
+                  <a:sym typeface="+mn-lt"/>
+                </a:rPr>
+                <a:t>metodo </a:t>
+              </a:r>
+              <a:r>
+                <a:rPr lang="it-IT" altLang="zh-CN" sz="1400" u="sng" dirty="0" err="1">
+                  <a:solidFill>
+                    <a:schemeClr val="bg1"/>
+                  </a:solidFill>
+                  <a:ea typeface="微软雅黑" panose="020B0503020204020204" pitchFamily="34" charset="-122"/>
+                  <a:cs typeface="+mn-ea"/>
+                  <a:sym typeface="+mn-lt"/>
+                </a:rPr>
+                <a:t>region-growing</a:t>
+              </a:r>
+              <a:r>
+                <a:rPr lang="it-IT" altLang="zh-CN" sz="1400" dirty="0">
+                  <a:solidFill>
+                    <a:schemeClr val="bg1"/>
+                  </a:solidFill>
+                  <a:ea typeface="微软雅黑" panose="020B0503020204020204" pitchFamily="34" charset="-122"/>
+                  <a:cs typeface="+mn-ea"/>
+                  <a:sym typeface="+mn-lt"/>
+                </a:rPr>
+                <a:t> abbinato all’utilizzo dello spazio LAB</a:t>
+              </a:r>
+              <a:endParaRPr lang="zh-CN" altLang="en-US" sz="1400" dirty="0">
+                <a:solidFill>
+                  <a:schemeClr val="bg1"/>
+                </a:solidFill>
+                <a:ea typeface="微软雅黑" panose="020B0503020204020204" pitchFamily="34" charset="-122"/>
+                <a:cs typeface="+mn-ea"/>
+                <a:sym typeface="+mn-lt"/>
+              </a:endParaRPr>
             </a:p>
           </p:txBody>
         </p:sp>
@@ -24692,30 +27045,6 @@
                 <a:sym typeface="+mn-lt"/>
               </a:endParaRPr>
             </a:p>
-            <a:p>
-              <a:pPr>
-                <a:lnSpc>
-                  <a:spcPct val="150000"/>
-                </a:lnSpc>
-                <a:spcBef>
-                  <a:spcPct val="0"/>
-                </a:spcBef>
-                <a:spcAft>
-                  <a:spcPct val="0"/>
-                </a:spcAft>
-              </a:pPr>
-              <a:r>
-                <a:rPr lang="zh-CN" altLang="en-US" sz="1400" dirty="0">
-                  <a:solidFill>
-                    <a:schemeClr val="tx1"/>
-                  </a:solidFill>
-                  <a:ea typeface="微软雅黑" panose="020B0503020204020204" pitchFamily="34" charset="-122"/>
-                  <a:cs typeface="+mn-ea"/>
-                  <a:sym typeface="+mn-lt"/>
-                </a:rPr>
-                <a:t>Design at uneasy me season of branch on praise esteem.</a:t>
-              </a:r>
-            </a:p>
           </p:txBody>
         </p:sp>
         <p:sp>
@@ -25006,33 +27335,6 @@
                 <a:cs typeface="+mn-ea"/>
                 <a:sym typeface="+mn-lt"/>
               </a:endParaRPr>
-            </a:p>
-            <a:p>
-              <a:pPr>
-                <a:lnSpc>
-                  <a:spcPct val="150000"/>
-                </a:lnSpc>
-                <a:spcBef>
-                  <a:spcPct val="0"/>
-                </a:spcBef>
-                <a:spcAft>
-                  <a:spcPct val="0"/>
-                </a:spcAft>
-                <a:buClrTx/>
-                <a:buSzTx/>
-                <a:buFontTx/>
-              </a:pPr>
-              <a:r>
-                <a:rPr lang="zh-CN" altLang="en-US" sz="1400" dirty="0">
-                  <a:solidFill>
-                    <a:schemeClr val="tx2"/>
-                  </a:solidFill>
-                  <a:ea typeface="微软雅黑" panose="020B0503020204020204" pitchFamily="34" charset="-122"/>
-                  <a:cs typeface="+mn-ea"/>
-                  <a:sym typeface="+mn-lt"/>
-                </a:rPr>
-                <a:t>Design at uneasy me season of branch on praise esteem.</a:t>
-              </a:r>
             </a:p>
           </p:txBody>
         </p:sp>
@@ -25469,6 +27771,141 @@
   <p:tag name="KSO_WM_UNIT_COMPATIBLE" val="0"/>
   <p:tag name="KSO_WM_UNIT_DIAGRAM_ISNUMVISUAL" val="0"/>
   <p:tag name="KSO_WM_UNIT_DIAGRAM_ISREFERUNIT" val="0"/>
+  <p:tag name="KSO_WM_UNIT_ID" val="diagram20231731_4*l_h_i*1_4_2"/>
+  <p:tag name="KSO_WM_TEMPLATE_CATEGORY" val="diagram"/>
+  <p:tag name="KSO_WM_TEMPLATE_INDEX" val="20231731"/>
+  <p:tag name="KSO_WM_UNIT_LAYERLEVEL" val="1_1_1"/>
+  <p:tag name="KSO_WM_TAG_VERSION" val="3.0"/>
+  <p:tag name="KSO_WM_BEAUTIFY_FLAG" val="#wm#"/>
+  <p:tag name="KSO_WM_DIAGRAM_GROUP_CODE" val="l1-1"/>
+  <p:tag name="KSO_WM_UNIT_TYPE" val="l_h_i"/>
+  <p:tag name="KSO_WM_UNIT_INDEX" val="1_4_2"/>
+  <p:tag name="KSO_WM_DIAGRAM_VERSION" val="3"/>
+  <p:tag name="KSO_WM_DIAGRAM_COLOR_TRICK" val="1"/>
+  <p:tag name="KSO_WM_DIAGRAM_COLOR_TEXT_CAN_REMOVE" val="n"/>
+  <p:tag name="KSO_WM_DIAGRAM_MAX_ITEMCNT" val="6"/>
+  <p:tag name="KSO_WM_DIAGRAM_MIN_ITEMCNT" val="2"/>
+  <p:tag name="KSO_WM_DIAGRAM_VIRTUALLY_FRAME" val="{&quot;height&quot;:322.2532958984375,&quot;left&quot;:81.46551181102362,&quot;top&quot;:154.38004496416707,&quot;width&quot;:797.0689763779527}"/>
+  <p:tag name="KSO_WM_DIAGRAM_COLOR_MATCH_VALUE" val="{&quot;shape&quot;:{&quot;fill&quot;:{&quot;gradient&quot;:[{&quot;brightness&quot;:-0.25,&quot;colorType&quot;:1,&quot;foreColorIndex&quot;:5,&quot;pos&quot;:0.009999999776482582,&quot;transparency&quot;:0},{&quot;brightness&quot;:0,&quot;colorType&quot;:1,&quot;foreColorIndex&quot;:5,&quot;pos&quot;:1,&quot;transparency&quot;:0}],&quot;type&quot;:3},&quot;glow&quot;:{&quot;colorType&quot;:0},&quot;line&quot;:{&quot;type&quot;:0},&quot;shadow&quot;:{&quot;colorType&quot;:0},&quot;threeD&quot;:{&quot;curvedSurface&quot;:{&quot;brightness&quot;:0,&quot;colorType&quot;:2,&quot;rgb&quot;:&quot;#000000&quot;},&quot;depth&quot;:{&quot;colorType&quot;:0}}},&quot;text&quot;:{&quot;fill&quot;:{&quot;solid&quot;:{&quot;brightness&quot;:0,&quot;colorType&quot;:1,&quot;foreColorIndex&quot;:2,&quot;transparency&quot;:0},&quot;type&quot;:1},&quot;glow&quot;:{&quot;colorType&quot;:0},&quot;line&quot;:{&quot;type&quot;:0},&quot;shadow&quot;:{&quot;colorType&quot;:0},&quot;threeD&quot;:{&quot;curvedSurface&quot;:{&quot;brightness&quot;:0,&quot;colorType&quot;:2,&quot;rgb&quot;:&quot;#000000&quot;},&quot;depth&quot;:{&quot;colorType&quot;:0}}}}"/>
+  <p:tag name="KSO_WM_UNIT_FILL_TYPE" val="3"/>
+  <p:tag name="KSO_WM_UNIT_TEXT_FILL_FORE_SCHEMECOLOR_INDEX_BRIGHTNESS" val="0"/>
+  <p:tag name="KSO_WM_UNIT_TEXT_FILL_FORE_SCHEMECOLOR_INDEX" val="2"/>
+  <p:tag name="KSO_WM_UNIT_TEXT_FILL_TYPE" val="1"/>
+  <p:tag name="KSO_WM_UNIT_USESOURCEFORMAT_APPLY" val="1"/>
+</p:tagLst>
+</file>
+
+<file path=ppt/tags/tag101.xml><?xml version="1.0" encoding="utf-8"?>
+<p:tagLst xmlns:a="http://schemas.openxmlformats.org/drawingml/2006/main" xmlns:r="http://schemas.openxmlformats.org/officeDocument/2006/relationships" xmlns:p="http://schemas.openxmlformats.org/presentationml/2006/main">
+  <p:tag name="KSO_WM_UNIT_SUBTYPE" val="a"/>
+  <p:tag name="KSO_WM_UNIT_NOCLEAR" val="0"/>
+  <p:tag name="KSO_WM_UNIT_VALUE" val="60"/>
+  <p:tag name="KSO_WM_UNIT_HIGHLIGHT" val="0"/>
+  <p:tag name="KSO_WM_UNIT_COMPATIBLE" val="0"/>
+  <p:tag name="KSO_WM_UNIT_DIAGRAM_ISNUMVISUAL" val="0"/>
+  <p:tag name="KSO_WM_UNIT_DIAGRAM_ISREFERUNIT" val="0"/>
+  <p:tag name="KSO_WM_UNIT_TYPE" val="l_h_f"/>
+  <p:tag name="KSO_WM_UNIT_INDEX" val="1_4_1"/>
+  <p:tag name="KSO_WM_UNIT_ID" val="diagram20231731_4*l_h_f*1_4_1"/>
+  <p:tag name="KSO_WM_TEMPLATE_CATEGORY" val="diagram"/>
+  <p:tag name="KSO_WM_TEMPLATE_INDEX" val="20231731"/>
+  <p:tag name="KSO_WM_UNIT_LAYERLEVEL" val="1_1_1"/>
+  <p:tag name="KSO_WM_TAG_VERSION" val="3.0"/>
+  <p:tag name="KSO_WM_BEAUTIFY_FLAG" val="#wm#"/>
+  <p:tag name="KSO_WM_UNIT_TEXT_FILL_FORE_SCHEMECOLOR_INDEX_BRIGHTNESS" val="0.15"/>
+  <p:tag name="KSO_WM_DIAGRAM_GROUP_CODE" val="l1-1"/>
+  <p:tag name="KSO_WM_DIAGRAM_VERSION" val="3"/>
+  <p:tag name="KSO_WM_DIAGRAM_COLOR_TRICK" val="1"/>
+  <p:tag name="KSO_WM_DIAGRAM_COLOR_TEXT_CAN_REMOVE" val="n"/>
+  <p:tag name="KSO_WM_DIAGRAM_MAX_ITEMCNT" val="6"/>
+  <p:tag name="KSO_WM_DIAGRAM_MIN_ITEMCNT" val="2"/>
+  <p:tag name="KSO_WM_DIAGRAM_VIRTUALLY_FRAME" val="{&quot;height&quot;:322.2532958984375,&quot;left&quot;:81.46551181102362,&quot;top&quot;:154.38004496416707,&quot;width&quot;:797.0689763779527}"/>
+  <p:tag name="KSO_WM_DIAGRAM_COLOR_MATCH_VALUE" val="{&quot;shape&quot;:{&quot;fill&quot;:{&quot;type&quot;:0},&quot;glow&quot;:{&quot;colorType&quot;:0},&quot;line&quot;:{&quot;type&quot;:0},&quot;shadow&quot;:{&quot;colorType&quot;:0},&quot;threeD&quot;:{&quot;curvedSurface&quot;:{&quot;brightness&quot;:0,&quot;colorType&quot;:2,&quot;rgb&quot;:&quot;#000000&quot;},&quot;depth&quot;:{&quot;colorType&quot;:0}}},&quot;text&quot;:{&quot;fill&quot;:{&quot;solid&quot;:{&quot;brightness&quot;:0.15000000596046448,&quot;colorType&quot;:1,&quot;foreColorIndex&quot;:13,&quot;transparency&quot;:0},&quot;type&quot;:1},&quot;glow&quot;:{&quot;colorType&quot;:0},&quot;line&quot;:{&quot;type&quot;:0},&quot;shadow&quot;:{&quot;colorType&quot;:0},&quot;threeD&quot;:{&quot;curvedSurface&quot;:{&quot;brightness&quot;:0,&quot;colorType&quot;:2,&quot;rgb&quot;:&quot;#000000&quot;},&quot;depth&quot;:{&quot;colorType&quot;:0}}}}"/>
+  <p:tag name="KSO_WM_UNIT_PRESET_TEXT" val="单击此处输入你的项正文"/>
+  <p:tag name="KSO_WM_UNIT_TEXT_FILL_FORE_SCHEMECOLOR_INDEX" val="1"/>
+  <p:tag name="KSO_WM_UNIT_TEXT_FILL_TYPE" val="1"/>
+  <p:tag name="KSO_WM_UNIT_USESOURCEFORMAT_APPLY" val="1"/>
+</p:tagLst>
+</file>
+
+<file path=ppt/tags/tag102.xml><?xml version="1.0" encoding="utf-8"?>
+<p:tagLst xmlns:a="http://schemas.openxmlformats.org/drawingml/2006/main" xmlns:r="http://schemas.openxmlformats.org/officeDocument/2006/relationships" xmlns:p="http://schemas.openxmlformats.org/presentationml/2006/main">
+  <p:tag name="KSO_WM_UNIT_ISCONTENTSTITLE" val="0"/>
+  <p:tag name="KSO_WM_UNIT_ISNUMDGMTITLE" val="0"/>
+  <p:tag name="KSO_WM_UNIT_NOCLEAR" val="0"/>
+  <p:tag name="KSO_WM_UNIT_VALUE" val="10"/>
+  <p:tag name="KSO_WM_UNIT_HIGHLIGHT" val="0"/>
+  <p:tag name="KSO_WM_UNIT_COMPATIBLE" val="0"/>
+  <p:tag name="KSO_WM_UNIT_DIAGRAM_ISNUMVISUAL" val="0"/>
+  <p:tag name="KSO_WM_UNIT_DIAGRAM_ISREFERUNIT" val="0"/>
+  <p:tag name="KSO_WM_UNIT_TYPE" val="l_h_a"/>
+  <p:tag name="KSO_WM_UNIT_INDEX" val="1_4_1"/>
+  <p:tag name="KSO_WM_UNIT_ID" val="diagram20231731_4*l_h_a*1_4_1"/>
+  <p:tag name="KSO_WM_TEMPLATE_CATEGORY" val="diagram"/>
+  <p:tag name="KSO_WM_TEMPLATE_INDEX" val="20231731"/>
+  <p:tag name="KSO_WM_UNIT_LAYERLEVEL" val="1_1_1"/>
+  <p:tag name="KSO_WM_TAG_VERSION" val="3.0"/>
+  <p:tag name="KSO_WM_BEAUTIFY_FLAG" val="#wm#"/>
+  <p:tag name="KSO_WM_UNIT_TEXT_FILL_FORE_SCHEMECOLOR_INDEX_BRIGHTNESS" val="0.15"/>
+  <p:tag name="KSO_WM_DIAGRAM_GROUP_CODE" val="l1-1"/>
+  <p:tag name="KSO_WM_DIAGRAM_VERSION" val="3"/>
+  <p:tag name="KSO_WM_DIAGRAM_COLOR_TRICK" val="1"/>
+  <p:tag name="KSO_WM_DIAGRAM_COLOR_TEXT_CAN_REMOVE" val="n"/>
+  <p:tag name="KSO_WM_DIAGRAM_MAX_ITEMCNT" val="6"/>
+  <p:tag name="KSO_WM_DIAGRAM_MIN_ITEMCNT" val="2"/>
+  <p:tag name="KSO_WM_DIAGRAM_VIRTUALLY_FRAME" val="{&quot;height&quot;:322.2532958984375,&quot;left&quot;:81.46551181102362,&quot;top&quot;:154.38004496416707,&quot;width&quot;:797.0689763779527}"/>
+  <p:tag name="KSO_WM_DIAGRAM_COLOR_MATCH_VALUE" val="{&quot;shape&quot;:{&quot;fill&quot;:{&quot;type&quot;:0},&quot;glow&quot;:{&quot;colorType&quot;:0},&quot;line&quot;:{&quot;type&quot;:0},&quot;shadow&quot;:{&quot;colorType&quot;:0},&quot;threeD&quot;:{&quot;curvedSurface&quot;:{&quot;brightness&quot;:0,&quot;colorType&quot;:2,&quot;rgb&quot;:&quot;#000000&quot;},&quot;depth&quot;:{&quot;colorType&quot;:0}}},&quot;text&quot;:{&quot;fill&quot;:{&quot;solid&quot;:{&quot;brightness&quot;:0,&quot;colorType&quot;:1,&quot;foreColorIndex&quot;:5,&quot;transparency&quot;:0},&quot;type&quot;:1},&quot;glow&quot;:{&quot;colorType&quot;:0},&quot;line&quot;:{&quot;type&quot;:0},&quot;shadow&quot;:{&quot;colorType&quot;:0},&quot;threeD&quot;:{&quot;curvedSurface&quot;:{&quot;brightness&quot;:0,&quot;colorType&quot;:2,&quot;rgb&quot;:&quot;#000000&quot;},&quot;depth&quot;:{&quot;colorType&quot;:0}}}}"/>
+  <p:tag name="KSO_WM_UNIT_PRESET_TEXT" val="项标题"/>
+  <p:tag name="KSO_WM_UNIT_TEXT_FILL_FORE_SCHEMECOLOR_INDEX" val="1"/>
+  <p:tag name="KSO_WM_UNIT_TEXT_FILL_TYPE" val="1"/>
+  <p:tag name="KSO_WM_UNIT_USESOURCEFORMAT_APPLY" val="1"/>
+</p:tagLst>
+</file>
+
+<file path=ppt/tags/tag103.xml><?xml version="1.0" encoding="utf-8"?>
+<p:tagLst xmlns:a="http://schemas.openxmlformats.org/drawingml/2006/main" xmlns:r="http://schemas.openxmlformats.org/officeDocument/2006/relationships" xmlns:p="http://schemas.openxmlformats.org/presentationml/2006/main">
+  <p:tag name="KSO_WM_UNIT_HIGHLIGHT" val="0"/>
+  <p:tag name="KSO_WM_UNIT_COMPATIBLE" val="0"/>
+  <p:tag name="KSO_WM_UNIT_DIAGRAM_ISNUMVISUAL" val="0"/>
+  <p:tag name="KSO_WM_UNIT_DIAGRAM_ISREFERUNIT" val="0"/>
+  <p:tag name="KSO_WM_UNIT_ID" val="diagram20231731_4*l_h_i*1_4_3"/>
+  <p:tag name="KSO_WM_TEMPLATE_CATEGORY" val="diagram"/>
+  <p:tag name="KSO_WM_TEMPLATE_INDEX" val="20231731"/>
+  <p:tag name="KSO_WM_UNIT_LAYERLEVEL" val="1_1_1"/>
+  <p:tag name="KSO_WM_TAG_VERSION" val="3.0"/>
+  <p:tag name="KSO_WM_BEAUTIFY_FLAG" val="#wm#"/>
+  <p:tag name="KSO_WM_DIAGRAM_GROUP_CODE" val="l1-1"/>
+  <p:tag name="KSO_WM_UNIT_TYPE" val="l_h_i"/>
+  <p:tag name="KSO_WM_UNIT_INDEX" val="1_4_3"/>
+  <p:tag name="KSO_WM_DIAGRAM_VERSION" val="3"/>
+  <p:tag name="KSO_WM_DIAGRAM_COLOR_TRICK" val="1"/>
+  <p:tag name="KSO_WM_DIAGRAM_COLOR_TEXT_CAN_REMOVE" val="n"/>
+  <p:tag name="KSO_WM_DIAGRAM_MAX_ITEMCNT" val="6"/>
+  <p:tag name="KSO_WM_DIAGRAM_MIN_ITEMCNT" val="2"/>
+  <p:tag name="KSO_WM_DIAGRAM_VIRTUALLY_FRAME" val="{&quot;height&quot;:322.2532958984375,&quot;left&quot;:81.46551181102362,&quot;top&quot;:154.38004496416707,&quot;width&quot;:797.0689763779527}"/>
+  <p:tag name="KSO_WM_DIAGRAM_COLOR_MATCH_VALUE" val="{&quot;shape&quot;:{&quot;fill&quot;:{&quot;type&quot;:0},&quot;glow&quot;:{&quot;colorType&quot;:0},&quot;line&quot;:{&quot;gradient&quot;:[{&quot;brightness&quot;:0,&quot;colorType&quot;:1,&quot;foreColorIndex&quot;:5,&quot;pos&quot;:0,&quot;transparency&quot;:1},{&quot;brightness&quot;:0,&quot;colorType&quot;:1,&quot;foreColorIndex&quot;:5,&quot;pos&quot;:1,&quot;transparency&quot;:0}],&quot;type&quot;:2},&quot;shadow&quot;:{&quot;colorType&quot;:0},&quot;threeD&quot;:{&quot;curvedSurface&quot;:{&quot;brightness&quot;:0,&quot;colorType&quot;:2,&quot;rgb&quot;:&quot;#000000&quot;},&quot;depth&quot;:{&quot;colorType&quot;:0}}},&quot;text&quot;:{&quot;fill&quot;:{},&quot;glow&quot;:{},&quot;line&quot;:{},&quot;shadow&quot;:{},&quot;threeD&quot;:{}}}"/>
+  <p:tag name="KSO_WM_UNIT_LINE_FORE_SCHEMECOLOR_INDEX_1_BRIGHTNESS" val="0"/>
+  <p:tag name="KSO_WM_UNIT_LINE_FORE_SCHEMECOLOR_INDEX_1" val="5"/>
+  <p:tag name="KSO_WM_UNIT_LINE_FORE_SCHEMECOLOR_INDEX_1_POS" val="0"/>
+  <p:tag name="KSO_WM_UNIT_LINE_FORE_SCHEMECOLOR_INDEX_1_TRANS" val="1"/>
+  <p:tag name="KSO_WM_UNIT_LINE_FORE_SCHEMECOLOR_INDEX_2_BRIGHTNESS" val="0"/>
+  <p:tag name="KSO_WM_UNIT_LINE_FORE_SCHEMECOLOR_INDEX_2" val="5"/>
+  <p:tag name="KSO_WM_UNIT_LINE_FORE_SCHEMECOLOR_INDEX_2_POS" val="1"/>
+  <p:tag name="KSO_WM_UNIT_LINE_FORE_SCHEMECOLOR_INDEX_2_TRANS" val="0"/>
+  <p:tag name="KSO_WM_UNIT_LINE_GRADIENT_TYPE" val="0"/>
+  <p:tag name="KSO_WM_UNIT_LINE_GRADIENT_ANGLE" val="270"/>
+  <p:tag name="KSO_WM_UNIT_LINE_GRADIENT_DIRECTION" val="6"/>
+  <p:tag name="KSO_WM_UNIT_LINE_FILL_TYPE" val="5"/>
+  <p:tag name="KSO_WM_UNIT_USESOURCEFORMAT_APPLY" val="1"/>
+</p:tagLst>
+</file>
+
+<file path=ppt/tags/tag104.xml><?xml version="1.0" encoding="utf-8"?>
+<p:tagLst xmlns:a="http://schemas.openxmlformats.org/drawingml/2006/main" xmlns:r="http://schemas.openxmlformats.org/officeDocument/2006/relationships" xmlns:p="http://schemas.openxmlformats.org/presentationml/2006/main">
+  <p:tag name="KSO_WM_UNIT_HIGHLIGHT" val="0"/>
+  <p:tag name="KSO_WM_UNIT_COMPATIBLE" val="0"/>
+  <p:tag name="KSO_WM_UNIT_DIAGRAM_ISNUMVISUAL" val="0"/>
+  <p:tag name="KSO_WM_UNIT_DIAGRAM_ISREFERUNIT" val="0"/>
   <p:tag name="KSO_WM_UNIT_ID" val="diagram20231731_4*l_h_i*1_3_1"/>
   <p:tag name="KSO_WM_TEMPLATE_CATEGORY" val="diagram"/>
   <p:tag name="KSO_WM_TEMPLATE_INDEX" val="20231731"/>
@@ -25497,7 +27934,7 @@
 </p:tagLst>
 </file>
 
-<file path=ppt/tags/tag101.xml><?xml version="1.0" encoding="utf-8"?>
+<file path=ppt/tags/tag105.xml><?xml version="1.0" encoding="utf-8"?>
 <p:tagLst xmlns:a="http://schemas.openxmlformats.org/drawingml/2006/main" xmlns:r="http://schemas.openxmlformats.org/officeDocument/2006/relationships" xmlns:p="http://schemas.openxmlformats.org/presentationml/2006/main">
   <p:tag name="KSO_WM_UNIT_HIGHLIGHT" val="0"/>
   <p:tag name="KSO_WM_UNIT_COMPATIBLE" val="0"/>
@@ -25527,7 +27964,7 @@
 </p:tagLst>
 </file>
 
-<file path=ppt/tags/tag102.xml><?xml version="1.0" encoding="utf-8"?>
+<file path=ppt/tags/tag106.xml><?xml version="1.0" encoding="utf-8"?>
 <p:tagLst xmlns:a="http://schemas.openxmlformats.org/drawingml/2006/main" xmlns:r="http://schemas.openxmlformats.org/officeDocument/2006/relationships" xmlns:p="http://schemas.openxmlformats.org/presentationml/2006/main">
   <p:tag name="KSO_WM_UNIT_SUBTYPE" val="a"/>
   <p:tag name="KSO_WM_UNIT_NOCLEAR" val="0"/>
@@ -25560,7 +27997,7 @@
 </p:tagLst>
 </file>
 
-<file path=ppt/tags/tag103.xml><?xml version="1.0" encoding="utf-8"?>
+<file path=ppt/tags/tag107.xml><?xml version="1.0" encoding="utf-8"?>
 <p:tagLst xmlns:a="http://schemas.openxmlformats.org/drawingml/2006/main" xmlns:r="http://schemas.openxmlformats.org/officeDocument/2006/relationships" xmlns:p="http://schemas.openxmlformats.org/presentationml/2006/main">
   <p:tag name="KSO_WM_UNIT_ISCONTENTSTITLE" val="0"/>
   <p:tag name="KSO_WM_UNIT_ISNUMDGMTITLE" val="0"/>
@@ -25594,7 +28031,7 @@
 </p:tagLst>
 </file>
 
-<file path=ppt/tags/tag104.xml><?xml version="1.0" encoding="utf-8"?>
+<file path=ppt/tags/tag108.xml><?xml version="1.0" encoding="utf-8"?>
 <p:tagLst xmlns:a="http://schemas.openxmlformats.org/drawingml/2006/main" xmlns:r="http://schemas.openxmlformats.org/officeDocument/2006/relationships" xmlns:p="http://schemas.openxmlformats.org/presentationml/2006/main">
   <p:tag name="KSO_WM_UNIT_HIGHLIGHT" val="0"/>
   <p:tag name="KSO_WM_UNIT_COMPATIBLE" val="0"/>
@@ -25629,130 +28066,6 @@
   <p:tag name="KSO_WM_UNIT_LINE_GRADIENT_DIRECTION" val="6"/>
   <p:tag name="KSO_WM_UNIT_LINE_FILL_TYPE" val="5"/>
   <p:tag name="KSO_WM_UNIT_USESOURCEFORMAT_APPLY" val="1"/>
-</p:tagLst>
-</file>
-
-<file path=ppt/tags/tag105.xml><?xml version="1.0" encoding="utf-8"?>
-<p:tagLst xmlns:a="http://schemas.openxmlformats.org/drawingml/2006/main" xmlns:r="http://schemas.openxmlformats.org/officeDocument/2006/relationships" xmlns:p="http://schemas.openxmlformats.org/presentationml/2006/main">
-  <p:tag name="KSO_WM_DIAGRAM_MAX_ITEMCNT" val="6"/>
-  <p:tag name="KSO_WM_DIAGRAM_MIN_ITEMCNT" val="2"/>
-  <p:tag name="KSO_WM_DIAGRAM_VIRTUALLY_FRAME" val="{&quot;height&quot;:254.17961120605463,&quot;left&quot;:47.67235019954169,&quot;top&quot;:177.81948573555533,&quot;width&quot;:864.8666381835938}"/>
-  <p:tag name="KSO_WM_DIAGRAM_COLOR_MATCH_VALUE" val="{&quot;shape&quot;:{&quot;fill&quot;:{&quot;gradient&quot;:[{&quot;brightness&quot;:0.8999999761581421,&quot;colorType&quot;:1,&quot;foreColorIndex&quot;:6,&quot;pos&quot;:0.019999999552965164,&quot;transparency&quot;:0},{&quot;brightness&quot;:0.8999999761581421,&quot;colorType&quot;:1,&quot;foreColorIndex&quot;:6,&quot;pos&quot;:1,&quot;transparency&quot;:0}],&quot;type&quot;:3},&quot;glow&quot;:{&quot;colorType&quot;:0},&quot;line&quot;:{&quot;type&quot;:0},&quot;shadow&quot;:{&quot;colorType&quot;:0},&quot;threeD&quot;:{&quot;curvedSurface&quot;:{&quot;brightness&quot;:0,&quot;colorType&quot;:2,&quot;rgb&quot;:&quot;#000000&quot;},&quot;depth&quot;:{&quot;colorType&quot;:0}}},&quot;text&quot;:{&quot;fill&quot;:{&quot;solid&quot;:{&quot;brightness&quot;:0,&quot;colorType&quot;:1,&quot;foreColorIndex&quot;:6,&quot;transparency&quot;:0},&quot;type&quot;:1},&quot;glow&quot;:{&quot;colorType&quot;:0},&quot;line&quot;:{&quot;type&quot;:0},&quot;shadow&quot;:{&quot;colorType&quot;:0},&quot;threeD&quot;:{&quot;curvedSurface&quot;:{&quot;brightness&quot;:0,&quot;colorType&quot;:2,&quot;rgb&quot;:&quot;#000000&quot;},&quot;depth&quot;:{&quot;colorType&quot;:0}}}}"/>
-  <p:tag name="KSO_WM_UNIT_FILL_FORE_SCHEMECOLOR_INDEX_BRIGHTNESS" val="0.9"/>
-  <p:tag name="KSO_WM_DIAGRAM_VERSION" val="3"/>
-  <p:tag name="KSO_WM_DIAGRAM_COLOR_TRICK" val="2"/>
-  <p:tag name="KSO_WM_DIAGRAM_COLOR_TEXT_CAN_REMOVE" val="n"/>
-  <p:tag name="KSO_WM_UNIT_HIGHLIGHT" val="0"/>
-  <p:tag name="KSO_WM_UNIT_COMPATIBLE" val="0"/>
-  <p:tag name="KSO_WM_UNIT_DIAGRAM_ISNUMVISUAL" val="0"/>
-  <p:tag name="KSO_WM_UNIT_DIAGRAM_ISREFERUNIT" val="0"/>
-  <p:tag name="KSO_WM_DIAGRAM_GROUP_CODE" val="l1-1"/>
-  <p:tag name="KSO_WM_UNIT_SUBTYPE" val="d"/>
-  <p:tag name="KSO_WM_UNIT_TYPE" val="l_h_i"/>
-  <p:tag name="KSO_WM_UNIT_INDEX" val="1_2_1"/>
-  <p:tag name="KSO_WM_UNIT_ID" val="diagram20231298_3*l_h_i*1_2_1"/>
-  <p:tag name="KSO_WM_TEMPLATE_CATEGORY" val="diagram"/>
-  <p:tag name="KSO_WM_TEMPLATE_INDEX" val="20231298"/>
-  <p:tag name="KSO_WM_UNIT_LAYERLEVEL" val="1_1_1"/>
-  <p:tag name="KSO_WM_TAG_VERSION" val="3.0"/>
-  <p:tag name="KSO_WM_BEAUTIFY_FLAG" val="#wm#"/>
-  <p:tag name="KSO_WM_UNIT_PRESET_TEXT" val="2"/>
-  <p:tag name="KSO_WM_UNIT_FILL_TYPE" val="3"/>
-  <p:tag name="KSO_WM_UNIT_TEXT_FILL_FORE_SCHEMECOLOR_INDEX" val="1"/>
-  <p:tag name="KSO_WM_UNIT_TEXT_FILL_TYPE" val="1"/>
-</p:tagLst>
-</file>
-
-<file path=ppt/tags/tag106.xml><?xml version="1.0" encoding="utf-8"?>
-<p:tagLst xmlns:a="http://schemas.openxmlformats.org/drawingml/2006/main" xmlns:r="http://schemas.openxmlformats.org/officeDocument/2006/relationships" xmlns:p="http://schemas.openxmlformats.org/presentationml/2006/main">
-  <p:tag name="KSO_WM_DIAGRAM_MAX_ITEMCNT" val="6"/>
-  <p:tag name="KSO_WM_DIAGRAM_MIN_ITEMCNT" val="2"/>
-  <p:tag name="KSO_WM_DIAGRAM_VIRTUALLY_FRAME" val="{&quot;height&quot;:254.17961120605463,&quot;left&quot;:47.67235019954169,&quot;top&quot;:177.81948573555533,&quot;width&quot;:864.8666381835938}"/>
-  <p:tag name="KSO_WM_DIAGRAM_COLOR_MATCH_VALUE" val="{&quot;shape&quot;:{&quot;fill&quot;:{&quot;solid&quot;:{&quot;brightness&quot;:0,&quot;colorType&quot;:1,&quot;foreColorIndex&quot;:5,&quot;transparency&quot;:0},&quot;type&quot;:1},&quot;glow&quot;:{&quot;colorType&quot;:0},&quot;line&quot;:{&quot;type&quot;:0},&quot;shadow&quot;:{&quot;colorType&quot;:0},&quot;threeD&quot;:{&quot;curvedSurface&quot;:{&quot;brightness&quot;:0,&quot;colorType&quot;:2,&quot;rgb&quot;:&quot;#000000&quot;},&quot;depth&quot;:{&quot;colorType&quot;:0}}},&quot;text&quot;:{&quot;fill&quot;:{&quot;solid&quot;:{&quot;brightness&quot;:0,&quot;colorType&quot;:2,&quot;rgb&quot;:&quot;#ffffff&quot;,&quot;transparency&quot;:0},&quot;type&quot;:1},&quot;glow&quot;:{&quot;colorType&quot;:0},&quot;line&quot;:{&quot;type&quot;:0},&quot;shadow&quot;:{&quot;colorType&quot;:0},&quot;threeD&quot;:{&quot;curvedSurface&quot;:{&quot;brightness&quot;:0,&quot;colorType&quot;:2,&quot;rgb&quot;:&quot;#000000&quot;},&quot;depth&quot;:{&quot;colorType&quot;:0}}}}"/>
-  <p:tag name="KSO_WM_DIAGRAM_VERSION" val="3"/>
-  <p:tag name="KSO_WM_DIAGRAM_COLOR_TRICK" val="2"/>
-  <p:tag name="KSO_WM_DIAGRAM_COLOR_TEXT_CAN_REMOVE" val="n"/>
-  <p:tag name="KSO_WM_UNIT_SUBTYPE" val="a"/>
-  <p:tag name="KSO_WM_UNIT_NOCLEAR" val="0"/>
-  <p:tag name="KSO_WM_UNIT_HIGHLIGHT" val="0"/>
-  <p:tag name="KSO_WM_UNIT_COMPATIBLE" val="0"/>
-  <p:tag name="KSO_WM_UNIT_DIAGRAM_ISNUMVISUAL" val="0"/>
-  <p:tag name="KSO_WM_UNIT_DIAGRAM_ISREFERUNIT" val="0"/>
-  <p:tag name="KSO_WM_DIAGRAM_GROUP_CODE" val="l1-1"/>
-  <p:tag name="KSO_WM_UNIT_TYPE" val="l_h_f"/>
-  <p:tag name="KSO_WM_UNIT_INDEX" val="1_1_1"/>
-  <p:tag name="KSO_WM_UNIT_ID" val="diagram20231298_3*l_h_f*1_1_1"/>
-  <p:tag name="KSO_WM_TEMPLATE_CATEGORY" val="diagram"/>
-  <p:tag name="KSO_WM_TEMPLATE_INDEX" val="20231298"/>
-  <p:tag name="KSO_WM_UNIT_LAYERLEVEL" val="1_1_1"/>
-  <p:tag name="KSO_WM_TAG_VERSION" val="3.0"/>
-  <p:tag name="KSO_WM_BEAUTIFY_FLAG" val="#wm#"/>
-  <p:tag name="KSO_WM_UNIT_PRESET_TEXT" val="单击此处输入你的正文，文字是您思想的提炼，为了最终演示发布的良好效果"/>
-  <p:tag name="KSO_WM_UNIT_FILL_TYPE" val="1"/>
-  <p:tag name="KSO_WM_UNIT_FILL_FORE_SCHEMECOLOR_INDEX" val="5"/>
-  <p:tag name="KSO_WM_UNIT_FILL_FORE_SCHEMECOLOR_INDEX_BRIGHTNESS" val="0"/>
-</p:tagLst>
-</file>
-
-<file path=ppt/tags/tag107.xml><?xml version="1.0" encoding="utf-8"?>
-<p:tagLst xmlns:a="http://schemas.openxmlformats.org/drawingml/2006/main" xmlns:r="http://schemas.openxmlformats.org/officeDocument/2006/relationships" xmlns:p="http://schemas.openxmlformats.org/presentationml/2006/main">
-  <p:tag name="KSO_WM_DIAGRAM_MAX_ITEMCNT" val="6"/>
-  <p:tag name="KSO_WM_DIAGRAM_MIN_ITEMCNT" val="2"/>
-  <p:tag name="KSO_WM_DIAGRAM_VIRTUALLY_FRAME" val="{&quot;height&quot;:254.17961120605463,&quot;left&quot;:47.67235019954169,&quot;top&quot;:177.81948573555533,&quot;width&quot;:864.8666381835938}"/>
-  <p:tag name="KSO_WM_DIAGRAM_COLOR_MATCH_VALUE" val="{&quot;shape&quot;:{&quot;fill&quot;:{&quot;solid&quot;:{&quot;brightness&quot;:0,&quot;colorType&quot;:1,&quot;foreColorIndex&quot;:6,&quot;transparency&quot;:0},&quot;type&quot;:1},&quot;glow&quot;:{&quot;colorType&quot;:0},&quot;line&quot;:{&quot;type&quot;:0},&quot;shadow&quot;:{&quot;colorType&quot;:0},&quot;threeD&quot;:{&quot;curvedSurface&quot;:{&quot;brightness&quot;:0,&quot;colorType&quot;:2,&quot;rgb&quot;:&quot;#000000&quot;},&quot;depth&quot;:{&quot;colorType&quot;:0}}},&quot;text&quot;:{&quot;fill&quot;:{&quot;solid&quot;:{&quot;brightness&quot;:0,&quot;colorType&quot;:2,&quot;rgb&quot;:&quot;#ffffff&quot;,&quot;transparency&quot;:0},&quot;type&quot;:1},&quot;glow&quot;:{&quot;colorType&quot;:0},&quot;line&quot;:{&quot;type&quot;:0},&quot;shadow&quot;:{&quot;colorType&quot;:0},&quot;threeD&quot;:{&quot;curvedSurface&quot;:{&quot;brightness&quot;:0,&quot;colorType&quot;:2,&quot;rgb&quot;:&quot;#000000&quot;},&quot;depth&quot;:{&quot;colorType&quot;:0}}}}"/>
-  <p:tag name="KSO_WM_DIAGRAM_VERSION" val="3"/>
-  <p:tag name="KSO_WM_DIAGRAM_COLOR_TRICK" val="2"/>
-  <p:tag name="KSO_WM_DIAGRAM_COLOR_TEXT_CAN_REMOVE" val="n"/>
-  <p:tag name="KSO_WM_UNIT_SUBTYPE" val="a"/>
-  <p:tag name="KSO_WM_UNIT_NOCLEAR" val="0"/>
-  <p:tag name="KSO_WM_UNIT_HIGHLIGHT" val="0"/>
-  <p:tag name="KSO_WM_UNIT_COMPATIBLE" val="0"/>
-  <p:tag name="KSO_WM_UNIT_DIAGRAM_ISNUMVISUAL" val="0"/>
-  <p:tag name="KSO_WM_UNIT_DIAGRAM_ISREFERUNIT" val="0"/>
-  <p:tag name="KSO_WM_DIAGRAM_GROUP_CODE" val="l1-1"/>
-  <p:tag name="KSO_WM_UNIT_TYPE" val="l_h_f"/>
-  <p:tag name="KSO_WM_UNIT_INDEX" val="1_2_1"/>
-  <p:tag name="KSO_WM_UNIT_ID" val="diagram20231298_3*l_h_f*1_2_1"/>
-  <p:tag name="KSO_WM_TEMPLATE_CATEGORY" val="diagram"/>
-  <p:tag name="KSO_WM_TEMPLATE_INDEX" val="20231298"/>
-  <p:tag name="KSO_WM_UNIT_LAYERLEVEL" val="1_1_1"/>
-  <p:tag name="KSO_WM_TAG_VERSION" val="3.0"/>
-  <p:tag name="KSO_WM_BEAUTIFY_FLAG" val="#wm#"/>
-  <p:tag name="KSO_WM_UNIT_PRESET_TEXT" val="单击此处输入你的正文，文字是您思想的提炼，为了最终演示发布的良好效果"/>
-  <p:tag name="KSO_WM_UNIT_FILL_TYPE" val="1"/>
-  <p:tag name="KSO_WM_UNIT_FILL_FORE_SCHEMECOLOR_INDEX" val="6"/>
-  <p:tag name="KSO_WM_UNIT_FILL_FORE_SCHEMECOLOR_INDEX_BRIGHTNESS" val="0"/>
-</p:tagLst>
-</file>
-
-<file path=ppt/tags/tag108.xml><?xml version="1.0" encoding="utf-8"?>
-<p:tagLst xmlns:a="http://schemas.openxmlformats.org/drawingml/2006/main" xmlns:r="http://schemas.openxmlformats.org/officeDocument/2006/relationships" xmlns:p="http://schemas.openxmlformats.org/presentationml/2006/main">
-  <p:tag name="KSO_WM_DIAGRAM_MAX_ITEMCNT" val="6"/>
-  <p:tag name="KSO_WM_DIAGRAM_MIN_ITEMCNT" val="2"/>
-  <p:tag name="KSO_WM_DIAGRAM_VIRTUALLY_FRAME" val="{&quot;height&quot;:254.17961120605463,&quot;left&quot;:47.67235019954169,&quot;top&quot;:177.81948573555533,&quot;width&quot;:864.8666381835938}"/>
-  <p:tag name="KSO_WM_DIAGRAM_COLOR_MATCH_VALUE" val="{&quot;shape&quot;:{&quot;fill&quot;:{&quot;gradient&quot;:[{&quot;brightness&quot;:0.8999999761581421,&quot;colorType&quot;:1,&quot;foreColorIndex&quot;:5,&quot;pos&quot;:0.019999999552965164,&quot;transparency&quot;:0},{&quot;brightness&quot;:0.8999999761581421,&quot;colorType&quot;:1,&quot;foreColorIndex&quot;:5,&quot;pos&quot;:1,&quot;transparency&quot;:0}],&quot;type&quot;:3},&quot;glow&quot;:{&quot;colorType&quot;:0},&quot;line&quot;:{&quot;type&quot;:0},&quot;shadow&quot;:{&quot;colorType&quot;:0},&quot;threeD&quot;:{&quot;curvedSurface&quot;:{&quot;brightness&quot;:0,&quot;colorType&quot;:2,&quot;rgb&quot;:&quot;#000000&quot;},&quot;depth&quot;:{&quot;colorType&quot;:0}}},&quot;text&quot;:{&quot;fill&quot;:{&quot;solid&quot;:{&quot;brightness&quot;:0,&quot;colorType&quot;:1,&quot;foreColorIndex&quot;:5,&quot;transparency&quot;:0},&quot;type&quot;:1},&quot;glow&quot;:{&quot;colorType&quot;:0},&quot;line&quot;:{&quot;type&quot;:0},&quot;shadow&quot;:{&quot;colorType&quot;:0},&quot;threeD&quot;:{&quot;curvedSurface&quot;:{&quot;brightness&quot;:0,&quot;colorType&quot;:2,&quot;rgb&quot;:&quot;#000000&quot;},&quot;depth&quot;:{&quot;colorType&quot;:0}}}}"/>
-  <p:tag name="KSO_WM_UNIT_FILL_FORE_SCHEMECOLOR_INDEX_BRIGHTNESS" val="0.9"/>
-  <p:tag name="KSO_WM_DIAGRAM_VERSION" val="3"/>
-  <p:tag name="KSO_WM_DIAGRAM_COLOR_TRICK" val="2"/>
-  <p:tag name="KSO_WM_DIAGRAM_COLOR_TEXT_CAN_REMOVE" val="n"/>
-  <p:tag name="KSO_WM_UNIT_HIGHLIGHT" val="0"/>
-  <p:tag name="KSO_WM_UNIT_COMPATIBLE" val="0"/>
-  <p:tag name="KSO_WM_UNIT_DIAGRAM_ISNUMVISUAL" val="0"/>
-  <p:tag name="KSO_WM_UNIT_DIAGRAM_ISREFERUNIT" val="0"/>
-  <p:tag name="KSO_WM_DIAGRAM_GROUP_CODE" val="l1-1"/>
-  <p:tag name="KSO_WM_UNIT_SUBTYPE" val="d"/>
-  <p:tag name="KSO_WM_UNIT_TYPE" val="l_h_i"/>
-  <p:tag name="KSO_WM_UNIT_INDEX" val="1_1_1"/>
-  <p:tag name="KSO_WM_UNIT_ID" val="diagram20231298_3*l_h_i*1_1_1"/>
-  <p:tag name="KSO_WM_TEMPLATE_CATEGORY" val="diagram"/>
-  <p:tag name="KSO_WM_TEMPLATE_INDEX" val="20231298"/>
-  <p:tag name="KSO_WM_UNIT_LAYERLEVEL" val="1_1_1"/>
-  <p:tag name="KSO_WM_TAG_VERSION" val="3.0"/>
-  <p:tag name="KSO_WM_BEAUTIFY_FLAG" val="#wm#"/>
-  <p:tag name="KSO_WM_UNIT_PRESET_TEXT" val="1"/>
-  <p:tag name="KSO_WM_UNIT_FILL_TYPE" val="3"/>
-  <p:tag name="KSO_WM_UNIT_TEXT_FILL_FORE_SCHEMECOLOR_INDEX" val="1"/>
-  <p:tag name="KSO_WM_UNIT_TEXT_FILL_TYPE" val="1"/>
 </p:tagLst>
 </file>
 
@@ -25828,6 +28141,130 @@
   <p:tag name="KSO_WM_UNIT_DIAGRAM_ISREFERUNIT" val="0"/>
   <p:tag name="KSO_WM_DIAGRAM_GROUP_CODE" val="l1-1"/>
   <p:tag name="KSO_WM_UNIT_TYPE" val="l_h_f"/>
+  <p:tag name="KSO_WM_UNIT_INDEX" val="1_1_1"/>
+  <p:tag name="KSO_WM_UNIT_ID" val="diagram20231298_3*l_h_f*1_1_1"/>
+  <p:tag name="KSO_WM_TEMPLATE_CATEGORY" val="diagram"/>
+  <p:tag name="KSO_WM_TEMPLATE_INDEX" val="20231298"/>
+  <p:tag name="KSO_WM_UNIT_LAYERLEVEL" val="1_1_1"/>
+  <p:tag name="KSO_WM_TAG_VERSION" val="3.0"/>
+  <p:tag name="KSO_WM_BEAUTIFY_FLAG" val="#wm#"/>
+  <p:tag name="KSO_WM_UNIT_PRESET_TEXT" val="单击此处输入你的正文，文字是您思想的提炼，为了最终演示发布的良好效果"/>
+  <p:tag name="KSO_WM_UNIT_FILL_TYPE" val="1"/>
+  <p:tag name="KSO_WM_UNIT_FILL_FORE_SCHEMECOLOR_INDEX" val="5"/>
+  <p:tag name="KSO_WM_UNIT_FILL_FORE_SCHEMECOLOR_INDEX_BRIGHTNESS" val="0"/>
+</p:tagLst>
+</file>
+
+<file path=ppt/tags/tag111.xml><?xml version="1.0" encoding="utf-8"?>
+<p:tagLst xmlns:a="http://schemas.openxmlformats.org/drawingml/2006/main" xmlns:r="http://schemas.openxmlformats.org/officeDocument/2006/relationships" xmlns:p="http://schemas.openxmlformats.org/presentationml/2006/main">
+  <p:tag name="KSO_WM_DIAGRAM_MAX_ITEMCNT" val="6"/>
+  <p:tag name="KSO_WM_DIAGRAM_MIN_ITEMCNT" val="2"/>
+  <p:tag name="KSO_WM_DIAGRAM_VIRTUALLY_FRAME" val="{&quot;height&quot;:254.17961120605463,&quot;left&quot;:47.67235019954169,&quot;top&quot;:177.81948573555533,&quot;width&quot;:864.8666381835938}"/>
+  <p:tag name="KSO_WM_DIAGRAM_COLOR_MATCH_VALUE" val="{&quot;shape&quot;:{&quot;fill&quot;:{&quot;solid&quot;:{&quot;brightness&quot;:0,&quot;colorType&quot;:1,&quot;foreColorIndex&quot;:6,&quot;transparency&quot;:0},&quot;type&quot;:1},&quot;glow&quot;:{&quot;colorType&quot;:0},&quot;line&quot;:{&quot;type&quot;:0},&quot;shadow&quot;:{&quot;colorType&quot;:0},&quot;threeD&quot;:{&quot;curvedSurface&quot;:{&quot;brightness&quot;:0,&quot;colorType&quot;:2,&quot;rgb&quot;:&quot;#000000&quot;},&quot;depth&quot;:{&quot;colorType&quot;:0}}},&quot;text&quot;:{&quot;fill&quot;:{&quot;solid&quot;:{&quot;brightness&quot;:0,&quot;colorType&quot;:2,&quot;rgb&quot;:&quot;#ffffff&quot;,&quot;transparency&quot;:0},&quot;type&quot;:1},&quot;glow&quot;:{&quot;colorType&quot;:0},&quot;line&quot;:{&quot;type&quot;:0},&quot;shadow&quot;:{&quot;colorType&quot;:0},&quot;threeD&quot;:{&quot;curvedSurface&quot;:{&quot;brightness&quot;:0,&quot;colorType&quot;:2,&quot;rgb&quot;:&quot;#000000&quot;},&quot;depth&quot;:{&quot;colorType&quot;:0}}}}"/>
+  <p:tag name="KSO_WM_DIAGRAM_VERSION" val="3"/>
+  <p:tag name="KSO_WM_DIAGRAM_COLOR_TRICK" val="2"/>
+  <p:tag name="KSO_WM_DIAGRAM_COLOR_TEXT_CAN_REMOVE" val="n"/>
+  <p:tag name="KSO_WM_UNIT_SUBTYPE" val="a"/>
+  <p:tag name="KSO_WM_UNIT_NOCLEAR" val="0"/>
+  <p:tag name="KSO_WM_UNIT_HIGHLIGHT" val="0"/>
+  <p:tag name="KSO_WM_UNIT_COMPATIBLE" val="0"/>
+  <p:tag name="KSO_WM_UNIT_DIAGRAM_ISNUMVISUAL" val="0"/>
+  <p:tag name="KSO_WM_UNIT_DIAGRAM_ISREFERUNIT" val="0"/>
+  <p:tag name="KSO_WM_DIAGRAM_GROUP_CODE" val="l1-1"/>
+  <p:tag name="KSO_WM_UNIT_TYPE" val="l_h_f"/>
+  <p:tag name="KSO_WM_UNIT_INDEX" val="1_2_1"/>
+  <p:tag name="KSO_WM_UNIT_ID" val="diagram20231298_3*l_h_f*1_2_1"/>
+  <p:tag name="KSO_WM_TEMPLATE_CATEGORY" val="diagram"/>
+  <p:tag name="KSO_WM_TEMPLATE_INDEX" val="20231298"/>
+  <p:tag name="KSO_WM_UNIT_LAYERLEVEL" val="1_1_1"/>
+  <p:tag name="KSO_WM_TAG_VERSION" val="3.0"/>
+  <p:tag name="KSO_WM_BEAUTIFY_FLAG" val="#wm#"/>
+  <p:tag name="KSO_WM_UNIT_PRESET_TEXT" val="单击此处输入你的正文，文字是您思想的提炼，为了最终演示发布的良好效果"/>
+  <p:tag name="KSO_WM_UNIT_FILL_TYPE" val="1"/>
+  <p:tag name="KSO_WM_UNIT_FILL_FORE_SCHEMECOLOR_INDEX" val="6"/>
+  <p:tag name="KSO_WM_UNIT_FILL_FORE_SCHEMECOLOR_INDEX_BRIGHTNESS" val="0"/>
+</p:tagLst>
+</file>
+
+<file path=ppt/tags/tag112.xml><?xml version="1.0" encoding="utf-8"?>
+<p:tagLst xmlns:a="http://schemas.openxmlformats.org/drawingml/2006/main" xmlns:r="http://schemas.openxmlformats.org/officeDocument/2006/relationships" xmlns:p="http://schemas.openxmlformats.org/presentationml/2006/main">
+  <p:tag name="KSO_WM_DIAGRAM_MAX_ITEMCNT" val="6"/>
+  <p:tag name="KSO_WM_DIAGRAM_MIN_ITEMCNT" val="2"/>
+  <p:tag name="KSO_WM_DIAGRAM_VIRTUALLY_FRAME" val="{&quot;height&quot;:254.17961120605463,&quot;left&quot;:47.67235019954169,&quot;top&quot;:177.81948573555533,&quot;width&quot;:864.8666381835938}"/>
+  <p:tag name="KSO_WM_DIAGRAM_COLOR_MATCH_VALUE" val="{&quot;shape&quot;:{&quot;fill&quot;:{&quot;gradient&quot;:[{&quot;brightness&quot;:0.8999999761581421,&quot;colorType&quot;:1,&quot;foreColorIndex&quot;:5,&quot;pos&quot;:0.019999999552965164,&quot;transparency&quot;:0},{&quot;brightness&quot;:0.8999999761581421,&quot;colorType&quot;:1,&quot;foreColorIndex&quot;:5,&quot;pos&quot;:1,&quot;transparency&quot;:0}],&quot;type&quot;:3},&quot;glow&quot;:{&quot;colorType&quot;:0},&quot;line&quot;:{&quot;type&quot;:0},&quot;shadow&quot;:{&quot;colorType&quot;:0},&quot;threeD&quot;:{&quot;curvedSurface&quot;:{&quot;brightness&quot;:0,&quot;colorType&quot;:2,&quot;rgb&quot;:&quot;#000000&quot;},&quot;depth&quot;:{&quot;colorType&quot;:0}}},&quot;text&quot;:{&quot;fill&quot;:{&quot;solid&quot;:{&quot;brightness&quot;:0,&quot;colorType&quot;:1,&quot;foreColorIndex&quot;:5,&quot;transparency&quot;:0},&quot;type&quot;:1},&quot;glow&quot;:{&quot;colorType&quot;:0},&quot;line&quot;:{&quot;type&quot;:0},&quot;shadow&quot;:{&quot;colorType&quot;:0},&quot;threeD&quot;:{&quot;curvedSurface&quot;:{&quot;brightness&quot;:0,&quot;colorType&quot;:2,&quot;rgb&quot;:&quot;#000000&quot;},&quot;depth&quot;:{&quot;colorType&quot;:0}}}}"/>
+  <p:tag name="KSO_WM_UNIT_FILL_FORE_SCHEMECOLOR_INDEX_BRIGHTNESS" val="0.9"/>
+  <p:tag name="KSO_WM_DIAGRAM_VERSION" val="3"/>
+  <p:tag name="KSO_WM_DIAGRAM_COLOR_TRICK" val="2"/>
+  <p:tag name="KSO_WM_DIAGRAM_COLOR_TEXT_CAN_REMOVE" val="n"/>
+  <p:tag name="KSO_WM_UNIT_HIGHLIGHT" val="0"/>
+  <p:tag name="KSO_WM_UNIT_COMPATIBLE" val="0"/>
+  <p:tag name="KSO_WM_UNIT_DIAGRAM_ISNUMVISUAL" val="0"/>
+  <p:tag name="KSO_WM_UNIT_DIAGRAM_ISREFERUNIT" val="0"/>
+  <p:tag name="KSO_WM_DIAGRAM_GROUP_CODE" val="l1-1"/>
+  <p:tag name="KSO_WM_UNIT_SUBTYPE" val="d"/>
+  <p:tag name="KSO_WM_UNIT_TYPE" val="l_h_i"/>
+  <p:tag name="KSO_WM_UNIT_INDEX" val="1_1_1"/>
+  <p:tag name="KSO_WM_UNIT_ID" val="diagram20231298_3*l_h_i*1_1_1"/>
+  <p:tag name="KSO_WM_TEMPLATE_CATEGORY" val="diagram"/>
+  <p:tag name="KSO_WM_TEMPLATE_INDEX" val="20231298"/>
+  <p:tag name="KSO_WM_UNIT_LAYERLEVEL" val="1_1_1"/>
+  <p:tag name="KSO_WM_TAG_VERSION" val="3.0"/>
+  <p:tag name="KSO_WM_BEAUTIFY_FLAG" val="#wm#"/>
+  <p:tag name="KSO_WM_UNIT_PRESET_TEXT" val="1"/>
+  <p:tag name="KSO_WM_UNIT_FILL_TYPE" val="3"/>
+  <p:tag name="KSO_WM_UNIT_TEXT_FILL_FORE_SCHEMECOLOR_INDEX" val="1"/>
+  <p:tag name="KSO_WM_UNIT_TEXT_FILL_TYPE" val="1"/>
+</p:tagLst>
+</file>
+
+<file path=ppt/tags/tag113.xml><?xml version="1.0" encoding="utf-8"?>
+<p:tagLst xmlns:a="http://schemas.openxmlformats.org/drawingml/2006/main" xmlns:r="http://schemas.openxmlformats.org/officeDocument/2006/relationships" xmlns:p="http://schemas.openxmlformats.org/presentationml/2006/main">
+  <p:tag name="KSO_WM_DIAGRAM_MAX_ITEMCNT" val="6"/>
+  <p:tag name="KSO_WM_DIAGRAM_MIN_ITEMCNT" val="2"/>
+  <p:tag name="KSO_WM_DIAGRAM_VIRTUALLY_FRAME" val="{&quot;height&quot;:254.17961120605463,&quot;left&quot;:47.67235019954169,&quot;top&quot;:177.81948573555533,&quot;width&quot;:864.8666381835938}"/>
+  <p:tag name="KSO_WM_DIAGRAM_COLOR_MATCH_VALUE" val="{&quot;shape&quot;:{&quot;fill&quot;:{&quot;gradient&quot;:[{&quot;brightness&quot;:0.8999999761581421,&quot;colorType&quot;:1,&quot;foreColorIndex&quot;:6,&quot;pos&quot;:0.019999999552965164,&quot;transparency&quot;:0},{&quot;brightness&quot;:0.8999999761581421,&quot;colorType&quot;:1,&quot;foreColorIndex&quot;:6,&quot;pos&quot;:1,&quot;transparency&quot;:0}],&quot;type&quot;:3},&quot;glow&quot;:{&quot;colorType&quot;:0},&quot;line&quot;:{&quot;type&quot;:0},&quot;shadow&quot;:{&quot;colorType&quot;:0},&quot;threeD&quot;:{&quot;curvedSurface&quot;:{&quot;brightness&quot;:0,&quot;colorType&quot;:2,&quot;rgb&quot;:&quot;#000000&quot;},&quot;depth&quot;:{&quot;colorType&quot;:0}}},&quot;text&quot;:{&quot;fill&quot;:{&quot;solid&quot;:{&quot;brightness&quot;:0,&quot;colorType&quot;:1,&quot;foreColorIndex&quot;:6,&quot;transparency&quot;:0},&quot;type&quot;:1},&quot;glow&quot;:{&quot;colorType&quot;:0},&quot;line&quot;:{&quot;type&quot;:0},&quot;shadow&quot;:{&quot;colorType&quot;:0},&quot;threeD&quot;:{&quot;curvedSurface&quot;:{&quot;brightness&quot;:0,&quot;colorType&quot;:2,&quot;rgb&quot;:&quot;#000000&quot;},&quot;depth&quot;:{&quot;colorType&quot;:0}}}}"/>
+  <p:tag name="KSO_WM_UNIT_FILL_FORE_SCHEMECOLOR_INDEX_BRIGHTNESS" val="0.9"/>
+  <p:tag name="KSO_WM_DIAGRAM_VERSION" val="3"/>
+  <p:tag name="KSO_WM_DIAGRAM_COLOR_TRICK" val="2"/>
+  <p:tag name="KSO_WM_DIAGRAM_COLOR_TEXT_CAN_REMOVE" val="n"/>
+  <p:tag name="KSO_WM_UNIT_HIGHLIGHT" val="0"/>
+  <p:tag name="KSO_WM_UNIT_COMPATIBLE" val="0"/>
+  <p:tag name="KSO_WM_UNIT_DIAGRAM_ISNUMVISUAL" val="0"/>
+  <p:tag name="KSO_WM_UNIT_DIAGRAM_ISREFERUNIT" val="0"/>
+  <p:tag name="KSO_WM_DIAGRAM_GROUP_CODE" val="l1-1"/>
+  <p:tag name="KSO_WM_UNIT_SUBTYPE" val="d"/>
+  <p:tag name="KSO_WM_UNIT_TYPE" val="l_h_i"/>
+  <p:tag name="KSO_WM_UNIT_INDEX" val="1_2_1"/>
+  <p:tag name="KSO_WM_UNIT_ID" val="diagram20231298_3*l_h_i*1_2_1"/>
+  <p:tag name="KSO_WM_TEMPLATE_CATEGORY" val="diagram"/>
+  <p:tag name="KSO_WM_TEMPLATE_INDEX" val="20231298"/>
+  <p:tag name="KSO_WM_UNIT_LAYERLEVEL" val="1_1_1"/>
+  <p:tag name="KSO_WM_TAG_VERSION" val="3.0"/>
+  <p:tag name="KSO_WM_BEAUTIFY_FLAG" val="#wm#"/>
+  <p:tag name="KSO_WM_UNIT_PRESET_TEXT" val="2"/>
+  <p:tag name="KSO_WM_UNIT_FILL_TYPE" val="3"/>
+  <p:tag name="KSO_WM_UNIT_TEXT_FILL_FORE_SCHEMECOLOR_INDEX" val="1"/>
+  <p:tag name="KSO_WM_UNIT_TEXT_FILL_TYPE" val="1"/>
+</p:tagLst>
+</file>
+
+<file path=ppt/tags/tag114.xml><?xml version="1.0" encoding="utf-8"?>
+<p:tagLst xmlns:a="http://schemas.openxmlformats.org/drawingml/2006/main" xmlns:r="http://schemas.openxmlformats.org/officeDocument/2006/relationships" xmlns:p="http://schemas.openxmlformats.org/presentationml/2006/main">
+  <p:tag name="KSO_WM_DIAGRAM_MAX_ITEMCNT" val="6"/>
+  <p:tag name="KSO_WM_DIAGRAM_MIN_ITEMCNT" val="2"/>
+  <p:tag name="KSO_WM_DIAGRAM_VIRTUALLY_FRAME" val="{&quot;height&quot;:254.17961120605463,&quot;left&quot;:47.67235019954169,&quot;top&quot;:177.81948573555533,&quot;width&quot;:864.8666381835938}"/>
+  <p:tag name="KSO_WM_DIAGRAM_COLOR_MATCH_VALUE" val="{&quot;shape&quot;:{&quot;fill&quot;:{&quot;solid&quot;:{&quot;brightness&quot;:0,&quot;colorType&quot;:1,&quot;foreColorIndex&quot;:5,&quot;transparency&quot;:0},&quot;type&quot;:1},&quot;glow&quot;:{&quot;colorType&quot;:0},&quot;line&quot;:{&quot;type&quot;:0},&quot;shadow&quot;:{&quot;colorType&quot;:0},&quot;threeD&quot;:{&quot;curvedSurface&quot;:{&quot;brightness&quot;:0,&quot;colorType&quot;:2,&quot;rgb&quot;:&quot;#000000&quot;},&quot;depth&quot;:{&quot;colorType&quot;:0}}},&quot;text&quot;:{&quot;fill&quot;:{&quot;solid&quot;:{&quot;brightness&quot;:0,&quot;colorType&quot;:2,&quot;rgb&quot;:&quot;#ffffff&quot;,&quot;transparency&quot;:0},&quot;type&quot;:1},&quot;glow&quot;:{&quot;colorType&quot;:0},&quot;line&quot;:{&quot;type&quot;:0},&quot;shadow&quot;:{&quot;colorType&quot;:0},&quot;threeD&quot;:{&quot;curvedSurface&quot;:{&quot;brightness&quot;:0,&quot;colorType&quot;:2,&quot;rgb&quot;:&quot;#000000&quot;},&quot;depth&quot;:{&quot;colorType&quot;:0}}}}"/>
+  <p:tag name="KSO_WM_DIAGRAM_VERSION" val="3"/>
+  <p:tag name="KSO_WM_DIAGRAM_COLOR_TRICK" val="2"/>
+  <p:tag name="KSO_WM_DIAGRAM_COLOR_TEXT_CAN_REMOVE" val="n"/>
+  <p:tag name="KSO_WM_UNIT_SUBTYPE" val="a"/>
+  <p:tag name="KSO_WM_UNIT_NOCLEAR" val="0"/>
+  <p:tag name="KSO_WM_UNIT_HIGHLIGHT" val="0"/>
+  <p:tag name="KSO_WM_UNIT_COMPATIBLE" val="0"/>
+  <p:tag name="KSO_WM_UNIT_DIAGRAM_ISNUMVISUAL" val="0"/>
+  <p:tag name="KSO_WM_UNIT_DIAGRAM_ISREFERUNIT" val="0"/>
+  <p:tag name="KSO_WM_DIAGRAM_GROUP_CODE" val="l1-1"/>
+  <p:tag name="KSO_WM_UNIT_TYPE" val="l_h_f"/>
   <p:tag name="KSO_WM_UNIT_INDEX" val="1_3_1"/>
   <p:tag name="KSO_WM_UNIT_ID" val="diagram20231298_3*l_h_f*1_3_1"/>
   <p:tag name="KSO_WM_TEMPLATE_CATEGORY" val="diagram"/>
@@ -25842,7 +28279,7 @@
 </p:tagLst>
 </file>
 
-<file path=ppt/tags/tag111.xml><?xml version="1.0" encoding="utf-8"?>
+<file path=ppt/tags/tag115.xml><?xml version="1.0" encoding="utf-8"?>
 <p:tagLst xmlns:a="http://schemas.openxmlformats.org/drawingml/2006/main" xmlns:r="http://schemas.openxmlformats.org/officeDocument/2006/relationships" xmlns:p="http://schemas.openxmlformats.org/presentationml/2006/main">
   <p:tag name="KSO_WM_DIAGRAM_MAX_ITEMCNT" val="6"/>
   <p:tag name="KSO_WM_DIAGRAM_MIN_ITEMCNT" val="2"/>
@@ -25873,7 +28310,7 @@
 </p:tagLst>
 </file>
 
-<file path=ppt/tags/tag112.xml><?xml version="1.0" encoding="utf-8"?>
+<file path=ppt/tags/tag116.xml><?xml version="1.0" encoding="utf-8"?>
 <p:tagLst xmlns:a="http://schemas.openxmlformats.org/drawingml/2006/main" xmlns:r="http://schemas.openxmlformats.org/officeDocument/2006/relationships" xmlns:p="http://schemas.openxmlformats.org/presentationml/2006/main">
   <p:tag name="KSO_WM_DIAGRAM_MAX_ITEMCNT" val="6"/>
   <p:tag name="KSO_WM_DIAGRAM_MIN_ITEMCNT" val="2"/>
@@ -25904,7 +28341,7 @@
 </p:tagLst>
 </file>
 
-<file path=ppt/tags/tag113.xml><?xml version="1.0" encoding="utf-8"?>
+<file path=ppt/tags/tag117.xml><?xml version="1.0" encoding="utf-8"?>
 <p:tagLst xmlns:a="http://schemas.openxmlformats.org/drawingml/2006/main" xmlns:r="http://schemas.openxmlformats.org/officeDocument/2006/relationships" xmlns:p="http://schemas.openxmlformats.org/presentationml/2006/main">
   <p:tag name="KSO_WM_DIAGRAM_MAX_ITEMCNT" val="6"/>
   <p:tag name="KSO_WM_DIAGRAM_MIN_ITEMCNT" val="2"/>
@@ -27648,6 +30085,72 @@
 
 <file path=ppt/tags/tag64.xml><?xml version="1.0" encoding="utf-8"?>
 <p:tagLst xmlns:a="http://schemas.openxmlformats.org/drawingml/2006/main" xmlns:r="http://schemas.openxmlformats.org/officeDocument/2006/relationships" xmlns:p="http://schemas.openxmlformats.org/presentationml/2006/main">
+  <p:tag name="KSO_WM_BEAUTIFY_FLAG" val="#wm#"/>
+  <p:tag name="KSO_WM_UNIT_HIGHLIGHT" val="0"/>
+  <p:tag name="KSO_WM_UNIT_COMPATIBLE" val="0"/>
+  <p:tag name="KSO_WM_UNIT_DIAGRAM_ISNUMVISUAL" val="0"/>
+  <p:tag name="KSO_WM_UNIT_DIAGRAM_ISREFERUNIT" val="0"/>
+  <p:tag name="KSO_WM_UNIT_TYPE" val="i"/>
+  <p:tag name="KSO_WM_UNIT_INDEX" val="1"/>
+  <p:tag name="KSO_WM_UNIT_ID" val="custom20231237_1*i*1"/>
+  <p:tag name="KSO_WM_TEMPLATE_CATEGORY" val="custom"/>
+  <p:tag name="KSO_WM_TEMPLATE_INDEX" val="20231237"/>
+  <p:tag name="KSO_WM_UNIT_LAYERLEVEL" val="1"/>
+  <p:tag name="KSO_WM_TAG_VERSION" val="3.0"/>
+</p:tagLst>
+</file>
+
+<file path=ppt/tags/tag65.xml><?xml version="1.0" encoding="utf-8"?>
+<p:tagLst xmlns:a="http://schemas.openxmlformats.org/drawingml/2006/main" xmlns:r="http://schemas.openxmlformats.org/officeDocument/2006/relationships" xmlns:p="http://schemas.openxmlformats.org/presentationml/2006/main">
+  <p:tag name="KSO_WM_UNIT_SUBTYPE" val="a"/>
+  <p:tag name="KSO_WM_UNIT_NOCLEAR" val="0"/>
+  <p:tag name="KSO_WM_UNIT_VALUE" val="60"/>
+  <p:tag name="KSO_WM_UNIT_HIGHLIGHT" val="0"/>
+  <p:tag name="KSO_WM_UNIT_COMPATIBLE" val="0"/>
+  <p:tag name="KSO_WM_UNIT_DIAGRAM_ISNUMVISUAL" val="0"/>
+  <p:tag name="KSO_WM_UNIT_DIAGRAM_ISREFERUNIT" val="0"/>
+  <p:tag name="KSO_WM_UNIT_TYPE" val="h_f"/>
+  <p:tag name="KSO_WM_UNIT_INDEX" val="1_1"/>
+  <p:tag name="KSO_WM_UNIT_ID" val="custom20231237_1*h_f*1_1"/>
+  <p:tag name="KSO_WM_TEMPLATE_CATEGORY" val="custom"/>
+  <p:tag name="KSO_WM_TEMPLATE_INDEX" val="20231237"/>
+  <p:tag name="KSO_WM_UNIT_LAYERLEVEL" val="1_1"/>
+  <p:tag name="KSO_WM_TAG_VERSION" val="3.0"/>
+  <p:tag name="KSO_WM_BEAUTIFY_FLAG" val="#wm#"/>
+  <p:tag name="KSO_WM_UNIT_TEXT_FILL_FORE_SCHEMECOLOR_INDEX_BRIGHTNESS" val="0.15"/>
+  <p:tag name="KSO_WM_UNIT_TEXT_FILL_FORE_SCHEMECOLOR_INDEX" val="13"/>
+  <p:tag name="KSO_WM_UNIT_TEXT_FILL_TYPE" val="1"/>
+  <p:tag name="KSO_WM_UNIT_PRESET_TEXT" val="单击此处输入你的正文，文字是您思想的提炼，请尽量言简意赅的阐述观点。单击此处输入你的正文。请尽量言简意赅的阐述观点。"/>
+</p:tagLst>
+</file>
+
+<file path=ppt/tags/tag66.xml><?xml version="1.0" encoding="utf-8"?>
+<p:tagLst xmlns:a="http://schemas.openxmlformats.org/drawingml/2006/main" xmlns:r="http://schemas.openxmlformats.org/officeDocument/2006/relationships" xmlns:p="http://schemas.openxmlformats.org/presentationml/2006/main">
+  <p:tag name="KSO_WM_UNIT_ISCONTENTSTITLE" val="0"/>
+  <p:tag name="KSO_WM_UNIT_ISNUMDGMTITLE" val="0"/>
+  <p:tag name="KSO_WM_UNIT_NOCLEAR" val="0"/>
+  <p:tag name="KSO_WM_UNIT_VALUE" val="10"/>
+  <p:tag name="KSO_WM_UNIT_HIGHLIGHT" val="0"/>
+  <p:tag name="KSO_WM_UNIT_COMPATIBLE" val="0"/>
+  <p:tag name="KSO_WM_UNIT_DIAGRAM_ISNUMVISUAL" val="0"/>
+  <p:tag name="KSO_WM_UNIT_DIAGRAM_ISREFERUNIT" val="0"/>
+  <p:tag name="KSO_WM_UNIT_TYPE" val="h_a"/>
+  <p:tag name="KSO_WM_UNIT_INDEX" val="1_1"/>
+  <p:tag name="KSO_WM_UNIT_ID" val="custom20231237_1*h_a*1_1"/>
+  <p:tag name="KSO_WM_TEMPLATE_CATEGORY" val="custom"/>
+  <p:tag name="KSO_WM_TEMPLATE_INDEX" val="20231237"/>
+  <p:tag name="KSO_WM_UNIT_LAYERLEVEL" val="1_1"/>
+  <p:tag name="KSO_WM_TAG_VERSION" val="3.0"/>
+  <p:tag name="KSO_WM_BEAUTIFY_FLAG" val="#wm#"/>
+  <p:tag name="KSO_WM_UNIT_TEXT_FILL_FORE_SCHEMECOLOR_INDEX_BRIGHTNESS" val="0.15"/>
+  <p:tag name="KSO_WM_UNIT_TEXT_FILL_FORE_SCHEMECOLOR_INDEX" val="13"/>
+  <p:tag name="KSO_WM_UNIT_TEXT_FILL_TYPE" val="1"/>
+  <p:tag name="KSO_WM_UNIT_PRESET_TEXT" val="添加标题"/>
+</p:tagLst>
+</file>
+
+<file path=ppt/tags/tag67.xml><?xml version="1.0" encoding="utf-8"?>
+<p:tagLst xmlns:a="http://schemas.openxmlformats.org/drawingml/2006/main" xmlns:r="http://schemas.openxmlformats.org/officeDocument/2006/relationships" xmlns:p="http://schemas.openxmlformats.org/presentationml/2006/main">
   <p:tag name="KSO_WM_UNIT_HIGHLIGHT" val="0"/>
   <p:tag name="KSO_WM_UNIT_COMPATIBLE" val="0"/>
   <p:tag name="KSO_WM_UNIT_DIAGRAM_ISNUMVISUAL" val="0"/>
@@ -27680,68 +30183,6 @@
 </p:tagLst>
 </file>
 
-<file path=ppt/tags/tag65.xml><?xml version="1.0" encoding="utf-8"?>
-<p:tagLst xmlns:a="http://schemas.openxmlformats.org/drawingml/2006/main" xmlns:r="http://schemas.openxmlformats.org/officeDocument/2006/relationships" xmlns:p="http://schemas.openxmlformats.org/presentationml/2006/main">
-  <p:tag name="KSO_WM_UNIT_SUBTYPE" val="a"/>
-  <p:tag name="KSO_WM_UNIT_NOCLEAR" val="0"/>
-  <p:tag name="KSO_WM_UNIT_VALUE" val="60"/>
-  <p:tag name="KSO_WM_UNIT_HIGHLIGHT" val="0"/>
-  <p:tag name="KSO_WM_UNIT_COMPATIBLE" val="0"/>
-  <p:tag name="KSO_WM_UNIT_DIAGRAM_ISNUMVISUAL" val="0"/>
-  <p:tag name="KSO_WM_UNIT_DIAGRAM_ISREFERUNIT" val="0"/>
-  <p:tag name="KSO_WM_UNIT_TYPE" val="f"/>
-  <p:tag name="KSO_WM_UNIT_INDEX" val="1"/>
-  <p:tag name="KSO_WM_UNIT_ID" val="custom20231177_1*f*1"/>
-  <p:tag name="KSO_WM_TEMPLATE_CATEGORY" val="custom"/>
-  <p:tag name="KSO_WM_TEMPLATE_INDEX" val="20231177"/>
-  <p:tag name="KSO_WM_UNIT_LAYERLEVEL" val="1"/>
-  <p:tag name="KSO_WM_TAG_VERSION" val="3.0"/>
-  <p:tag name="KSO_WM_BEAUTIFY_FLAG" val="#wm#"/>
-  <p:tag name="KSO_WM_UNIT_TEXT_FILL_FORE_SCHEMECOLOR_INDEX_BRIGHTNESS" val="0.25"/>
-  <p:tag name="KSO_WM_UNIT_TEXT_FILL_FORE_SCHEMECOLOR_INDEX" val="13"/>
-  <p:tag name="KSO_WM_UNIT_TEXT_FILL_TYPE" val="1"/>
-  <p:tag name="KSO_WM_UNIT_PRESET_TEXT" val="单击此处添加文本具体内容，简明扼要地阐述您的观点。根据需要可酌情增减文字，以便观者准确地理解您传达的思想"/>
-</p:tagLst>
-</file>
-
-<file path=ppt/tags/tag66.xml><?xml version="1.0" encoding="utf-8"?>
-<p:tagLst xmlns:a="http://schemas.openxmlformats.org/drawingml/2006/main" xmlns:r="http://schemas.openxmlformats.org/officeDocument/2006/relationships" xmlns:p="http://schemas.openxmlformats.org/presentationml/2006/main">
-  <p:tag name="KSO_WM_UNIT_HIGHLIGHT" val="0"/>
-  <p:tag name="KSO_WM_UNIT_COMPATIBLE" val="0"/>
-  <p:tag name="KSO_WM_UNIT_DIAGRAM_ISNUMVISUAL" val="0"/>
-  <p:tag name="KSO_WM_UNIT_DIAGRAM_ISREFERUNIT" val="0"/>
-  <p:tag name="KSO_WM_UNIT_ID" val="custom20231177_1*α*1"/>
-  <p:tag name="KSO_WM_TEMPLATE_CATEGORY" val="custom"/>
-  <p:tag name="KSO_WM_TEMPLATE_INDEX" val="20231177"/>
-  <p:tag name="KSO_WM_UNIT_LAYERLEVEL" val="1"/>
-  <p:tag name="KSO_WM_TAG_VERSION" val="3.0"/>
-  <p:tag name="KSO_WM_BEAUTIFY_FLAG" val="#wm#"/>
-  <p:tag name="KSO_WM_UNIT_CHART_MATCH_MAX_SERIES_COUNT" val="0"/>
-  <p:tag name="KSO_WM_UNIT_CHART_MATCH_MIN_SERIES_COUNT" val="0"/>
-  <p:tag name="KSO_WM_UNIT_TYPE" val="α"/>
-  <p:tag name="KSO_WM_UNIT_INDEX" val="1"/>
-</p:tagLst>
-</file>
-
-<file path=ppt/tags/tag67.xml><?xml version="1.0" encoding="utf-8"?>
-<p:tagLst xmlns:a="http://schemas.openxmlformats.org/drawingml/2006/main" xmlns:r="http://schemas.openxmlformats.org/officeDocument/2006/relationships" xmlns:p="http://schemas.openxmlformats.org/presentationml/2006/main">
-  <p:tag name="KSO_WM_UNIT_HIGHLIGHT" val="0"/>
-  <p:tag name="KSO_WM_UNIT_COMPATIBLE" val="0"/>
-  <p:tag name="KSO_WM_UNIT_DIAGRAM_ISNUMVISUAL" val="0"/>
-  <p:tag name="KSO_WM_UNIT_DIAGRAM_ISREFERUNIT" val="0"/>
-  <p:tag name="KSO_WM_UNIT_ID" val="custom20231177_1*α*2"/>
-  <p:tag name="KSO_WM_TEMPLATE_CATEGORY" val="custom"/>
-  <p:tag name="KSO_WM_TEMPLATE_INDEX" val="20231177"/>
-  <p:tag name="KSO_WM_UNIT_LAYERLEVEL" val="1"/>
-  <p:tag name="KSO_WM_TAG_VERSION" val="3.0"/>
-  <p:tag name="KSO_WM_BEAUTIFY_FLAG" val="#wm#"/>
-  <p:tag name="KSO_WM_UNIT_CHART_MATCH_MAX_SERIES_COUNT" val="0"/>
-  <p:tag name="KSO_WM_UNIT_CHART_MATCH_MIN_SERIES_COUNT" val="0"/>
-  <p:tag name="KSO_WM_UNIT_TYPE" val="α"/>
-  <p:tag name="KSO_WM_UNIT_INDEX" val="2"/>
-</p:tagLst>
-</file>
-
 <file path=ppt/tags/tag68.xml><?xml version="1.0" encoding="utf-8"?>
 <p:tagLst xmlns:a="http://schemas.openxmlformats.org/drawingml/2006/main" xmlns:r="http://schemas.openxmlformats.org/officeDocument/2006/relationships" xmlns:p="http://schemas.openxmlformats.org/presentationml/2006/main">
   <p:tag name="KSO_WM_UNIT_SUBTYPE" val="a"/>
@@ -27768,32 +30209,20 @@
 
 <file path=ppt/tags/tag69.xml><?xml version="1.0" encoding="utf-8"?>
 <p:tagLst xmlns:a="http://schemas.openxmlformats.org/drawingml/2006/main" xmlns:r="http://schemas.openxmlformats.org/officeDocument/2006/relationships" xmlns:p="http://schemas.openxmlformats.org/presentationml/2006/main">
-  <p:tag name="KSO_WM_DIAGRAM_MAX_ITEMCNT" val="6"/>
-  <p:tag name="KSO_WM_DIAGRAM_MIN_ITEMCNT" val="2"/>
-  <p:tag name="KSO_WM_DIAGRAM_VIRTUALLY_FRAME" val="{&quot;height&quot;:254.17961120605463,&quot;left&quot;:47.67235019954169,&quot;top&quot;:177.81948573555533,&quot;width&quot;:864.8666381835938}"/>
-  <p:tag name="KSO_WM_DIAGRAM_COLOR_MATCH_VALUE" val="{&quot;shape&quot;:{&quot;fill&quot;:{&quot;gradient&quot;:[{&quot;brightness&quot;:0.8999999761581421,&quot;colorType&quot;:1,&quot;foreColorIndex&quot;:6,&quot;pos&quot;:0.019999999552965164,&quot;transparency&quot;:0},{&quot;brightness&quot;:0.8999999761581421,&quot;colorType&quot;:1,&quot;foreColorIndex&quot;:6,&quot;pos&quot;:1,&quot;transparency&quot;:0}],&quot;type&quot;:3},&quot;glow&quot;:{&quot;colorType&quot;:0},&quot;line&quot;:{&quot;type&quot;:0},&quot;shadow&quot;:{&quot;colorType&quot;:0},&quot;threeD&quot;:{&quot;curvedSurface&quot;:{&quot;brightness&quot;:0,&quot;colorType&quot;:2,&quot;rgb&quot;:&quot;#000000&quot;},&quot;depth&quot;:{&quot;colorType&quot;:0}}},&quot;text&quot;:{&quot;fill&quot;:{&quot;solid&quot;:{&quot;brightness&quot;:0,&quot;colorType&quot;:1,&quot;foreColorIndex&quot;:6,&quot;transparency&quot;:0},&quot;type&quot;:1},&quot;glow&quot;:{&quot;colorType&quot;:0},&quot;line&quot;:{&quot;type&quot;:0},&quot;shadow&quot;:{&quot;colorType&quot;:0},&quot;threeD&quot;:{&quot;curvedSurface&quot;:{&quot;brightness&quot;:0,&quot;colorType&quot;:2,&quot;rgb&quot;:&quot;#000000&quot;},&quot;depth&quot;:{&quot;colorType&quot;:0}}}}"/>
-  <p:tag name="KSO_WM_UNIT_FILL_FORE_SCHEMECOLOR_INDEX_BRIGHTNESS" val="0.9"/>
-  <p:tag name="KSO_WM_DIAGRAM_VERSION" val="3"/>
-  <p:tag name="KSO_WM_DIAGRAM_COLOR_TRICK" val="2"/>
-  <p:tag name="KSO_WM_DIAGRAM_COLOR_TEXT_CAN_REMOVE" val="n"/>
   <p:tag name="KSO_WM_UNIT_HIGHLIGHT" val="0"/>
   <p:tag name="KSO_WM_UNIT_COMPATIBLE" val="0"/>
   <p:tag name="KSO_WM_UNIT_DIAGRAM_ISNUMVISUAL" val="0"/>
   <p:tag name="KSO_WM_UNIT_DIAGRAM_ISREFERUNIT" val="0"/>
-  <p:tag name="KSO_WM_DIAGRAM_GROUP_CODE" val="l1-1"/>
-  <p:tag name="KSO_WM_UNIT_SUBTYPE" val="d"/>
-  <p:tag name="KSO_WM_UNIT_TYPE" val="l_h_i"/>
-  <p:tag name="KSO_WM_UNIT_INDEX" val="1_2_1"/>
-  <p:tag name="KSO_WM_UNIT_ID" val="diagram20231298_3*l_h_i*1_2_1"/>
-  <p:tag name="KSO_WM_TEMPLATE_CATEGORY" val="diagram"/>
-  <p:tag name="KSO_WM_TEMPLATE_INDEX" val="20231298"/>
-  <p:tag name="KSO_WM_UNIT_LAYERLEVEL" val="1_1_1"/>
+  <p:tag name="KSO_WM_UNIT_ID" val="custom20231177_1*α*1"/>
+  <p:tag name="KSO_WM_TEMPLATE_CATEGORY" val="custom"/>
+  <p:tag name="KSO_WM_TEMPLATE_INDEX" val="20231177"/>
+  <p:tag name="KSO_WM_UNIT_LAYERLEVEL" val="1"/>
   <p:tag name="KSO_WM_TAG_VERSION" val="3.0"/>
   <p:tag name="KSO_WM_BEAUTIFY_FLAG" val="#wm#"/>
-  <p:tag name="KSO_WM_UNIT_PRESET_TEXT" val="2"/>
-  <p:tag name="KSO_WM_UNIT_FILL_TYPE" val="3"/>
-  <p:tag name="KSO_WM_UNIT_TEXT_FILL_FORE_SCHEMECOLOR_INDEX" val="1"/>
-  <p:tag name="KSO_WM_UNIT_TEXT_FILL_TYPE" val="1"/>
+  <p:tag name="KSO_WM_UNIT_CHART_MATCH_MAX_SERIES_COUNT" val="0"/>
+  <p:tag name="KSO_WM_UNIT_CHART_MATCH_MIN_SERIES_COUNT" val="0"/>
+  <p:tag name="KSO_WM_UNIT_TYPE" val="α"/>
+  <p:tag name="KSO_WM_UNIT_INDEX" val="1"/>
 </p:tagLst>
 </file>
 
@@ -27833,94 +30262,78 @@
 
 <file path=ppt/tags/tag70.xml><?xml version="1.0" encoding="utf-8"?>
 <p:tagLst xmlns:a="http://schemas.openxmlformats.org/drawingml/2006/main" xmlns:r="http://schemas.openxmlformats.org/officeDocument/2006/relationships" xmlns:p="http://schemas.openxmlformats.org/presentationml/2006/main">
-  <p:tag name="KSO_WM_DIAGRAM_MAX_ITEMCNT" val="6"/>
-  <p:tag name="KSO_WM_DIAGRAM_MIN_ITEMCNT" val="2"/>
-  <p:tag name="KSO_WM_DIAGRAM_VIRTUALLY_FRAME" val="{&quot;height&quot;:254.17961120605463,&quot;left&quot;:47.67235019954169,&quot;top&quot;:177.81948573555533,&quot;width&quot;:864.8666381835938}"/>
-  <p:tag name="KSO_WM_DIAGRAM_COLOR_MATCH_VALUE" val="{&quot;shape&quot;:{&quot;fill&quot;:{&quot;solid&quot;:{&quot;brightness&quot;:0,&quot;colorType&quot;:1,&quot;foreColorIndex&quot;:5,&quot;transparency&quot;:0},&quot;type&quot;:1},&quot;glow&quot;:{&quot;colorType&quot;:0},&quot;line&quot;:{&quot;type&quot;:0},&quot;shadow&quot;:{&quot;colorType&quot;:0},&quot;threeD&quot;:{&quot;curvedSurface&quot;:{&quot;brightness&quot;:0,&quot;colorType&quot;:2,&quot;rgb&quot;:&quot;#000000&quot;},&quot;depth&quot;:{&quot;colorType&quot;:0}}},&quot;text&quot;:{&quot;fill&quot;:{&quot;solid&quot;:{&quot;brightness&quot;:0,&quot;colorType&quot;:2,&quot;rgb&quot;:&quot;#ffffff&quot;,&quot;transparency&quot;:0},&quot;type&quot;:1},&quot;glow&quot;:{&quot;colorType&quot;:0},&quot;line&quot;:{&quot;type&quot;:0},&quot;shadow&quot;:{&quot;colorType&quot;:0},&quot;threeD&quot;:{&quot;curvedSurface&quot;:{&quot;brightness&quot;:0,&quot;colorType&quot;:2,&quot;rgb&quot;:&quot;#000000&quot;},&quot;depth&quot;:{&quot;colorType&quot;:0}}}}"/>
-  <p:tag name="KSO_WM_DIAGRAM_VERSION" val="3"/>
-  <p:tag name="KSO_WM_DIAGRAM_COLOR_TRICK" val="2"/>
-  <p:tag name="KSO_WM_DIAGRAM_COLOR_TEXT_CAN_REMOVE" val="n"/>
-  <p:tag name="KSO_WM_UNIT_SUBTYPE" val="a"/>
-  <p:tag name="KSO_WM_UNIT_NOCLEAR" val="0"/>
   <p:tag name="KSO_WM_UNIT_HIGHLIGHT" val="0"/>
   <p:tag name="KSO_WM_UNIT_COMPATIBLE" val="0"/>
   <p:tag name="KSO_WM_UNIT_DIAGRAM_ISNUMVISUAL" val="0"/>
   <p:tag name="KSO_WM_UNIT_DIAGRAM_ISREFERUNIT" val="0"/>
-  <p:tag name="KSO_WM_DIAGRAM_GROUP_CODE" val="l1-1"/>
-  <p:tag name="KSO_WM_UNIT_TYPE" val="l_h_f"/>
-  <p:tag name="KSO_WM_UNIT_INDEX" val="1_1_1"/>
-  <p:tag name="KSO_WM_UNIT_ID" val="diagram20231298_3*l_h_f*1_1_1"/>
-  <p:tag name="KSO_WM_TEMPLATE_CATEGORY" val="diagram"/>
-  <p:tag name="KSO_WM_TEMPLATE_INDEX" val="20231298"/>
-  <p:tag name="KSO_WM_UNIT_LAYERLEVEL" val="1_1_1"/>
+  <p:tag name="KSO_WM_UNIT_ID" val="custom20231177_1*α*2"/>
+  <p:tag name="KSO_WM_TEMPLATE_CATEGORY" val="custom"/>
+  <p:tag name="KSO_WM_TEMPLATE_INDEX" val="20231177"/>
+  <p:tag name="KSO_WM_UNIT_LAYERLEVEL" val="1"/>
   <p:tag name="KSO_WM_TAG_VERSION" val="3.0"/>
   <p:tag name="KSO_WM_BEAUTIFY_FLAG" val="#wm#"/>
-  <p:tag name="KSO_WM_UNIT_PRESET_TEXT" val="单击此处输入你的正文，文字是您思想的提炼，为了最终演示发布的良好效果"/>
-  <p:tag name="KSO_WM_UNIT_FILL_TYPE" val="1"/>
-  <p:tag name="KSO_WM_UNIT_FILL_FORE_SCHEMECOLOR_INDEX" val="5"/>
-  <p:tag name="KSO_WM_UNIT_FILL_FORE_SCHEMECOLOR_INDEX_BRIGHTNESS" val="0"/>
+  <p:tag name="KSO_WM_UNIT_CHART_MATCH_MAX_SERIES_COUNT" val="0"/>
+  <p:tag name="KSO_WM_UNIT_CHART_MATCH_MIN_SERIES_COUNT" val="0"/>
+  <p:tag name="KSO_WM_UNIT_TYPE" val="α"/>
+  <p:tag name="KSO_WM_UNIT_INDEX" val="2"/>
 </p:tagLst>
 </file>
 
 <file path=ppt/tags/tag71.xml><?xml version="1.0" encoding="utf-8"?>
 <p:tagLst xmlns:a="http://schemas.openxmlformats.org/drawingml/2006/main" xmlns:r="http://schemas.openxmlformats.org/officeDocument/2006/relationships" xmlns:p="http://schemas.openxmlformats.org/presentationml/2006/main">
-  <p:tag name="KSO_WM_DIAGRAM_MAX_ITEMCNT" val="6"/>
-  <p:tag name="KSO_WM_DIAGRAM_MIN_ITEMCNT" val="2"/>
-  <p:tag name="KSO_WM_DIAGRAM_VIRTUALLY_FRAME" val="{&quot;height&quot;:254.17961120605463,&quot;left&quot;:47.67235019954169,&quot;top&quot;:177.81948573555533,&quot;width&quot;:864.8666381835938}"/>
-  <p:tag name="KSO_WM_DIAGRAM_COLOR_MATCH_VALUE" val="{&quot;shape&quot;:{&quot;fill&quot;:{&quot;solid&quot;:{&quot;brightness&quot;:0,&quot;colorType&quot;:1,&quot;foreColorIndex&quot;:6,&quot;transparency&quot;:0},&quot;type&quot;:1},&quot;glow&quot;:{&quot;colorType&quot;:0},&quot;line&quot;:{&quot;type&quot;:0},&quot;shadow&quot;:{&quot;colorType&quot;:0},&quot;threeD&quot;:{&quot;curvedSurface&quot;:{&quot;brightness&quot;:0,&quot;colorType&quot;:2,&quot;rgb&quot;:&quot;#000000&quot;},&quot;depth&quot;:{&quot;colorType&quot;:0}}},&quot;text&quot;:{&quot;fill&quot;:{&quot;solid&quot;:{&quot;brightness&quot;:0,&quot;colorType&quot;:2,&quot;rgb&quot;:&quot;#ffffff&quot;,&quot;transparency&quot;:0},&quot;type&quot;:1},&quot;glow&quot;:{&quot;colorType&quot;:0},&quot;line&quot;:{&quot;type&quot;:0},&quot;shadow&quot;:{&quot;colorType&quot;:0},&quot;threeD&quot;:{&quot;curvedSurface&quot;:{&quot;brightness&quot;:0,&quot;colorType&quot;:2,&quot;rgb&quot;:&quot;#000000&quot;},&quot;depth&quot;:{&quot;colorType&quot;:0}}}}"/>
-  <p:tag name="KSO_WM_DIAGRAM_VERSION" val="3"/>
-  <p:tag name="KSO_WM_DIAGRAM_COLOR_TRICK" val="2"/>
-  <p:tag name="KSO_WM_DIAGRAM_COLOR_TEXT_CAN_REMOVE" val="n"/>
   <p:tag name="KSO_WM_UNIT_SUBTYPE" val="a"/>
   <p:tag name="KSO_WM_UNIT_NOCLEAR" val="0"/>
+  <p:tag name="KSO_WM_UNIT_VALUE" val="60"/>
   <p:tag name="KSO_WM_UNIT_HIGHLIGHT" val="0"/>
   <p:tag name="KSO_WM_UNIT_COMPATIBLE" val="0"/>
   <p:tag name="KSO_WM_UNIT_DIAGRAM_ISNUMVISUAL" val="0"/>
   <p:tag name="KSO_WM_UNIT_DIAGRAM_ISREFERUNIT" val="0"/>
-  <p:tag name="KSO_WM_DIAGRAM_GROUP_CODE" val="l1-1"/>
-  <p:tag name="KSO_WM_UNIT_TYPE" val="l_h_f"/>
-  <p:tag name="KSO_WM_UNIT_INDEX" val="1_2_1"/>
-  <p:tag name="KSO_WM_UNIT_ID" val="diagram20231298_3*l_h_f*1_2_1"/>
-  <p:tag name="KSO_WM_TEMPLATE_CATEGORY" val="diagram"/>
-  <p:tag name="KSO_WM_TEMPLATE_INDEX" val="20231298"/>
-  <p:tag name="KSO_WM_UNIT_LAYERLEVEL" val="1_1_1"/>
+  <p:tag name="KSO_WM_UNIT_TYPE" val="f"/>
+  <p:tag name="KSO_WM_UNIT_INDEX" val="1"/>
+  <p:tag name="KSO_WM_UNIT_ID" val="custom20231177_1*f*1"/>
+  <p:tag name="KSO_WM_TEMPLATE_CATEGORY" val="custom"/>
+  <p:tag name="KSO_WM_TEMPLATE_INDEX" val="20231177"/>
+  <p:tag name="KSO_WM_UNIT_LAYERLEVEL" val="1"/>
   <p:tag name="KSO_WM_TAG_VERSION" val="3.0"/>
   <p:tag name="KSO_WM_BEAUTIFY_FLAG" val="#wm#"/>
-  <p:tag name="KSO_WM_UNIT_PRESET_TEXT" val="单击此处输入你的正文，文字是您思想的提炼，为了最终演示发布的良好效果"/>
-  <p:tag name="KSO_WM_UNIT_FILL_TYPE" val="1"/>
-  <p:tag name="KSO_WM_UNIT_FILL_FORE_SCHEMECOLOR_INDEX" val="6"/>
-  <p:tag name="KSO_WM_UNIT_FILL_FORE_SCHEMECOLOR_INDEX_BRIGHTNESS" val="0"/>
+  <p:tag name="KSO_WM_UNIT_TEXT_FILL_FORE_SCHEMECOLOR_INDEX_BRIGHTNESS" val="0.25"/>
+  <p:tag name="KSO_WM_UNIT_TEXT_FILL_FORE_SCHEMECOLOR_INDEX" val="13"/>
+  <p:tag name="KSO_WM_UNIT_TEXT_FILL_TYPE" val="1"/>
+  <p:tag name="KSO_WM_UNIT_PRESET_TEXT" val="单击此处添加文本具体内容，简明扼要地阐述您的观点。根据需要可酌情增减文字，以便观者准确地理解您传达的思想"/>
 </p:tagLst>
 </file>
 
 <file path=ppt/tags/tag72.xml><?xml version="1.0" encoding="utf-8"?>
 <p:tagLst xmlns:a="http://schemas.openxmlformats.org/drawingml/2006/main" xmlns:r="http://schemas.openxmlformats.org/officeDocument/2006/relationships" xmlns:p="http://schemas.openxmlformats.org/presentationml/2006/main">
-  <p:tag name="KSO_WM_DIAGRAM_MAX_ITEMCNT" val="6"/>
-  <p:tag name="KSO_WM_DIAGRAM_MIN_ITEMCNT" val="2"/>
-  <p:tag name="KSO_WM_DIAGRAM_VIRTUALLY_FRAME" val="{&quot;height&quot;:254.17961120605463,&quot;left&quot;:47.67235019954169,&quot;top&quot;:177.81948573555533,&quot;width&quot;:864.8666381835938}"/>
-  <p:tag name="KSO_WM_DIAGRAM_COLOR_MATCH_VALUE" val="{&quot;shape&quot;:{&quot;fill&quot;:{&quot;gradient&quot;:[{&quot;brightness&quot;:0.8999999761581421,&quot;colorType&quot;:1,&quot;foreColorIndex&quot;:5,&quot;pos&quot;:0.019999999552965164,&quot;transparency&quot;:0},{&quot;brightness&quot;:0.8999999761581421,&quot;colorType&quot;:1,&quot;foreColorIndex&quot;:5,&quot;pos&quot;:1,&quot;transparency&quot;:0}],&quot;type&quot;:3},&quot;glow&quot;:{&quot;colorType&quot;:0},&quot;line&quot;:{&quot;type&quot;:0},&quot;shadow&quot;:{&quot;colorType&quot;:0},&quot;threeD&quot;:{&quot;curvedSurface&quot;:{&quot;brightness&quot;:0,&quot;colorType&quot;:2,&quot;rgb&quot;:&quot;#000000&quot;},&quot;depth&quot;:{&quot;colorType&quot;:0}}},&quot;text&quot;:{&quot;fill&quot;:{&quot;solid&quot;:{&quot;brightness&quot;:0,&quot;colorType&quot;:1,&quot;foreColorIndex&quot;:5,&quot;transparency&quot;:0},&quot;type&quot;:1},&quot;glow&quot;:{&quot;colorType&quot;:0},&quot;line&quot;:{&quot;type&quot;:0},&quot;shadow&quot;:{&quot;colorType&quot;:0},&quot;threeD&quot;:{&quot;curvedSurface&quot;:{&quot;brightness&quot;:0,&quot;colorType&quot;:2,&quot;rgb&quot;:&quot;#000000&quot;},&quot;depth&quot;:{&quot;colorType&quot;:0}}}}"/>
-  <p:tag name="KSO_WM_UNIT_FILL_FORE_SCHEMECOLOR_INDEX_BRIGHTNESS" val="0.9"/>
-  <p:tag name="KSO_WM_DIAGRAM_VERSION" val="3"/>
-  <p:tag name="KSO_WM_DIAGRAM_COLOR_TRICK" val="2"/>
-  <p:tag name="KSO_WM_DIAGRAM_COLOR_TEXT_CAN_REMOVE" val="n"/>
   <p:tag name="KSO_WM_UNIT_HIGHLIGHT" val="0"/>
   <p:tag name="KSO_WM_UNIT_COMPATIBLE" val="0"/>
   <p:tag name="KSO_WM_UNIT_DIAGRAM_ISNUMVISUAL" val="0"/>
   <p:tag name="KSO_WM_UNIT_DIAGRAM_ISREFERUNIT" val="0"/>
-  <p:tag name="KSO_WM_DIAGRAM_GROUP_CODE" val="l1-1"/>
   <p:tag name="KSO_WM_UNIT_SUBTYPE" val="d"/>
   <p:tag name="KSO_WM_UNIT_TYPE" val="l_h_i"/>
-  <p:tag name="KSO_WM_UNIT_INDEX" val="1_1_1"/>
-  <p:tag name="KSO_WM_UNIT_ID" val="diagram20231298_3*l_h_i*1_1_1"/>
-  <p:tag name="KSO_WM_TEMPLATE_CATEGORY" val="diagram"/>
-  <p:tag name="KSO_WM_TEMPLATE_INDEX" val="20231298"/>
+  <p:tag name="KSO_WM_UNIT_INDEX" val="1_1_2"/>
+  <p:tag name="KSO_WM_UNIT_ID" val="custom20230314_6*l_h_i*1_1_2"/>
+  <p:tag name="KSO_WM_TEMPLATE_CATEGORY" val="custom"/>
+  <p:tag name="KSO_WM_TEMPLATE_INDEX" val="20230314"/>
   <p:tag name="KSO_WM_UNIT_LAYERLEVEL" val="1_1_1"/>
   <p:tag name="KSO_WM_TAG_VERSION" val="3.0"/>
   <p:tag name="KSO_WM_BEAUTIFY_FLAG" val="#wm#"/>
-  <p:tag name="KSO_WM_UNIT_PRESET_TEXT" val="1"/>
-  <p:tag name="KSO_WM_UNIT_FILL_TYPE" val="3"/>
-  <p:tag name="KSO_WM_UNIT_TEXT_FILL_FORE_SCHEMECOLOR_INDEX" val="1"/>
+  <p:tag name="KSO_WM_DIAGRAM_GROUP_CODE" val="l1-1"/>
+  <p:tag name="KSO_WM_DIAGRAM_VERSION" val="3"/>
+  <p:tag name="KSO_WM_DIAGRAM_COLOR_TRICK" val="2"/>
+  <p:tag name="KSO_WM_DIAGRAM_COLOR_TEXT_CAN_REMOVE" val="n"/>
+  <p:tag name="KSO_WM_DIAGRAM_MAX_ITEMCNT" val="6"/>
+  <p:tag name="KSO_WM_DIAGRAM_MIN_ITEMCNT" val="2"/>
+  <p:tag name="KSO_WM_DIAGRAM_VIRTUALLY_FRAME" val="{&quot;height&quot;:449.69995757816343,&quot;left&quot;:345.09999694824216,&quot;top&quot;:65.72500305175781,&quot;width&quot;:399.1000061035156}"/>
+  <p:tag name="KSO_WM_DIAGRAM_COLOR_MATCH_VALUE" val="{&quot;shape&quot;:{&quot;fill&quot;:{&quot;solid&quot;:{&quot;brightness&quot;:0,&quot;colorType&quot;:1,&quot;foreColorIndex&quot;:5,&quot;transparency&quot;:0},&quot;type&quot;:1},&quot;glow&quot;:{&quot;colorType&quot;:0},&quot;line&quot;:{&quot;type&quot;:0},&quot;shadow&quot;:{&quot;colorType&quot;:0},&quot;threeD&quot;:{&quot;curvedSurface&quot;:{&quot;brightness&quot;:0,&quot;colorType&quot;:2,&quot;rgb&quot;:&quot;#000000&quot;},&quot;depth&quot;:{&quot;colorType&quot;:0}}},&quot;text&quot;:{&quot;fill&quot;:{&quot;solid&quot;:{&quot;brightness&quot;:0,&quot;colorType&quot;:1,&quot;foreColorIndex&quot;:2,&quot;transparency&quot;:0},&quot;type&quot;:1},&quot;glow&quot;:{&quot;colorType&quot;:0},&quot;line&quot;:{&quot;type&quot;:0},&quot;shadow&quot;:{&quot;colorType&quot;:0},&quot;threeD&quot;:{&quot;curvedSurface&quot;:{&quot;brightness&quot;:0,&quot;colorType&quot;:2,&quot;rgb&quot;:&quot;#000000&quot;},&quot;depth&quot;:{&quot;colorType&quot;:0}}}}"/>
+  <p:tag name="KSO_WM_UNIT_PRESET_TEXT" val="01"/>
+  <p:tag name="KSO_WM_UNIT_FILL_FORE_SCHEMECOLOR_INDEX_BRIGHTNESS" val="0"/>
+  <p:tag name="KSO_WM_UNIT_FILL_FORE_SCHEMECOLOR_INDEX" val="5"/>
+  <p:tag name="KSO_WM_UNIT_FILL_TYPE" val="1"/>
+  <p:tag name="KSO_WM_UNIT_TEXT_FILL_FORE_SCHEMECOLOR_INDEX_BRIGHTNESS" val="0"/>
+  <p:tag name="KSO_WM_UNIT_TEXT_FILL_FORE_SCHEMECOLOR_INDEX" val="2"/>
   <p:tag name="KSO_WM_UNIT_TEXT_FILL_TYPE" val="1"/>
+  <p:tag name="KSO_WM_UNIT_USESOURCEFORMAT_APPLY" val="1"/>
 </p:tagLst>
 </file>
 
@@ -27972,6 +30385,130 @@
   <p:tag name="KSO_WM_UNIT_DIAGRAM_ISREFERUNIT" val="0"/>
   <p:tag name="KSO_WM_DIAGRAM_GROUP_CODE" val="l1-1"/>
   <p:tag name="KSO_WM_UNIT_TYPE" val="l_h_f"/>
+  <p:tag name="KSO_WM_UNIT_INDEX" val="1_1_1"/>
+  <p:tag name="KSO_WM_UNIT_ID" val="diagram20231298_3*l_h_f*1_1_1"/>
+  <p:tag name="KSO_WM_TEMPLATE_CATEGORY" val="diagram"/>
+  <p:tag name="KSO_WM_TEMPLATE_INDEX" val="20231298"/>
+  <p:tag name="KSO_WM_UNIT_LAYERLEVEL" val="1_1_1"/>
+  <p:tag name="KSO_WM_TAG_VERSION" val="3.0"/>
+  <p:tag name="KSO_WM_BEAUTIFY_FLAG" val="#wm#"/>
+  <p:tag name="KSO_WM_UNIT_PRESET_TEXT" val="单击此处输入你的正文，文字是您思想的提炼，为了最终演示发布的良好效果"/>
+  <p:tag name="KSO_WM_UNIT_FILL_TYPE" val="1"/>
+  <p:tag name="KSO_WM_UNIT_FILL_FORE_SCHEMECOLOR_INDEX" val="5"/>
+  <p:tag name="KSO_WM_UNIT_FILL_FORE_SCHEMECOLOR_INDEX_BRIGHTNESS" val="0"/>
+</p:tagLst>
+</file>
+
+<file path=ppt/tags/tag75.xml><?xml version="1.0" encoding="utf-8"?>
+<p:tagLst xmlns:a="http://schemas.openxmlformats.org/drawingml/2006/main" xmlns:r="http://schemas.openxmlformats.org/officeDocument/2006/relationships" xmlns:p="http://schemas.openxmlformats.org/presentationml/2006/main">
+  <p:tag name="KSO_WM_DIAGRAM_MAX_ITEMCNT" val="6"/>
+  <p:tag name="KSO_WM_DIAGRAM_MIN_ITEMCNT" val="2"/>
+  <p:tag name="KSO_WM_DIAGRAM_VIRTUALLY_FRAME" val="{&quot;height&quot;:254.17961120605463,&quot;left&quot;:47.67235019954169,&quot;top&quot;:177.81948573555533,&quot;width&quot;:864.8666381835938}"/>
+  <p:tag name="KSO_WM_DIAGRAM_COLOR_MATCH_VALUE" val="{&quot;shape&quot;:{&quot;fill&quot;:{&quot;solid&quot;:{&quot;brightness&quot;:0,&quot;colorType&quot;:1,&quot;foreColorIndex&quot;:6,&quot;transparency&quot;:0},&quot;type&quot;:1},&quot;glow&quot;:{&quot;colorType&quot;:0},&quot;line&quot;:{&quot;type&quot;:0},&quot;shadow&quot;:{&quot;colorType&quot;:0},&quot;threeD&quot;:{&quot;curvedSurface&quot;:{&quot;brightness&quot;:0,&quot;colorType&quot;:2,&quot;rgb&quot;:&quot;#000000&quot;},&quot;depth&quot;:{&quot;colorType&quot;:0}}},&quot;text&quot;:{&quot;fill&quot;:{&quot;solid&quot;:{&quot;brightness&quot;:0,&quot;colorType&quot;:2,&quot;rgb&quot;:&quot;#ffffff&quot;,&quot;transparency&quot;:0},&quot;type&quot;:1},&quot;glow&quot;:{&quot;colorType&quot;:0},&quot;line&quot;:{&quot;type&quot;:0},&quot;shadow&quot;:{&quot;colorType&quot;:0},&quot;threeD&quot;:{&quot;curvedSurface&quot;:{&quot;brightness&quot;:0,&quot;colorType&quot;:2,&quot;rgb&quot;:&quot;#000000&quot;},&quot;depth&quot;:{&quot;colorType&quot;:0}}}}"/>
+  <p:tag name="KSO_WM_DIAGRAM_VERSION" val="3"/>
+  <p:tag name="KSO_WM_DIAGRAM_COLOR_TRICK" val="2"/>
+  <p:tag name="KSO_WM_DIAGRAM_COLOR_TEXT_CAN_REMOVE" val="n"/>
+  <p:tag name="KSO_WM_UNIT_SUBTYPE" val="a"/>
+  <p:tag name="KSO_WM_UNIT_NOCLEAR" val="0"/>
+  <p:tag name="KSO_WM_UNIT_HIGHLIGHT" val="0"/>
+  <p:tag name="KSO_WM_UNIT_COMPATIBLE" val="0"/>
+  <p:tag name="KSO_WM_UNIT_DIAGRAM_ISNUMVISUAL" val="0"/>
+  <p:tag name="KSO_WM_UNIT_DIAGRAM_ISREFERUNIT" val="0"/>
+  <p:tag name="KSO_WM_DIAGRAM_GROUP_CODE" val="l1-1"/>
+  <p:tag name="KSO_WM_UNIT_TYPE" val="l_h_f"/>
+  <p:tag name="KSO_WM_UNIT_INDEX" val="1_2_1"/>
+  <p:tag name="KSO_WM_UNIT_ID" val="diagram20231298_3*l_h_f*1_2_1"/>
+  <p:tag name="KSO_WM_TEMPLATE_CATEGORY" val="diagram"/>
+  <p:tag name="KSO_WM_TEMPLATE_INDEX" val="20231298"/>
+  <p:tag name="KSO_WM_UNIT_LAYERLEVEL" val="1_1_1"/>
+  <p:tag name="KSO_WM_TAG_VERSION" val="3.0"/>
+  <p:tag name="KSO_WM_BEAUTIFY_FLAG" val="#wm#"/>
+  <p:tag name="KSO_WM_UNIT_PRESET_TEXT" val="单击此处输入你的正文，文字是您思想的提炼，为了最终演示发布的良好效果"/>
+  <p:tag name="KSO_WM_UNIT_FILL_TYPE" val="1"/>
+  <p:tag name="KSO_WM_UNIT_FILL_FORE_SCHEMECOLOR_INDEX" val="6"/>
+  <p:tag name="KSO_WM_UNIT_FILL_FORE_SCHEMECOLOR_INDEX_BRIGHTNESS" val="0"/>
+</p:tagLst>
+</file>
+
+<file path=ppt/tags/tag76.xml><?xml version="1.0" encoding="utf-8"?>
+<p:tagLst xmlns:a="http://schemas.openxmlformats.org/drawingml/2006/main" xmlns:r="http://schemas.openxmlformats.org/officeDocument/2006/relationships" xmlns:p="http://schemas.openxmlformats.org/presentationml/2006/main">
+  <p:tag name="KSO_WM_DIAGRAM_MAX_ITEMCNT" val="6"/>
+  <p:tag name="KSO_WM_DIAGRAM_MIN_ITEMCNT" val="2"/>
+  <p:tag name="KSO_WM_DIAGRAM_VIRTUALLY_FRAME" val="{&quot;height&quot;:254.17961120605463,&quot;left&quot;:47.67235019954169,&quot;top&quot;:177.81948573555533,&quot;width&quot;:864.8666381835938}"/>
+  <p:tag name="KSO_WM_DIAGRAM_COLOR_MATCH_VALUE" val="{&quot;shape&quot;:{&quot;fill&quot;:{&quot;gradient&quot;:[{&quot;brightness&quot;:0.8999999761581421,&quot;colorType&quot;:1,&quot;foreColorIndex&quot;:5,&quot;pos&quot;:0.019999999552965164,&quot;transparency&quot;:0},{&quot;brightness&quot;:0.8999999761581421,&quot;colorType&quot;:1,&quot;foreColorIndex&quot;:5,&quot;pos&quot;:1,&quot;transparency&quot;:0}],&quot;type&quot;:3},&quot;glow&quot;:{&quot;colorType&quot;:0},&quot;line&quot;:{&quot;type&quot;:0},&quot;shadow&quot;:{&quot;colorType&quot;:0},&quot;threeD&quot;:{&quot;curvedSurface&quot;:{&quot;brightness&quot;:0,&quot;colorType&quot;:2,&quot;rgb&quot;:&quot;#000000&quot;},&quot;depth&quot;:{&quot;colorType&quot;:0}}},&quot;text&quot;:{&quot;fill&quot;:{&quot;solid&quot;:{&quot;brightness&quot;:0,&quot;colorType&quot;:1,&quot;foreColorIndex&quot;:5,&quot;transparency&quot;:0},&quot;type&quot;:1},&quot;glow&quot;:{&quot;colorType&quot;:0},&quot;line&quot;:{&quot;type&quot;:0},&quot;shadow&quot;:{&quot;colorType&quot;:0},&quot;threeD&quot;:{&quot;curvedSurface&quot;:{&quot;brightness&quot;:0,&quot;colorType&quot;:2,&quot;rgb&quot;:&quot;#000000&quot;},&quot;depth&quot;:{&quot;colorType&quot;:0}}}}"/>
+  <p:tag name="KSO_WM_UNIT_FILL_FORE_SCHEMECOLOR_INDEX_BRIGHTNESS" val="0.9"/>
+  <p:tag name="KSO_WM_DIAGRAM_VERSION" val="3"/>
+  <p:tag name="KSO_WM_DIAGRAM_COLOR_TRICK" val="2"/>
+  <p:tag name="KSO_WM_DIAGRAM_COLOR_TEXT_CAN_REMOVE" val="n"/>
+  <p:tag name="KSO_WM_UNIT_HIGHLIGHT" val="0"/>
+  <p:tag name="KSO_WM_UNIT_COMPATIBLE" val="0"/>
+  <p:tag name="KSO_WM_UNIT_DIAGRAM_ISNUMVISUAL" val="0"/>
+  <p:tag name="KSO_WM_UNIT_DIAGRAM_ISREFERUNIT" val="0"/>
+  <p:tag name="KSO_WM_DIAGRAM_GROUP_CODE" val="l1-1"/>
+  <p:tag name="KSO_WM_UNIT_SUBTYPE" val="d"/>
+  <p:tag name="KSO_WM_UNIT_TYPE" val="l_h_i"/>
+  <p:tag name="KSO_WM_UNIT_INDEX" val="1_1_1"/>
+  <p:tag name="KSO_WM_UNIT_ID" val="diagram20231298_3*l_h_i*1_1_1"/>
+  <p:tag name="KSO_WM_TEMPLATE_CATEGORY" val="diagram"/>
+  <p:tag name="KSO_WM_TEMPLATE_INDEX" val="20231298"/>
+  <p:tag name="KSO_WM_UNIT_LAYERLEVEL" val="1_1_1"/>
+  <p:tag name="KSO_WM_TAG_VERSION" val="3.0"/>
+  <p:tag name="KSO_WM_BEAUTIFY_FLAG" val="#wm#"/>
+  <p:tag name="KSO_WM_UNIT_PRESET_TEXT" val="1"/>
+  <p:tag name="KSO_WM_UNIT_FILL_TYPE" val="3"/>
+  <p:tag name="KSO_WM_UNIT_TEXT_FILL_FORE_SCHEMECOLOR_INDEX" val="1"/>
+  <p:tag name="KSO_WM_UNIT_TEXT_FILL_TYPE" val="1"/>
+</p:tagLst>
+</file>
+
+<file path=ppt/tags/tag77.xml><?xml version="1.0" encoding="utf-8"?>
+<p:tagLst xmlns:a="http://schemas.openxmlformats.org/drawingml/2006/main" xmlns:r="http://schemas.openxmlformats.org/officeDocument/2006/relationships" xmlns:p="http://schemas.openxmlformats.org/presentationml/2006/main">
+  <p:tag name="KSO_WM_DIAGRAM_MAX_ITEMCNT" val="6"/>
+  <p:tag name="KSO_WM_DIAGRAM_MIN_ITEMCNT" val="2"/>
+  <p:tag name="KSO_WM_DIAGRAM_VIRTUALLY_FRAME" val="{&quot;height&quot;:254.17961120605463,&quot;left&quot;:47.67235019954169,&quot;top&quot;:177.81948573555533,&quot;width&quot;:864.8666381835938}"/>
+  <p:tag name="KSO_WM_DIAGRAM_COLOR_MATCH_VALUE" val="{&quot;shape&quot;:{&quot;fill&quot;:{&quot;gradient&quot;:[{&quot;brightness&quot;:0.8999999761581421,&quot;colorType&quot;:1,&quot;foreColorIndex&quot;:6,&quot;pos&quot;:0.019999999552965164,&quot;transparency&quot;:0},{&quot;brightness&quot;:0.8999999761581421,&quot;colorType&quot;:1,&quot;foreColorIndex&quot;:6,&quot;pos&quot;:1,&quot;transparency&quot;:0}],&quot;type&quot;:3},&quot;glow&quot;:{&quot;colorType&quot;:0},&quot;line&quot;:{&quot;type&quot;:0},&quot;shadow&quot;:{&quot;colorType&quot;:0},&quot;threeD&quot;:{&quot;curvedSurface&quot;:{&quot;brightness&quot;:0,&quot;colorType&quot;:2,&quot;rgb&quot;:&quot;#000000&quot;},&quot;depth&quot;:{&quot;colorType&quot;:0}}},&quot;text&quot;:{&quot;fill&quot;:{&quot;solid&quot;:{&quot;brightness&quot;:0,&quot;colorType&quot;:1,&quot;foreColorIndex&quot;:6,&quot;transparency&quot;:0},&quot;type&quot;:1},&quot;glow&quot;:{&quot;colorType&quot;:0},&quot;line&quot;:{&quot;type&quot;:0},&quot;shadow&quot;:{&quot;colorType&quot;:0},&quot;threeD&quot;:{&quot;curvedSurface&quot;:{&quot;brightness&quot;:0,&quot;colorType&quot;:2,&quot;rgb&quot;:&quot;#000000&quot;},&quot;depth&quot;:{&quot;colorType&quot;:0}}}}"/>
+  <p:tag name="KSO_WM_UNIT_FILL_FORE_SCHEMECOLOR_INDEX_BRIGHTNESS" val="0.9"/>
+  <p:tag name="KSO_WM_DIAGRAM_VERSION" val="3"/>
+  <p:tag name="KSO_WM_DIAGRAM_COLOR_TRICK" val="2"/>
+  <p:tag name="KSO_WM_DIAGRAM_COLOR_TEXT_CAN_REMOVE" val="n"/>
+  <p:tag name="KSO_WM_UNIT_HIGHLIGHT" val="0"/>
+  <p:tag name="KSO_WM_UNIT_COMPATIBLE" val="0"/>
+  <p:tag name="KSO_WM_UNIT_DIAGRAM_ISNUMVISUAL" val="0"/>
+  <p:tag name="KSO_WM_UNIT_DIAGRAM_ISREFERUNIT" val="0"/>
+  <p:tag name="KSO_WM_DIAGRAM_GROUP_CODE" val="l1-1"/>
+  <p:tag name="KSO_WM_UNIT_SUBTYPE" val="d"/>
+  <p:tag name="KSO_WM_UNIT_TYPE" val="l_h_i"/>
+  <p:tag name="KSO_WM_UNIT_INDEX" val="1_2_1"/>
+  <p:tag name="KSO_WM_UNIT_ID" val="diagram20231298_3*l_h_i*1_2_1"/>
+  <p:tag name="KSO_WM_TEMPLATE_CATEGORY" val="diagram"/>
+  <p:tag name="KSO_WM_TEMPLATE_INDEX" val="20231298"/>
+  <p:tag name="KSO_WM_UNIT_LAYERLEVEL" val="1_1_1"/>
+  <p:tag name="KSO_WM_TAG_VERSION" val="3.0"/>
+  <p:tag name="KSO_WM_BEAUTIFY_FLAG" val="#wm#"/>
+  <p:tag name="KSO_WM_UNIT_PRESET_TEXT" val="2"/>
+  <p:tag name="KSO_WM_UNIT_FILL_TYPE" val="3"/>
+  <p:tag name="KSO_WM_UNIT_TEXT_FILL_FORE_SCHEMECOLOR_INDEX" val="1"/>
+  <p:tag name="KSO_WM_UNIT_TEXT_FILL_TYPE" val="1"/>
+</p:tagLst>
+</file>
+
+<file path=ppt/tags/tag78.xml><?xml version="1.0" encoding="utf-8"?>
+<p:tagLst xmlns:a="http://schemas.openxmlformats.org/drawingml/2006/main" xmlns:r="http://schemas.openxmlformats.org/officeDocument/2006/relationships" xmlns:p="http://schemas.openxmlformats.org/presentationml/2006/main">
+  <p:tag name="KSO_WM_DIAGRAM_MAX_ITEMCNT" val="6"/>
+  <p:tag name="KSO_WM_DIAGRAM_MIN_ITEMCNT" val="2"/>
+  <p:tag name="KSO_WM_DIAGRAM_VIRTUALLY_FRAME" val="{&quot;height&quot;:254.17961120605463,&quot;left&quot;:47.67235019954169,&quot;top&quot;:177.81948573555533,&quot;width&quot;:864.8666381835938}"/>
+  <p:tag name="KSO_WM_DIAGRAM_COLOR_MATCH_VALUE" val="{&quot;shape&quot;:{&quot;fill&quot;:{&quot;solid&quot;:{&quot;brightness&quot;:0,&quot;colorType&quot;:1,&quot;foreColorIndex&quot;:5,&quot;transparency&quot;:0},&quot;type&quot;:1},&quot;glow&quot;:{&quot;colorType&quot;:0},&quot;line&quot;:{&quot;type&quot;:0},&quot;shadow&quot;:{&quot;colorType&quot;:0},&quot;threeD&quot;:{&quot;curvedSurface&quot;:{&quot;brightness&quot;:0,&quot;colorType&quot;:2,&quot;rgb&quot;:&quot;#000000&quot;},&quot;depth&quot;:{&quot;colorType&quot;:0}}},&quot;text&quot;:{&quot;fill&quot;:{&quot;solid&quot;:{&quot;brightness&quot;:0,&quot;colorType&quot;:2,&quot;rgb&quot;:&quot;#ffffff&quot;,&quot;transparency&quot;:0},&quot;type&quot;:1},&quot;glow&quot;:{&quot;colorType&quot;:0},&quot;line&quot;:{&quot;type&quot;:0},&quot;shadow&quot;:{&quot;colorType&quot;:0},&quot;threeD&quot;:{&quot;curvedSurface&quot;:{&quot;brightness&quot;:0,&quot;colorType&quot;:2,&quot;rgb&quot;:&quot;#000000&quot;},&quot;depth&quot;:{&quot;colorType&quot;:0}}}}"/>
+  <p:tag name="KSO_WM_DIAGRAM_VERSION" val="3"/>
+  <p:tag name="KSO_WM_DIAGRAM_COLOR_TRICK" val="2"/>
+  <p:tag name="KSO_WM_DIAGRAM_COLOR_TEXT_CAN_REMOVE" val="n"/>
+  <p:tag name="KSO_WM_UNIT_SUBTYPE" val="a"/>
+  <p:tag name="KSO_WM_UNIT_NOCLEAR" val="0"/>
+  <p:tag name="KSO_WM_UNIT_HIGHLIGHT" val="0"/>
+  <p:tag name="KSO_WM_UNIT_COMPATIBLE" val="0"/>
+  <p:tag name="KSO_WM_UNIT_DIAGRAM_ISNUMVISUAL" val="0"/>
+  <p:tag name="KSO_WM_UNIT_DIAGRAM_ISREFERUNIT" val="0"/>
+  <p:tag name="KSO_WM_DIAGRAM_GROUP_CODE" val="l1-1"/>
+  <p:tag name="KSO_WM_UNIT_TYPE" val="l_h_f"/>
   <p:tag name="KSO_WM_UNIT_INDEX" val="1_3_1"/>
   <p:tag name="KSO_WM_UNIT_ID" val="diagram20231298_3*l_h_f*1_3_1"/>
   <p:tag name="KSO_WM_TEMPLATE_CATEGORY" val="diagram"/>
@@ -27986,7 +30523,7 @@
 </p:tagLst>
 </file>
 
-<file path=ppt/tags/tag75.xml><?xml version="1.0" encoding="utf-8"?>
+<file path=ppt/tags/tag79.xml><?xml version="1.0" encoding="utf-8"?>
 <p:tagLst xmlns:a="http://schemas.openxmlformats.org/drawingml/2006/main" xmlns:r="http://schemas.openxmlformats.org/officeDocument/2006/relationships" xmlns:p="http://schemas.openxmlformats.org/presentationml/2006/main">
   <p:tag name="KSO_WM_DIAGRAM_MAX_ITEMCNT" val="6"/>
   <p:tag name="KSO_WM_DIAGRAM_MIN_ITEMCNT" val="2"/>
@@ -28017,7 +30554,41 @@
 </p:tagLst>
 </file>
 
-<file path=ppt/tags/tag76.xml><?xml version="1.0" encoding="utf-8"?>
+<file path=ppt/tags/tag8.xml><?xml version="1.0" encoding="utf-8"?>
+<p:tagLst xmlns:a="http://schemas.openxmlformats.org/drawingml/2006/main" xmlns:r="http://schemas.openxmlformats.org/officeDocument/2006/relationships" xmlns:p="http://schemas.openxmlformats.org/presentationml/2006/main">
+  <p:tag name="KSO_WM_UNIT_HIGHLIGHT" val="0"/>
+  <p:tag name="KSO_WM_UNIT_COMPATIBLE" val="0"/>
+  <p:tag name="KSO_WM_UNIT_DIAGRAM_ISNUMVISUAL" val="0"/>
+  <p:tag name="KSO_WM_UNIT_DIAGRAM_ISREFERUNIT" val="0"/>
+  <p:tag name="KSO_WM_UNIT_SUBTYPE" val="d"/>
+  <p:tag name="KSO_WM_UNIT_TYPE" val="l_h_i"/>
+  <p:tag name="KSO_WM_UNIT_INDEX" val="1_3_2"/>
+  <p:tag name="KSO_WM_UNIT_ID" val="custom20230314_6*l_h_i*1_3_2"/>
+  <p:tag name="KSO_WM_TEMPLATE_CATEGORY" val="custom"/>
+  <p:tag name="KSO_WM_TEMPLATE_INDEX" val="20230314"/>
+  <p:tag name="KSO_WM_UNIT_LAYERLEVEL" val="1_1_1"/>
+  <p:tag name="KSO_WM_TAG_VERSION" val="3.0"/>
+  <p:tag name="KSO_WM_BEAUTIFY_FLAG" val="#wm#"/>
+  <p:tag name="KSO_WM_DIAGRAM_GROUP_CODE" val="l1-1"/>
+  <p:tag name="KSO_WM_DIAGRAM_VERSION" val="3"/>
+  <p:tag name="KSO_WM_DIAGRAM_COLOR_TRICK" val="2"/>
+  <p:tag name="KSO_WM_DIAGRAM_COLOR_TEXT_CAN_REMOVE" val="n"/>
+  <p:tag name="KSO_WM_DIAGRAM_MAX_ITEMCNT" val="6"/>
+  <p:tag name="KSO_WM_DIAGRAM_MIN_ITEMCNT" val="2"/>
+  <p:tag name="KSO_WM_DIAGRAM_VIRTUALLY_FRAME" val="{&quot;height&quot;:449.69995757816343,&quot;left&quot;:345.09999694824216,&quot;top&quot;:65.72500305175781,&quot;width&quot;:399.1000061035156}"/>
+  <p:tag name="KSO_WM_DIAGRAM_COLOR_MATCH_VALUE" val="{&quot;shape&quot;:{&quot;fill&quot;:{&quot;solid&quot;:{&quot;brightness&quot;:0,&quot;colorType&quot;:1,&quot;foreColorIndex&quot;:5,&quot;transparency&quot;:0},&quot;type&quot;:1},&quot;glow&quot;:{&quot;colorType&quot;:0},&quot;line&quot;:{&quot;type&quot;:0},&quot;shadow&quot;:{&quot;colorType&quot;:0},&quot;threeD&quot;:{&quot;curvedSurface&quot;:{&quot;brightness&quot;:0,&quot;colorType&quot;:2,&quot;rgb&quot;:&quot;#000000&quot;},&quot;depth&quot;:{&quot;colorType&quot;:0}}},&quot;text&quot;:{&quot;fill&quot;:{&quot;solid&quot;:{&quot;brightness&quot;:0,&quot;colorType&quot;:1,&quot;foreColorIndex&quot;:2,&quot;transparency&quot;:0},&quot;type&quot;:1},&quot;glow&quot;:{&quot;colorType&quot;:0},&quot;line&quot;:{&quot;type&quot;:0},&quot;shadow&quot;:{&quot;colorType&quot;:0},&quot;threeD&quot;:{&quot;curvedSurface&quot;:{&quot;brightness&quot;:0,&quot;colorType&quot;:2,&quot;rgb&quot;:&quot;#000000&quot;},&quot;depth&quot;:{&quot;colorType&quot;:0}}}}"/>
+  <p:tag name="KSO_WM_UNIT_PRESET_TEXT" val="03"/>
+  <p:tag name="KSO_WM_UNIT_FILL_FORE_SCHEMECOLOR_INDEX_BRIGHTNESS" val="0"/>
+  <p:tag name="KSO_WM_UNIT_FILL_FORE_SCHEMECOLOR_INDEX" val="5"/>
+  <p:tag name="KSO_WM_UNIT_FILL_TYPE" val="1"/>
+  <p:tag name="KSO_WM_UNIT_TEXT_FILL_FORE_SCHEMECOLOR_INDEX_BRIGHTNESS" val="0"/>
+  <p:tag name="KSO_WM_UNIT_TEXT_FILL_FORE_SCHEMECOLOR_INDEX" val="2"/>
+  <p:tag name="KSO_WM_UNIT_TEXT_FILL_TYPE" val="1"/>
+  <p:tag name="KSO_WM_UNIT_USESOURCEFORMAT_APPLY" val="1"/>
+</p:tagLst>
+</file>
+
+<file path=ppt/tags/tag80.xml><?xml version="1.0" encoding="utf-8"?>
 <p:tagLst xmlns:a="http://schemas.openxmlformats.org/drawingml/2006/main" xmlns:r="http://schemas.openxmlformats.org/officeDocument/2006/relationships" xmlns:p="http://schemas.openxmlformats.org/presentationml/2006/main">
   <p:tag name="KSO_WM_DIAGRAM_MAX_ITEMCNT" val="6"/>
   <p:tag name="KSO_WM_DIAGRAM_MIN_ITEMCNT" val="2"/>
@@ -28048,7 +30619,7 @@
 </p:tagLst>
 </file>
 
-<file path=ppt/tags/tag77.xml><?xml version="1.0" encoding="utf-8"?>
+<file path=ppt/tags/tag81.xml><?xml version="1.0" encoding="utf-8"?>
 <p:tagLst xmlns:a="http://schemas.openxmlformats.org/drawingml/2006/main" xmlns:r="http://schemas.openxmlformats.org/officeDocument/2006/relationships" xmlns:p="http://schemas.openxmlformats.org/presentationml/2006/main">
   <p:tag name="KSO_WM_DIAGRAM_MAX_ITEMCNT" val="6"/>
   <p:tag name="KSO_WM_DIAGRAM_MIN_ITEMCNT" val="2"/>
@@ -28079,7 +30650,7 @@
 </p:tagLst>
 </file>
 
-<file path=ppt/tags/tag78.xml><?xml version="1.0" encoding="utf-8"?>
+<file path=ppt/tags/tag82.xml><?xml version="1.0" encoding="utf-8"?>
 <p:tagLst xmlns:a="http://schemas.openxmlformats.org/drawingml/2006/main" xmlns:r="http://schemas.openxmlformats.org/officeDocument/2006/relationships" xmlns:p="http://schemas.openxmlformats.org/presentationml/2006/main">
   <p:tag name="KSO_WM_UNIT_HIGHLIGHT" val="0"/>
   <p:tag name="KSO_WM_UNIT_COMPATIBLE" val="0"/>
@@ -28121,7 +30692,7 @@
 </p:tagLst>
 </file>
 
-<file path=ppt/tags/tag79.xml><?xml version="1.0" encoding="utf-8"?>
+<file path=ppt/tags/tag83.xml><?xml version="1.0" encoding="utf-8"?>
 <p:tagLst xmlns:a="http://schemas.openxmlformats.org/drawingml/2006/main" xmlns:r="http://schemas.openxmlformats.org/officeDocument/2006/relationships" xmlns:p="http://schemas.openxmlformats.org/presentationml/2006/main">
   <p:tag name="KSO_WM_UNIT_HIGHLIGHT" val="0"/>
   <p:tag name="KSO_WM_UNIT_COMPATIBLE" val="0"/>
@@ -28162,41 +30733,7 @@
 </p:tagLst>
 </file>
 
-<file path=ppt/tags/tag8.xml><?xml version="1.0" encoding="utf-8"?>
-<p:tagLst xmlns:a="http://schemas.openxmlformats.org/drawingml/2006/main" xmlns:r="http://schemas.openxmlformats.org/officeDocument/2006/relationships" xmlns:p="http://schemas.openxmlformats.org/presentationml/2006/main">
-  <p:tag name="KSO_WM_UNIT_HIGHLIGHT" val="0"/>
-  <p:tag name="KSO_WM_UNIT_COMPATIBLE" val="0"/>
-  <p:tag name="KSO_WM_UNIT_DIAGRAM_ISNUMVISUAL" val="0"/>
-  <p:tag name="KSO_WM_UNIT_DIAGRAM_ISREFERUNIT" val="0"/>
-  <p:tag name="KSO_WM_UNIT_SUBTYPE" val="d"/>
-  <p:tag name="KSO_WM_UNIT_TYPE" val="l_h_i"/>
-  <p:tag name="KSO_WM_UNIT_INDEX" val="1_3_2"/>
-  <p:tag name="KSO_WM_UNIT_ID" val="custom20230314_6*l_h_i*1_3_2"/>
-  <p:tag name="KSO_WM_TEMPLATE_CATEGORY" val="custom"/>
-  <p:tag name="KSO_WM_TEMPLATE_INDEX" val="20230314"/>
-  <p:tag name="KSO_WM_UNIT_LAYERLEVEL" val="1_1_1"/>
-  <p:tag name="KSO_WM_TAG_VERSION" val="3.0"/>
-  <p:tag name="KSO_WM_BEAUTIFY_FLAG" val="#wm#"/>
-  <p:tag name="KSO_WM_DIAGRAM_GROUP_CODE" val="l1-1"/>
-  <p:tag name="KSO_WM_DIAGRAM_VERSION" val="3"/>
-  <p:tag name="KSO_WM_DIAGRAM_COLOR_TRICK" val="2"/>
-  <p:tag name="KSO_WM_DIAGRAM_COLOR_TEXT_CAN_REMOVE" val="n"/>
-  <p:tag name="KSO_WM_DIAGRAM_MAX_ITEMCNT" val="6"/>
-  <p:tag name="KSO_WM_DIAGRAM_MIN_ITEMCNT" val="2"/>
-  <p:tag name="KSO_WM_DIAGRAM_VIRTUALLY_FRAME" val="{&quot;height&quot;:449.69995757816343,&quot;left&quot;:345.09999694824216,&quot;top&quot;:65.72500305175781,&quot;width&quot;:399.1000061035156}"/>
-  <p:tag name="KSO_WM_DIAGRAM_COLOR_MATCH_VALUE" val="{&quot;shape&quot;:{&quot;fill&quot;:{&quot;solid&quot;:{&quot;brightness&quot;:0,&quot;colorType&quot;:1,&quot;foreColorIndex&quot;:5,&quot;transparency&quot;:0},&quot;type&quot;:1},&quot;glow&quot;:{&quot;colorType&quot;:0},&quot;line&quot;:{&quot;type&quot;:0},&quot;shadow&quot;:{&quot;colorType&quot;:0},&quot;threeD&quot;:{&quot;curvedSurface&quot;:{&quot;brightness&quot;:0,&quot;colorType&quot;:2,&quot;rgb&quot;:&quot;#000000&quot;},&quot;depth&quot;:{&quot;colorType&quot;:0}}},&quot;text&quot;:{&quot;fill&quot;:{&quot;solid&quot;:{&quot;brightness&quot;:0,&quot;colorType&quot;:1,&quot;foreColorIndex&quot;:2,&quot;transparency&quot;:0},&quot;type&quot;:1},&quot;glow&quot;:{&quot;colorType&quot;:0},&quot;line&quot;:{&quot;type&quot;:0},&quot;shadow&quot;:{&quot;colorType&quot;:0},&quot;threeD&quot;:{&quot;curvedSurface&quot;:{&quot;brightness&quot;:0,&quot;colorType&quot;:2,&quot;rgb&quot;:&quot;#000000&quot;},&quot;depth&quot;:{&quot;colorType&quot;:0}}}}"/>
-  <p:tag name="KSO_WM_UNIT_PRESET_TEXT" val="03"/>
-  <p:tag name="KSO_WM_UNIT_FILL_FORE_SCHEMECOLOR_INDEX_BRIGHTNESS" val="0"/>
-  <p:tag name="KSO_WM_UNIT_FILL_FORE_SCHEMECOLOR_INDEX" val="5"/>
-  <p:tag name="KSO_WM_UNIT_FILL_TYPE" val="1"/>
-  <p:tag name="KSO_WM_UNIT_TEXT_FILL_FORE_SCHEMECOLOR_INDEX_BRIGHTNESS" val="0"/>
-  <p:tag name="KSO_WM_UNIT_TEXT_FILL_FORE_SCHEMECOLOR_INDEX" val="2"/>
-  <p:tag name="KSO_WM_UNIT_TEXT_FILL_TYPE" val="1"/>
-  <p:tag name="KSO_WM_UNIT_USESOURCEFORMAT_APPLY" val="1"/>
-</p:tagLst>
-</file>
-
-<file path=ppt/tags/tag80.xml><?xml version="1.0" encoding="utf-8"?>
+<file path=ppt/tags/tag84.xml><?xml version="1.0" encoding="utf-8"?>
 <p:tagLst xmlns:a="http://schemas.openxmlformats.org/drawingml/2006/main" xmlns:r="http://schemas.openxmlformats.org/officeDocument/2006/relationships" xmlns:p="http://schemas.openxmlformats.org/presentationml/2006/main">
   <p:tag name="KSO_WM_UNIT_HIGHLIGHT" val="0"/>
   <p:tag name="KSO_WM_UNIT_COMPATIBLE" val="0"/>
@@ -28230,7 +30767,7 @@
 </p:tagLst>
 </file>
 
-<file path=ppt/tags/tag81.xml><?xml version="1.0" encoding="utf-8"?>
+<file path=ppt/tags/tag85.xml><?xml version="1.0" encoding="utf-8"?>
 <p:tagLst xmlns:a="http://schemas.openxmlformats.org/drawingml/2006/main" xmlns:r="http://schemas.openxmlformats.org/officeDocument/2006/relationships" xmlns:p="http://schemas.openxmlformats.org/presentationml/2006/main">
   <p:tag name="KSO_WM_UNIT_HIGHLIGHT" val="0"/>
   <p:tag name="KSO_WM_UNIT_COMPATIBLE" val="0"/>
@@ -28260,7 +30797,7 @@
 </p:tagLst>
 </file>
 
-<file path=ppt/tags/tag82.xml><?xml version="1.0" encoding="utf-8"?>
+<file path=ppt/tags/tag86.xml><?xml version="1.0" encoding="utf-8"?>
 <p:tagLst xmlns:a="http://schemas.openxmlformats.org/drawingml/2006/main" xmlns:r="http://schemas.openxmlformats.org/officeDocument/2006/relationships" xmlns:p="http://schemas.openxmlformats.org/presentationml/2006/main">
   <p:tag name="KSO_WM_UNIT_SUBTYPE" val="a"/>
   <p:tag name="KSO_WM_UNIT_NOCLEAR" val="0"/>
@@ -28293,7 +30830,7 @@
 </p:tagLst>
 </file>
 
-<file path=ppt/tags/tag83.xml><?xml version="1.0" encoding="utf-8"?>
+<file path=ppt/tags/tag87.xml><?xml version="1.0" encoding="utf-8"?>
 <p:tagLst xmlns:a="http://schemas.openxmlformats.org/drawingml/2006/main" xmlns:r="http://schemas.openxmlformats.org/officeDocument/2006/relationships" xmlns:p="http://schemas.openxmlformats.org/presentationml/2006/main">
   <p:tag name="KSO_WM_UNIT_ISCONTENTSTITLE" val="0"/>
   <p:tag name="KSO_WM_UNIT_ISNUMDGMTITLE" val="0"/>
@@ -28327,7 +30864,7 @@
 </p:tagLst>
 </file>
 
-<file path=ppt/tags/tag84.xml><?xml version="1.0" encoding="utf-8"?>
+<file path=ppt/tags/tag88.xml><?xml version="1.0" encoding="utf-8"?>
 <p:tagLst xmlns:a="http://schemas.openxmlformats.org/drawingml/2006/main" xmlns:r="http://schemas.openxmlformats.org/officeDocument/2006/relationships" xmlns:p="http://schemas.openxmlformats.org/presentationml/2006/main">
   <p:tag name="KSO_WM_UNIT_HIGHLIGHT" val="0"/>
   <p:tag name="KSO_WM_UNIT_COMPATIBLE" val="0"/>
@@ -28365,7 +30902,7 @@
 </p:tagLst>
 </file>
 
-<file path=ppt/tags/tag85.xml><?xml version="1.0" encoding="utf-8"?>
+<file path=ppt/tags/tag89.xml><?xml version="1.0" encoding="utf-8"?>
 <p:tagLst xmlns:a="http://schemas.openxmlformats.org/drawingml/2006/main" xmlns:r="http://schemas.openxmlformats.org/officeDocument/2006/relationships" xmlns:p="http://schemas.openxmlformats.org/presentationml/2006/main">
   <p:tag name="KSO_WM_UNIT_HIGHLIGHT" val="0"/>
   <p:tag name="KSO_WM_UNIT_COMPATIBLE" val="0"/>
@@ -28395,141 +30932,6 @@
   <p:tag name="KSO_WM_UNIT_TEXT_FILL_FORE_SCHEMECOLOR_INDEX_BRIGHTNESS" val="0"/>
   <p:tag name="KSO_WM_UNIT_TEXT_FILL_FORE_SCHEMECOLOR_INDEX" val="2"/>
   <p:tag name="KSO_WM_UNIT_TEXT_FILL_TYPE" val="1"/>
-  <p:tag name="KSO_WM_UNIT_USESOURCEFORMAT_APPLY" val="1"/>
-</p:tagLst>
-</file>
-
-<file path=ppt/tags/tag86.xml><?xml version="1.0" encoding="utf-8"?>
-<p:tagLst xmlns:a="http://schemas.openxmlformats.org/drawingml/2006/main" xmlns:r="http://schemas.openxmlformats.org/officeDocument/2006/relationships" xmlns:p="http://schemas.openxmlformats.org/presentationml/2006/main">
-  <p:tag name="KSO_WM_UNIT_HIGHLIGHT" val="0"/>
-  <p:tag name="KSO_WM_UNIT_COMPATIBLE" val="0"/>
-  <p:tag name="KSO_WM_UNIT_DIAGRAM_ISNUMVISUAL" val="0"/>
-  <p:tag name="KSO_WM_UNIT_DIAGRAM_ISREFERUNIT" val="0"/>
-  <p:tag name="KSO_WM_UNIT_ID" val="diagram20231731_4*l_h_i*1_5_2"/>
-  <p:tag name="KSO_WM_TEMPLATE_CATEGORY" val="diagram"/>
-  <p:tag name="KSO_WM_TEMPLATE_INDEX" val="20231731"/>
-  <p:tag name="KSO_WM_UNIT_LAYERLEVEL" val="1_1_1"/>
-  <p:tag name="KSO_WM_TAG_VERSION" val="3.0"/>
-  <p:tag name="KSO_WM_BEAUTIFY_FLAG" val="#wm#"/>
-  <p:tag name="KSO_WM_DIAGRAM_GROUP_CODE" val="l1-1"/>
-  <p:tag name="KSO_WM_UNIT_TYPE" val="l_h_i"/>
-  <p:tag name="KSO_WM_UNIT_INDEX" val="1_5_2"/>
-  <p:tag name="KSO_WM_DIAGRAM_VERSION" val="3"/>
-  <p:tag name="KSO_WM_DIAGRAM_COLOR_TRICK" val="1"/>
-  <p:tag name="KSO_WM_DIAGRAM_COLOR_TEXT_CAN_REMOVE" val="n"/>
-  <p:tag name="KSO_WM_DIAGRAM_MAX_ITEMCNT" val="6"/>
-  <p:tag name="KSO_WM_DIAGRAM_MIN_ITEMCNT" val="2"/>
-  <p:tag name="KSO_WM_DIAGRAM_VIRTUALLY_FRAME" val="{&quot;height&quot;:322.2532958984375,&quot;left&quot;:81.46551181102362,&quot;top&quot;:154.38004496416707,&quot;width&quot;:797.0689763779527}"/>
-  <p:tag name="KSO_WM_DIAGRAM_COLOR_MATCH_VALUE" val="{&quot;shape&quot;:{&quot;fill&quot;:{&quot;gradient&quot;:[{&quot;brightness&quot;:-0.25,&quot;colorType&quot;:1,&quot;foreColorIndex&quot;:5,&quot;pos&quot;:0.009999999776482582,&quot;transparency&quot;:0},{&quot;brightness&quot;:0,&quot;colorType&quot;:1,&quot;foreColorIndex&quot;:5,&quot;pos&quot;:1,&quot;transparency&quot;:0}],&quot;type&quot;:3},&quot;glow&quot;:{&quot;colorType&quot;:0},&quot;line&quot;:{&quot;type&quot;:0},&quot;shadow&quot;:{&quot;colorType&quot;:0},&quot;threeD&quot;:{&quot;curvedSurface&quot;:{&quot;brightness&quot;:0,&quot;colorType&quot;:2,&quot;rgb&quot;:&quot;#000000&quot;},&quot;depth&quot;:{&quot;colorType&quot;:0}}},&quot;text&quot;:{&quot;fill&quot;:{&quot;solid&quot;:{&quot;brightness&quot;:0,&quot;colorType&quot;:1,&quot;foreColorIndex&quot;:2,&quot;transparency&quot;:0},&quot;type&quot;:1},&quot;glow&quot;:{&quot;colorType&quot;:0},&quot;line&quot;:{&quot;type&quot;:0},&quot;shadow&quot;:{&quot;colorType&quot;:0},&quot;threeD&quot;:{&quot;curvedSurface&quot;:{&quot;brightness&quot;:0,&quot;colorType&quot;:2,&quot;rgb&quot;:&quot;#000000&quot;},&quot;depth&quot;:{&quot;colorType&quot;:0}}}}"/>
-  <p:tag name="KSO_WM_UNIT_FILL_TYPE" val="3"/>
-  <p:tag name="KSO_WM_UNIT_TEXT_FILL_FORE_SCHEMECOLOR_INDEX_BRIGHTNESS" val="0"/>
-  <p:tag name="KSO_WM_UNIT_TEXT_FILL_FORE_SCHEMECOLOR_INDEX" val="2"/>
-  <p:tag name="KSO_WM_UNIT_TEXT_FILL_TYPE" val="1"/>
-  <p:tag name="KSO_WM_UNIT_USESOURCEFORMAT_APPLY" val="1"/>
-</p:tagLst>
-</file>
-
-<file path=ppt/tags/tag87.xml><?xml version="1.0" encoding="utf-8"?>
-<p:tagLst xmlns:a="http://schemas.openxmlformats.org/drawingml/2006/main" xmlns:r="http://schemas.openxmlformats.org/officeDocument/2006/relationships" xmlns:p="http://schemas.openxmlformats.org/presentationml/2006/main">
-  <p:tag name="KSO_WM_UNIT_SUBTYPE" val="a"/>
-  <p:tag name="KSO_WM_UNIT_NOCLEAR" val="0"/>
-  <p:tag name="KSO_WM_UNIT_VALUE" val="60"/>
-  <p:tag name="KSO_WM_UNIT_HIGHLIGHT" val="0"/>
-  <p:tag name="KSO_WM_UNIT_COMPATIBLE" val="0"/>
-  <p:tag name="KSO_WM_UNIT_DIAGRAM_ISNUMVISUAL" val="0"/>
-  <p:tag name="KSO_WM_UNIT_DIAGRAM_ISREFERUNIT" val="0"/>
-  <p:tag name="KSO_WM_UNIT_TYPE" val="l_h_f"/>
-  <p:tag name="KSO_WM_UNIT_INDEX" val="1_5_1"/>
-  <p:tag name="KSO_WM_UNIT_ID" val="diagram20231731_4*l_h_f*1_5_1"/>
-  <p:tag name="KSO_WM_TEMPLATE_CATEGORY" val="diagram"/>
-  <p:tag name="KSO_WM_TEMPLATE_INDEX" val="20231731"/>
-  <p:tag name="KSO_WM_UNIT_LAYERLEVEL" val="1_1_1"/>
-  <p:tag name="KSO_WM_TAG_VERSION" val="3.0"/>
-  <p:tag name="KSO_WM_BEAUTIFY_FLAG" val="#wm#"/>
-  <p:tag name="KSO_WM_UNIT_TEXT_FILL_FORE_SCHEMECOLOR_INDEX_BRIGHTNESS" val="0.15"/>
-  <p:tag name="KSO_WM_DIAGRAM_GROUP_CODE" val="l1-1"/>
-  <p:tag name="KSO_WM_DIAGRAM_VERSION" val="3"/>
-  <p:tag name="KSO_WM_DIAGRAM_COLOR_TRICK" val="1"/>
-  <p:tag name="KSO_WM_DIAGRAM_COLOR_TEXT_CAN_REMOVE" val="n"/>
-  <p:tag name="KSO_WM_DIAGRAM_MAX_ITEMCNT" val="6"/>
-  <p:tag name="KSO_WM_DIAGRAM_MIN_ITEMCNT" val="2"/>
-  <p:tag name="KSO_WM_DIAGRAM_VIRTUALLY_FRAME" val="{&quot;height&quot;:322.2532958984375,&quot;left&quot;:81.46551181102362,&quot;top&quot;:154.38004496416707,&quot;width&quot;:797.0689763779527}"/>
-  <p:tag name="KSO_WM_DIAGRAM_COLOR_MATCH_VALUE" val="{&quot;shape&quot;:{&quot;fill&quot;:{&quot;type&quot;:0},&quot;glow&quot;:{&quot;colorType&quot;:0},&quot;line&quot;:{&quot;type&quot;:0},&quot;shadow&quot;:{&quot;colorType&quot;:0},&quot;threeD&quot;:{&quot;curvedSurface&quot;:{&quot;brightness&quot;:0,&quot;colorType&quot;:2,&quot;rgb&quot;:&quot;#000000&quot;},&quot;depth&quot;:{&quot;colorType&quot;:0}}},&quot;text&quot;:{&quot;fill&quot;:{&quot;solid&quot;:{&quot;brightness&quot;:0.15000000596046448,&quot;colorType&quot;:1,&quot;foreColorIndex&quot;:13,&quot;transparency&quot;:0},&quot;type&quot;:1},&quot;glow&quot;:{&quot;colorType&quot;:0},&quot;line&quot;:{&quot;type&quot;:0},&quot;shadow&quot;:{&quot;colorType&quot;:0},&quot;threeD&quot;:{&quot;curvedSurface&quot;:{&quot;brightness&quot;:0,&quot;colorType&quot;:2,&quot;rgb&quot;:&quot;#000000&quot;},&quot;depth&quot;:{&quot;colorType&quot;:0}}}}"/>
-  <p:tag name="KSO_WM_UNIT_PRESET_TEXT" val="单击此处输入你的项正文"/>
-  <p:tag name="KSO_WM_UNIT_TEXT_FILL_FORE_SCHEMECOLOR_INDEX" val="1"/>
-  <p:tag name="KSO_WM_UNIT_TEXT_FILL_TYPE" val="1"/>
-  <p:tag name="KSO_WM_UNIT_USESOURCEFORMAT_APPLY" val="1"/>
-</p:tagLst>
-</file>
-
-<file path=ppt/tags/tag88.xml><?xml version="1.0" encoding="utf-8"?>
-<p:tagLst xmlns:a="http://schemas.openxmlformats.org/drawingml/2006/main" xmlns:r="http://schemas.openxmlformats.org/officeDocument/2006/relationships" xmlns:p="http://schemas.openxmlformats.org/presentationml/2006/main">
-  <p:tag name="KSO_WM_UNIT_ISCONTENTSTITLE" val="0"/>
-  <p:tag name="KSO_WM_UNIT_ISNUMDGMTITLE" val="0"/>
-  <p:tag name="KSO_WM_UNIT_NOCLEAR" val="0"/>
-  <p:tag name="KSO_WM_UNIT_VALUE" val="10"/>
-  <p:tag name="KSO_WM_UNIT_HIGHLIGHT" val="0"/>
-  <p:tag name="KSO_WM_UNIT_COMPATIBLE" val="0"/>
-  <p:tag name="KSO_WM_UNIT_DIAGRAM_ISNUMVISUAL" val="0"/>
-  <p:tag name="KSO_WM_UNIT_DIAGRAM_ISREFERUNIT" val="0"/>
-  <p:tag name="KSO_WM_UNIT_TYPE" val="l_h_a"/>
-  <p:tag name="KSO_WM_UNIT_INDEX" val="1_5_1"/>
-  <p:tag name="KSO_WM_UNIT_ID" val="diagram20231731_4*l_h_a*1_5_1"/>
-  <p:tag name="KSO_WM_TEMPLATE_CATEGORY" val="diagram"/>
-  <p:tag name="KSO_WM_TEMPLATE_INDEX" val="20231731"/>
-  <p:tag name="KSO_WM_UNIT_LAYERLEVEL" val="1_1_1"/>
-  <p:tag name="KSO_WM_TAG_VERSION" val="3.0"/>
-  <p:tag name="KSO_WM_BEAUTIFY_FLAG" val="#wm#"/>
-  <p:tag name="KSO_WM_UNIT_TEXT_FILL_FORE_SCHEMECOLOR_INDEX_BRIGHTNESS" val="0.15"/>
-  <p:tag name="KSO_WM_DIAGRAM_GROUP_CODE" val="l1-1"/>
-  <p:tag name="KSO_WM_DIAGRAM_VERSION" val="3"/>
-  <p:tag name="KSO_WM_DIAGRAM_COLOR_TRICK" val="1"/>
-  <p:tag name="KSO_WM_DIAGRAM_COLOR_TEXT_CAN_REMOVE" val="n"/>
-  <p:tag name="KSO_WM_DIAGRAM_MAX_ITEMCNT" val="6"/>
-  <p:tag name="KSO_WM_DIAGRAM_MIN_ITEMCNT" val="2"/>
-  <p:tag name="KSO_WM_DIAGRAM_VIRTUALLY_FRAME" val="{&quot;height&quot;:322.2532958984375,&quot;left&quot;:81.46551181102362,&quot;top&quot;:154.38004496416707,&quot;width&quot;:797.0689763779527}"/>
-  <p:tag name="KSO_WM_DIAGRAM_COLOR_MATCH_VALUE" val="{&quot;shape&quot;:{&quot;fill&quot;:{&quot;type&quot;:0},&quot;glow&quot;:{&quot;colorType&quot;:0},&quot;line&quot;:{&quot;type&quot;:0},&quot;shadow&quot;:{&quot;colorType&quot;:0},&quot;threeD&quot;:{&quot;curvedSurface&quot;:{&quot;brightness&quot;:0,&quot;colorType&quot;:2,&quot;rgb&quot;:&quot;#000000&quot;},&quot;depth&quot;:{&quot;colorType&quot;:0}}},&quot;text&quot;:{&quot;fill&quot;:{&quot;solid&quot;:{&quot;brightness&quot;:0,&quot;colorType&quot;:1,&quot;foreColorIndex&quot;:5,&quot;transparency&quot;:0},&quot;type&quot;:1},&quot;glow&quot;:{&quot;colorType&quot;:0},&quot;line&quot;:{&quot;type&quot;:0},&quot;shadow&quot;:{&quot;colorType&quot;:0},&quot;threeD&quot;:{&quot;curvedSurface&quot;:{&quot;brightness&quot;:0,&quot;colorType&quot;:2,&quot;rgb&quot;:&quot;#000000&quot;},&quot;depth&quot;:{&quot;colorType&quot;:0}}}}"/>
-  <p:tag name="KSO_WM_UNIT_PRESET_TEXT" val="项标题"/>
-  <p:tag name="KSO_WM_UNIT_TEXT_FILL_FORE_SCHEMECOLOR_INDEX" val="1"/>
-  <p:tag name="KSO_WM_UNIT_TEXT_FILL_TYPE" val="1"/>
-  <p:tag name="KSO_WM_UNIT_USESOURCEFORMAT_APPLY" val="1"/>
-</p:tagLst>
-</file>
-
-<file path=ppt/tags/tag89.xml><?xml version="1.0" encoding="utf-8"?>
-<p:tagLst xmlns:a="http://schemas.openxmlformats.org/drawingml/2006/main" xmlns:r="http://schemas.openxmlformats.org/officeDocument/2006/relationships" xmlns:p="http://schemas.openxmlformats.org/presentationml/2006/main">
-  <p:tag name="KSO_WM_UNIT_HIGHLIGHT" val="0"/>
-  <p:tag name="KSO_WM_UNIT_COMPATIBLE" val="0"/>
-  <p:tag name="KSO_WM_UNIT_DIAGRAM_ISNUMVISUAL" val="0"/>
-  <p:tag name="KSO_WM_UNIT_DIAGRAM_ISREFERUNIT" val="0"/>
-  <p:tag name="KSO_WM_UNIT_ID" val="diagram20231731_4*l_h_i*1_5_3"/>
-  <p:tag name="KSO_WM_TEMPLATE_CATEGORY" val="diagram"/>
-  <p:tag name="KSO_WM_TEMPLATE_INDEX" val="20231731"/>
-  <p:tag name="KSO_WM_UNIT_LAYERLEVEL" val="1_1_1"/>
-  <p:tag name="KSO_WM_TAG_VERSION" val="3.0"/>
-  <p:tag name="KSO_WM_BEAUTIFY_FLAG" val="#wm#"/>
-  <p:tag name="KSO_WM_DIAGRAM_GROUP_CODE" val="l1-1"/>
-  <p:tag name="KSO_WM_UNIT_TYPE" val="l_h_i"/>
-  <p:tag name="KSO_WM_UNIT_INDEX" val="1_5_3"/>
-  <p:tag name="KSO_WM_DIAGRAM_VERSION" val="3"/>
-  <p:tag name="KSO_WM_DIAGRAM_COLOR_TRICK" val="1"/>
-  <p:tag name="KSO_WM_DIAGRAM_COLOR_TEXT_CAN_REMOVE" val="n"/>
-  <p:tag name="KSO_WM_DIAGRAM_MAX_ITEMCNT" val="6"/>
-  <p:tag name="KSO_WM_DIAGRAM_MIN_ITEMCNT" val="2"/>
-  <p:tag name="KSO_WM_DIAGRAM_VIRTUALLY_FRAME" val="{&quot;height&quot;:322.2532958984375,&quot;left&quot;:81.46551181102362,&quot;top&quot;:154.38004496416707,&quot;width&quot;:797.0689763779527}"/>
-  <p:tag name="KSO_WM_DIAGRAM_COLOR_MATCH_VALUE" val="{&quot;shape&quot;:{&quot;fill&quot;:{&quot;type&quot;:0},&quot;glow&quot;:{&quot;colorType&quot;:0},&quot;line&quot;:{&quot;gradient&quot;:[{&quot;brightness&quot;:0,&quot;colorType&quot;:1,&quot;foreColorIndex&quot;:5,&quot;pos&quot;:0,&quot;transparency&quot;:1},{&quot;brightness&quot;:0,&quot;colorType&quot;:1,&quot;foreColorIndex&quot;:5,&quot;pos&quot;:1,&quot;transparency&quot;:0}],&quot;type&quot;:2},&quot;shadow&quot;:{&quot;colorType&quot;:0},&quot;threeD&quot;:{&quot;curvedSurface&quot;:{&quot;brightness&quot;:0,&quot;colorType&quot;:2,&quot;rgb&quot;:&quot;#000000&quot;},&quot;depth&quot;:{&quot;colorType&quot;:0}}},&quot;text&quot;:{&quot;fill&quot;:{},&quot;glow&quot;:{},&quot;line&quot;:{},&quot;shadow&quot;:{},&quot;threeD&quot;:{}}}"/>
-  <p:tag name="KSO_WM_UNIT_LINE_FORE_SCHEMECOLOR_INDEX_1_BRIGHTNESS" val="0"/>
-  <p:tag name="KSO_WM_UNIT_LINE_FORE_SCHEMECOLOR_INDEX_1" val="5"/>
-  <p:tag name="KSO_WM_UNIT_LINE_FORE_SCHEMECOLOR_INDEX_1_POS" val="0"/>
-  <p:tag name="KSO_WM_UNIT_LINE_FORE_SCHEMECOLOR_INDEX_1_TRANS" val="1"/>
-  <p:tag name="KSO_WM_UNIT_LINE_FORE_SCHEMECOLOR_INDEX_2_BRIGHTNESS" val="0"/>
-  <p:tag name="KSO_WM_UNIT_LINE_FORE_SCHEMECOLOR_INDEX_2" val="5"/>
-  <p:tag name="KSO_WM_UNIT_LINE_FORE_SCHEMECOLOR_INDEX_2_POS" val="1"/>
-  <p:tag name="KSO_WM_UNIT_LINE_FORE_SCHEMECOLOR_INDEX_2_TRANS" val="0"/>
-  <p:tag name="KSO_WM_UNIT_LINE_GRADIENT_TYPE" val="0"/>
-  <p:tag name="KSO_WM_UNIT_LINE_GRADIENT_ANGLE" val="270"/>
-  <p:tag name="KSO_WM_UNIT_LINE_GRADIENT_DIRECTION" val="6"/>
-  <p:tag name="KSO_WM_UNIT_LINE_FILL_TYPE" val="5"/>
   <p:tag name="KSO_WM_UNIT_USESOURCEFORMAT_APPLY" val="1"/>
 </p:tagLst>
 </file>
@@ -28574,6 +30976,141 @@
   <p:tag name="KSO_WM_UNIT_COMPATIBLE" val="0"/>
   <p:tag name="KSO_WM_UNIT_DIAGRAM_ISNUMVISUAL" val="0"/>
   <p:tag name="KSO_WM_UNIT_DIAGRAM_ISREFERUNIT" val="0"/>
+  <p:tag name="KSO_WM_UNIT_ID" val="diagram20231731_4*l_h_i*1_5_2"/>
+  <p:tag name="KSO_WM_TEMPLATE_CATEGORY" val="diagram"/>
+  <p:tag name="KSO_WM_TEMPLATE_INDEX" val="20231731"/>
+  <p:tag name="KSO_WM_UNIT_LAYERLEVEL" val="1_1_1"/>
+  <p:tag name="KSO_WM_TAG_VERSION" val="3.0"/>
+  <p:tag name="KSO_WM_BEAUTIFY_FLAG" val="#wm#"/>
+  <p:tag name="KSO_WM_DIAGRAM_GROUP_CODE" val="l1-1"/>
+  <p:tag name="KSO_WM_UNIT_TYPE" val="l_h_i"/>
+  <p:tag name="KSO_WM_UNIT_INDEX" val="1_5_2"/>
+  <p:tag name="KSO_WM_DIAGRAM_VERSION" val="3"/>
+  <p:tag name="KSO_WM_DIAGRAM_COLOR_TRICK" val="1"/>
+  <p:tag name="KSO_WM_DIAGRAM_COLOR_TEXT_CAN_REMOVE" val="n"/>
+  <p:tag name="KSO_WM_DIAGRAM_MAX_ITEMCNT" val="6"/>
+  <p:tag name="KSO_WM_DIAGRAM_MIN_ITEMCNT" val="2"/>
+  <p:tag name="KSO_WM_DIAGRAM_VIRTUALLY_FRAME" val="{&quot;height&quot;:322.2532958984375,&quot;left&quot;:81.46551181102362,&quot;top&quot;:154.38004496416707,&quot;width&quot;:797.0689763779527}"/>
+  <p:tag name="KSO_WM_DIAGRAM_COLOR_MATCH_VALUE" val="{&quot;shape&quot;:{&quot;fill&quot;:{&quot;gradient&quot;:[{&quot;brightness&quot;:-0.25,&quot;colorType&quot;:1,&quot;foreColorIndex&quot;:5,&quot;pos&quot;:0.009999999776482582,&quot;transparency&quot;:0},{&quot;brightness&quot;:0,&quot;colorType&quot;:1,&quot;foreColorIndex&quot;:5,&quot;pos&quot;:1,&quot;transparency&quot;:0}],&quot;type&quot;:3},&quot;glow&quot;:{&quot;colorType&quot;:0},&quot;line&quot;:{&quot;type&quot;:0},&quot;shadow&quot;:{&quot;colorType&quot;:0},&quot;threeD&quot;:{&quot;curvedSurface&quot;:{&quot;brightness&quot;:0,&quot;colorType&quot;:2,&quot;rgb&quot;:&quot;#000000&quot;},&quot;depth&quot;:{&quot;colorType&quot;:0}}},&quot;text&quot;:{&quot;fill&quot;:{&quot;solid&quot;:{&quot;brightness&quot;:0,&quot;colorType&quot;:1,&quot;foreColorIndex&quot;:2,&quot;transparency&quot;:0},&quot;type&quot;:1},&quot;glow&quot;:{&quot;colorType&quot;:0},&quot;line&quot;:{&quot;type&quot;:0},&quot;shadow&quot;:{&quot;colorType&quot;:0},&quot;threeD&quot;:{&quot;curvedSurface&quot;:{&quot;brightness&quot;:0,&quot;colorType&quot;:2,&quot;rgb&quot;:&quot;#000000&quot;},&quot;depth&quot;:{&quot;colorType&quot;:0}}}}"/>
+  <p:tag name="KSO_WM_UNIT_FILL_TYPE" val="3"/>
+  <p:tag name="KSO_WM_UNIT_TEXT_FILL_FORE_SCHEMECOLOR_INDEX_BRIGHTNESS" val="0"/>
+  <p:tag name="KSO_WM_UNIT_TEXT_FILL_FORE_SCHEMECOLOR_INDEX" val="2"/>
+  <p:tag name="KSO_WM_UNIT_TEXT_FILL_TYPE" val="1"/>
+  <p:tag name="KSO_WM_UNIT_USESOURCEFORMAT_APPLY" val="1"/>
+</p:tagLst>
+</file>
+
+<file path=ppt/tags/tag91.xml><?xml version="1.0" encoding="utf-8"?>
+<p:tagLst xmlns:a="http://schemas.openxmlformats.org/drawingml/2006/main" xmlns:r="http://schemas.openxmlformats.org/officeDocument/2006/relationships" xmlns:p="http://schemas.openxmlformats.org/presentationml/2006/main">
+  <p:tag name="KSO_WM_UNIT_SUBTYPE" val="a"/>
+  <p:tag name="KSO_WM_UNIT_NOCLEAR" val="0"/>
+  <p:tag name="KSO_WM_UNIT_VALUE" val="60"/>
+  <p:tag name="KSO_WM_UNIT_HIGHLIGHT" val="0"/>
+  <p:tag name="KSO_WM_UNIT_COMPATIBLE" val="0"/>
+  <p:tag name="KSO_WM_UNIT_DIAGRAM_ISNUMVISUAL" val="0"/>
+  <p:tag name="KSO_WM_UNIT_DIAGRAM_ISREFERUNIT" val="0"/>
+  <p:tag name="KSO_WM_UNIT_TYPE" val="l_h_f"/>
+  <p:tag name="KSO_WM_UNIT_INDEX" val="1_5_1"/>
+  <p:tag name="KSO_WM_UNIT_ID" val="diagram20231731_4*l_h_f*1_5_1"/>
+  <p:tag name="KSO_WM_TEMPLATE_CATEGORY" val="diagram"/>
+  <p:tag name="KSO_WM_TEMPLATE_INDEX" val="20231731"/>
+  <p:tag name="KSO_WM_UNIT_LAYERLEVEL" val="1_1_1"/>
+  <p:tag name="KSO_WM_TAG_VERSION" val="3.0"/>
+  <p:tag name="KSO_WM_BEAUTIFY_FLAG" val="#wm#"/>
+  <p:tag name="KSO_WM_UNIT_TEXT_FILL_FORE_SCHEMECOLOR_INDEX_BRIGHTNESS" val="0.15"/>
+  <p:tag name="KSO_WM_DIAGRAM_GROUP_CODE" val="l1-1"/>
+  <p:tag name="KSO_WM_DIAGRAM_VERSION" val="3"/>
+  <p:tag name="KSO_WM_DIAGRAM_COLOR_TRICK" val="1"/>
+  <p:tag name="KSO_WM_DIAGRAM_COLOR_TEXT_CAN_REMOVE" val="n"/>
+  <p:tag name="KSO_WM_DIAGRAM_MAX_ITEMCNT" val="6"/>
+  <p:tag name="KSO_WM_DIAGRAM_MIN_ITEMCNT" val="2"/>
+  <p:tag name="KSO_WM_DIAGRAM_VIRTUALLY_FRAME" val="{&quot;height&quot;:322.2532958984375,&quot;left&quot;:81.46551181102362,&quot;top&quot;:154.38004496416707,&quot;width&quot;:797.0689763779527}"/>
+  <p:tag name="KSO_WM_DIAGRAM_COLOR_MATCH_VALUE" val="{&quot;shape&quot;:{&quot;fill&quot;:{&quot;type&quot;:0},&quot;glow&quot;:{&quot;colorType&quot;:0},&quot;line&quot;:{&quot;type&quot;:0},&quot;shadow&quot;:{&quot;colorType&quot;:0},&quot;threeD&quot;:{&quot;curvedSurface&quot;:{&quot;brightness&quot;:0,&quot;colorType&quot;:2,&quot;rgb&quot;:&quot;#000000&quot;},&quot;depth&quot;:{&quot;colorType&quot;:0}}},&quot;text&quot;:{&quot;fill&quot;:{&quot;solid&quot;:{&quot;brightness&quot;:0.15000000596046448,&quot;colorType&quot;:1,&quot;foreColorIndex&quot;:13,&quot;transparency&quot;:0},&quot;type&quot;:1},&quot;glow&quot;:{&quot;colorType&quot;:0},&quot;line&quot;:{&quot;type&quot;:0},&quot;shadow&quot;:{&quot;colorType&quot;:0},&quot;threeD&quot;:{&quot;curvedSurface&quot;:{&quot;brightness&quot;:0,&quot;colorType&quot;:2,&quot;rgb&quot;:&quot;#000000&quot;},&quot;depth&quot;:{&quot;colorType&quot;:0}}}}"/>
+  <p:tag name="KSO_WM_UNIT_PRESET_TEXT" val="单击此处输入你的项正文"/>
+  <p:tag name="KSO_WM_UNIT_TEXT_FILL_FORE_SCHEMECOLOR_INDEX" val="1"/>
+  <p:tag name="KSO_WM_UNIT_TEXT_FILL_TYPE" val="1"/>
+  <p:tag name="KSO_WM_UNIT_USESOURCEFORMAT_APPLY" val="1"/>
+</p:tagLst>
+</file>
+
+<file path=ppt/tags/tag92.xml><?xml version="1.0" encoding="utf-8"?>
+<p:tagLst xmlns:a="http://schemas.openxmlformats.org/drawingml/2006/main" xmlns:r="http://schemas.openxmlformats.org/officeDocument/2006/relationships" xmlns:p="http://schemas.openxmlformats.org/presentationml/2006/main">
+  <p:tag name="KSO_WM_UNIT_ISCONTENTSTITLE" val="0"/>
+  <p:tag name="KSO_WM_UNIT_ISNUMDGMTITLE" val="0"/>
+  <p:tag name="KSO_WM_UNIT_NOCLEAR" val="0"/>
+  <p:tag name="KSO_WM_UNIT_VALUE" val="10"/>
+  <p:tag name="KSO_WM_UNIT_HIGHLIGHT" val="0"/>
+  <p:tag name="KSO_WM_UNIT_COMPATIBLE" val="0"/>
+  <p:tag name="KSO_WM_UNIT_DIAGRAM_ISNUMVISUAL" val="0"/>
+  <p:tag name="KSO_WM_UNIT_DIAGRAM_ISREFERUNIT" val="0"/>
+  <p:tag name="KSO_WM_UNIT_TYPE" val="l_h_a"/>
+  <p:tag name="KSO_WM_UNIT_INDEX" val="1_5_1"/>
+  <p:tag name="KSO_WM_UNIT_ID" val="diagram20231731_4*l_h_a*1_5_1"/>
+  <p:tag name="KSO_WM_TEMPLATE_CATEGORY" val="diagram"/>
+  <p:tag name="KSO_WM_TEMPLATE_INDEX" val="20231731"/>
+  <p:tag name="KSO_WM_UNIT_LAYERLEVEL" val="1_1_1"/>
+  <p:tag name="KSO_WM_TAG_VERSION" val="3.0"/>
+  <p:tag name="KSO_WM_BEAUTIFY_FLAG" val="#wm#"/>
+  <p:tag name="KSO_WM_UNIT_TEXT_FILL_FORE_SCHEMECOLOR_INDEX_BRIGHTNESS" val="0.15"/>
+  <p:tag name="KSO_WM_DIAGRAM_GROUP_CODE" val="l1-1"/>
+  <p:tag name="KSO_WM_DIAGRAM_VERSION" val="3"/>
+  <p:tag name="KSO_WM_DIAGRAM_COLOR_TRICK" val="1"/>
+  <p:tag name="KSO_WM_DIAGRAM_COLOR_TEXT_CAN_REMOVE" val="n"/>
+  <p:tag name="KSO_WM_DIAGRAM_MAX_ITEMCNT" val="6"/>
+  <p:tag name="KSO_WM_DIAGRAM_MIN_ITEMCNT" val="2"/>
+  <p:tag name="KSO_WM_DIAGRAM_VIRTUALLY_FRAME" val="{&quot;height&quot;:322.2532958984375,&quot;left&quot;:81.46551181102362,&quot;top&quot;:154.38004496416707,&quot;width&quot;:797.0689763779527}"/>
+  <p:tag name="KSO_WM_DIAGRAM_COLOR_MATCH_VALUE" val="{&quot;shape&quot;:{&quot;fill&quot;:{&quot;type&quot;:0},&quot;glow&quot;:{&quot;colorType&quot;:0},&quot;line&quot;:{&quot;type&quot;:0},&quot;shadow&quot;:{&quot;colorType&quot;:0},&quot;threeD&quot;:{&quot;curvedSurface&quot;:{&quot;brightness&quot;:0,&quot;colorType&quot;:2,&quot;rgb&quot;:&quot;#000000&quot;},&quot;depth&quot;:{&quot;colorType&quot;:0}}},&quot;text&quot;:{&quot;fill&quot;:{&quot;solid&quot;:{&quot;brightness&quot;:0,&quot;colorType&quot;:1,&quot;foreColorIndex&quot;:5,&quot;transparency&quot;:0},&quot;type&quot;:1},&quot;glow&quot;:{&quot;colorType&quot;:0},&quot;line&quot;:{&quot;type&quot;:0},&quot;shadow&quot;:{&quot;colorType&quot;:0},&quot;threeD&quot;:{&quot;curvedSurface&quot;:{&quot;brightness&quot;:0,&quot;colorType&quot;:2,&quot;rgb&quot;:&quot;#000000&quot;},&quot;depth&quot;:{&quot;colorType&quot;:0}}}}"/>
+  <p:tag name="KSO_WM_UNIT_PRESET_TEXT" val="项标题"/>
+  <p:tag name="KSO_WM_UNIT_TEXT_FILL_FORE_SCHEMECOLOR_INDEX" val="1"/>
+  <p:tag name="KSO_WM_UNIT_TEXT_FILL_TYPE" val="1"/>
+  <p:tag name="KSO_WM_UNIT_USESOURCEFORMAT_APPLY" val="1"/>
+</p:tagLst>
+</file>
+
+<file path=ppt/tags/tag93.xml><?xml version="1.0" encoding="utf-8"?>
+<p:tagLst xmlns:a="http://schemas.openxmlformats.org/drawingml/2006/main" xmlns:r="http://schemas.openxmlformats.org/officeDocument/2006/relationships" xmlns:p="http://schemas.openxmlformats.org/presentationml/2006/main">
+  <p:tag name="KSO_WM_UNIT_HIGHLIGHT" val="0"/>
+  <p:tag name="KSO_WM_UNIT_COMPATIBLE" val="0"/>
+  <p:tag name="KSO_WM_UNIT_DIAGRAM_ISNUMVISUAL" val="0"/>
+  <p:tag name="KSO_WM_UNIT_DIAGRAM_ISREFERUNIT" val="0"/>
+  <p:tag name="KSO_WM_UNIT_ID" val="diagram20231731_4*l_h_i*1_5_3"/>
+  <p:tag name="KSO_WM_TEMPLATE_CATEGORY" val="diagram"/>
+  <p:tag name="KSO_WM_TEMPLATE_INDEX" val="20231731"/>
+  <p:tag name="KSO_WM_UNIT_LAYERLEVEL" val="1_1_1"/>
+  <p:tag name="KSO_WM_TAG_VERSION" val="3.0"/>
+  <p:tag name="KSO_WM_BEAUTIFY_FLAG" val="#wm#"/>
+  <p:tag name="KSO_WM_DIAGRAM_GROUP_CODE" val="l1-1"/>
+  <p:tag name="KSO_WM_UNIT_TYPE" val="l_h_i"/>
+  <p:tag name="KSO_WM_UNIT_INDEX" val="1_5_3"/>
+  <p:tag name="KSO_WM_DIAGRAM_VERSION" val="3"/>
+  <p:tag name="KSO_WM_DIAGRAM_COLOR_TRICK" val="1"/>
+  <p:tag name="KSO_WM_DIAGRAM_COLOR_TEXT_CAN_REMOVE" val="n"/>
+  <p:tag name="KSO_WM_DIAGRAM_MAX_ITEMCNT" val="6"/>
+  <p:tag name="KSO_WM_DIAGRAM_MIN_ITEMCNT" val="2"/>
+  <p:tag name="KSO_WM_DIAGRAM_VIRTUALLY_FRAME" val="{&quot;height&quot;:322.2532958984375,&quot;left&quot;:81.46551181102362,&quot;top&quot;:154.38004496416707,&quot;width&quot;:797.0689763779527}"/>
+  <p:tag name="KSO_WM_DIAGRAM_COLOR_MATCH_VALUE" val="{&quot;shape&quot;:{&quot;fill&quot;:{&quot;type&quot;:0},&quot;glow&quot;:{&quot;colorType&quot;:0},&quot;line&quot;:{&quot;gradient&quot;:[{&quot;brightness&quot;:0,&quot;colorType&quot;:1,&quot;foreColorIndex&quot;:5,&quot;pos&quot;:0,&quot;transparency&quot;:1},{&quot;brightness&quot;:0,&quot;colorType&quot;:1,&quot;foreColorIndex&quot;:5,&quot;pos&quot;:1,&quot;transparency&quot;:0}],&quot;type&quot;:2},&quot;shadow&quot;:{&quot;colorType&quot;:0},&quot;threeD&quot;:{&quot;curvedSurface&quot;:{&quot;brightness&quot;:0,&quot;colorType&quot;:2,&quot;rgb&quot;:&quot;#000000&quot;},&quot;depth&quot;:{&quot;colorType&quot;:0}}},&quot;text&quot;:{&quot;fill&quot;:{},&quot;glow&quot;:{},&quot;line&quot;:{},&quot;shadow&quot;:{},&quot;threeD&quot;:{}}}"/>
+  <p:tag name="KSO_WM_UNIT_LINE_FORE_SCHEMECOLOR_INDEX_1_BRIGHTNESS" val="0"/>
+  <p:tag name="KSO_WM_UNIT_LINE_FORE_SCHEMECOLOR_INDEX_1" val="5"/>
+  <p:tag name="KSO_WM_UNIT_LINE_FORE_SCHEMECOLOR_INDEX_1_POS" val="0"/>
+  <p:tag name="KSO_WM_UNIT_LINE_FORE_SCHEMECOLOR_INDEX_1_TRANS" val="1"/>
+  <p:tag name="KSO_WM_UNIT_LINE_FORE_SCHEMECOLOR_INDEX_2_BRIGHTNESS" val="0"/>
+  <p:tag name="KSO_WM_UNIT_LINE_FORE_SCHEMECOLOR_INDEX_2" val="5"/>
+  <p:tag name="KSO_WM_UNIT_LINE_FORE_SCHEMECOLOR_INDEX_2_POS" val="1"/>
+  <p:tag name="KSO_WM_UNIT_LINE_FORE_SCHEMECOLOR_INDEX_2_TRANS" val="0"/>
+  <p:tag name="KSO_WM_UNIT_LINE_GRADIENT_TYPE" val="0"/>
+  <p:tag name="KSO_WM_UNIT_LINE_GRADIENT_ANGLE" val="270"/>
+  <p:tag name="KSO_WM_UNIT_LINE_GRADIENT_DIRECTION" val="6"/>
+  <p:tag name="KSO_WM_UNIT_LINE_FILL_TYPE" val="5"/>
+  <p:tag name="KSO_WM_UNIT_USESOURCEFORMAT_APPLY" val="1"/>
+</p:tagLst>
+</file>
+
+<file path=ppt/tags/tag94.xml><?xml version="1.0" encoding="utf-8"?>
+<p:tagLst xmlns:a="http://schemas.openxmlformats.org/drawingml/2006/main" xmlns:r="http://schemas.openxmlformats.org/officeDocument/2006/relationships" xmlns:p="http://schemas.openxmlformats.org/presentationml/2006/main">
+  <p:tag name="KSO_WM_UNIT_HIGHLIGHT" val="0"/>
+  <p:tag name="KSO_WM_UNIT_COMPATIBLE" val="0"/>
+  <p:tag name="KSO_WM_UNIT_DIAGRAM_ISNUMVISUAL" val="0"/>
+  <p:tag name="KSO_WM_UNIT_DIAGRAM_ISREFERUNIT" val="0"/>
   <p:tag name="KSO_WM_UNIT_ID" val="diagram20231731_4*l_h_i*1_2_1"/>
   <p:tag name="KSO_WM_TEMPLATE_CATEGORY" val="diagram"/>
   <p:tag name="KSO_WM_TEMPLATE_INDEX" val="20231731"/>
@@ -28602,7 +31139,7 @@
 </p:tagLst>
 </file>
 
-<file path=ppt/tags/tag91.xml><?xml version="1.0" encoding="utf-8"?>
+<file path=ppt/tags/tag95.xml><?xml version="1.0" encoding="utf-8"?>
 <p:tagLst xmlns:a="http://schemas.openxmlformats.org/drawingml/2006/main" xmlns:r="http://schemas.openxmlformats.org/officeDocument/2006/relationships" xmlns:p="http://schemas.openxmlformats.org/presentationml/2006/main">
   <p:tag name="KSO_WM_UNIT_HIGHLIGHT" val="0"/>
   <p:tag name="KSO_WM_UNIT_COMPATIBLE" val="0"/>
@@ -28632,7 +31169,7 @@
 </p:tagLst>
 </file>
 
-<file path=ppt/tags/tag92.xml><?xml version="1.0" encoding="utf-8"?>
+<file path=ppt/tags/tag96.xml><?xml version="1.0" encoding="utf-8"?>
 <p:tagLst xmlns:a="http://schemas.openxmlformats.org/drawingml/2006/main" xmlns:r="http://schemas.openxmlformats.org/officeDocument/2006/relationships" xmlns:p="http://schemas.openxmlformats.org/presentationml/2006/main">
   <p:tag name="KSO_WM_UNIT_SUBTYPE" val="a"/>
   <p:tag name="KSO_WM_UNIT_NOCLEAR" val="0"/>
@@ -28665,7 +31202,7 @@
 </p:tagLst>
 </file>
 
-<file path=ppt/tags/tag93.xml><?xml version="1.0" encoding="utf-8"?>
+<file path=ppt/tags/tag97.xml><?xml version="1.0" encoding="utf-8"?>
 <p:tagLst xmlns:a="http://schemas.openxmlformats.org/drawingml/2006/main" xmlns:r="http://schemas.openxmlformats.org/officeDocument/2006/relationships" xmlns:p="http://schemas.openxmlformats.org/presentationml/2006/main">
   <p:tag name="KSO_WM_UNIT_ISCONTENTSTITLE" val="0"/>
   <p:tag name="KSO_WM_UNIT_ISNUMDGMTITLE" val="0"/>
@@ -28699,7 +31236,7 @@
 </p:tagLst>
 </file>
 
-<file path=ppt/tags/tag94.xml><?xml version="1.0" encoding="utf-8"?>
+<file path=ppt/tags/tag98.xml><?xml version="1.0" encoding="utf-8"?>
 <p:tagLst xmlns:a="http://schemas.openxmlformats.org/drawingml/2006/main" xmlns:r="http://schemas.openxmlformats.org/officeDocument/2006/relationships" xmlns:p="http://schemas.openxmlformats.org/presentationml/2006/main">
   <p:tag name="KSO_WM_UNIT_HIGHLIGHT" val="0"/>
   <p:tag name="KSO_WM_UNIT_COMPATIBLE" val="0"/>
@@ -28737,7 +31274,7 @@
 </p:tagLst>
 </file>
 
-<file path=ppt/tags/tag95.xml><?xml version="1.0" encoding="utf-8"?>
+<file path=ppt/tags/tag99.xml><?xml version="1.0" encoding="utf-8"?>
 <p:tagLst xmlns:a="http://schemas.openxmlformats.org/drawingml/2006/main" xmlns:r="http://schemas.openxmlformats.org/officeDocument/2006/relationships" xmlns:p="http://schemas.openxmlformats.org/presentationml/2006/main">
   <p:tag name="KSO_WM_UNIT_HIGHLIGHT" val="0"/>
   <p:tag name="KSO_WM_UNIT_COMPATIBLE" val="0"/>
@@ -28767,141 +31304,6 @@
   <p:tag name="KSO_WM_UNIT_TEXT_FILL_FORE_SCHEMECOLOR_INDEX_BRIGHTNESS" val="0"/>
   <p:tag name="KSO_WM_UNIT_TEXT_FILL_FORE_SCHEMECOLOR_INDEX" val="2"/>
   <p:tag name="KSO_WM_UNIT_TEXT_FILL_TYPE" val="1"/>
-  <p:tag name="KSO_WM_UNIT_USESOURCEFORMAT_APPLY" val="1"/>
-</p:tagLst>
-</file>
-
-<file path=ppt/tags/tag96.xml><?xml version="1.0" encoding="utf-8"?>
-<p:tagLst xmlns:a="http://schemas.openxmlformats.org/drawingml/2006/main" xmlns:r="http://schemas.openxmlformats.org/officeDocument/2006/relationships" xmlns:p="http://schemas.openxmlformats.org/presentationml/2006/main">
-  <p:tag name="KSO_WM_UNIT_HIGHLIGHT" val="0"/>
-  <p:tag name="KSO_WM_UNIT_COMPATIBLE" val="0"/>
-  <p:tag name="KSO_WM_UNIT_DIAGRAM_ISNUMVISUAL" val="0"/>
-  <p:tag name="KSO_WM_UNIT_DIAGRAM_ISREFERUNIT" val="0"/>
-  <p:tag name="KSO_WM_UNIT_ID" val="diagram20231731_4*l_h_i*1_4_2"/>
-  <p:tag name="KSO_WM_TEMPLATE_CATEGORY" val="diagram"/>
-  <p:tag name="KSO_WM_TEMPLATE_INDEX" val="20231731"/>
-  <p:tag name="KSO_WM_UNIT_LAYERLEVEL" val="1_1_1"/>
-  <p:tag name="KSO_WM_TAG_VERSION" val="3.0"/>
-  <p:tag name="KSO_WM_BEAUTIFY_FLAG" val="#wm#"/>
-  <p:tag name="KSO_WM_DIAGRAM_GROUP_CODE" val="l1-1"/>
-  <p:tag name="KSO_WM_UNIT_TYPE" val="l_h_i"/>
-  <p:tag name="KSO_WM_UNIT_INDEX" val="1_4_2"/>
-  <p:tag name="KSO_WM_DIAGRAM_VERSION" val="3"/>
-  <p:tag name="KSO_WM_DIAGRAM_COLOR_TRICK" val="1"/>
-  <p:tag name="KSO_WM_DIAGRAM_COLOR_TEXT_CAN_REMOVE" val="n"/>
-  <p:tag name="KSO_WM_DIAGRAM_MAX_ITEMCNT" val="6"/>
-  <p:tag name="KSO_WM_DIAGRAM_MIN_ITEMCNT" val="2"/>
-  <p:tag name="KSO_WM_DIAGRAM_VIRTUALLY_FRAME" val="{&quot;height&quot;:322.2532958984375,&quot;left&quot;:81.46551181102362,&quot;top&quot;:154.38004496416707,&quot;width&quot;:797.0689763779527}"/>
-  <p:tag name="KSO_WM_DIAGRAM_COLOR_MATCH_VALUE" val="{&quot;shape&quot;:{&quot;fill&quot;:{&quot;gradient&quot;:[{&quot;brightness&quot;:-0.25,&quot;colorType&quot;:1,&quot;foreColorIndex&quot;:5,&quot;pos&quot;:0.009999999776482582,&quot;transparency&quot;:0},{&quot;brightness&quot;:0,&quot;colorType&quot;:1,&quot;foreColorIndex&quot;:5,&quot;pos&quot;:1,&quot;transparency&quot;:0}],&quot;type&quot;:3},&quot;glow&quot;:{&quot;colorType&quot;:0},&quot;line&quot;:{&quot;type&quot;:0},&quot;shadow&quot;:{&quot;colorType&quot;:0},&quot;threeD&quot;:{&quot;curvedSurface&quot;:{&quot;brightness&quot;:0,&quot;colorType&quot;:2,&quot;rgb&quot;:&quot;#000000&quot;},&quot;depth&quot;:{&quot;colorType&quot;:0}}},&quot;text&quot;:{&quot;fill&quot;:{&quot;solid&quot;:{&quot;brightness&quot;:0,&quot;colorType&quot;:1,&quot;foreColorIndex&quot;:2,&quot;transparency&quot;:0},&quot;type&quot;:1},&quot;glow&quot;:{&quot;colorType&quot;:0},&quot;line&quot;:{&quot;type&quot;:0},&quot;shadow&quot;:{&quot;colorType&quot;:0},&quot;threeD&quot;:{&quot;curvedSurface&quot;:{&quot;brightness&quot;:0,&quot;colorType&quot;:2,&quot;rgb&quot;:&quot;#000000&quot;},&quot;depth&quot;:{&quot;colorType&quot;:0}}}}"/>
-  <p:tag name="KSO_WM_UNIT_FILL_TYPE" val="3"/>
-  <p:tag name="KSO_WM_UNIT_TEXT_FILL_FORE_SCHEMECOLOR_INDEX_BRIGHTNESS" val="0"/>
-  <p:tag name="KSO_WM_UNIT_TEXT_FILL_FORE_SCHEMECOLOR_INDEX" val="2"/>
-  <p:tag name="KSO_WM_UNIT_TEXT_FILL_TYPE" val="1"/>
-  <p:tag name="KSO_WM_UNIT_USESOURCEFORMAT_APPLY" val="1"/>
-</p:tagLst>
-</file>
-
-<file path=ppt/tags/tag97.xml><?xml version="1.0" encoding="utf-8"?>
-<p:tagLst xmlns:a="http://schemas.openxmlformats.org/drawingml/2006/main" xmlns:r="http://schemas.openxmlformats.org/officeDocument/2006/relationships" xmlns:p="http://schemas.openxmlformats.org/presentationml/2006/main">
-  <p:tag name="KSO_WM_UNIT_SUBTYPE" val="a"/>
-  <p:tag name="KSO_WM_UNIT_NOCLEAR" val="0"/>
-  <p:tag name="KSO_WM_UNIT_VALUE" val="60"/>
-  <p:tag name="KSO_WM_UNIT_HIGHLIGHT" val="0"/>
-  <p:tag name="KSO_WM_UNIT_COMPATIBLE" val="0"/>
-  <p:tag name="KSO_WM_UNIT_DIAGRAM_ISNUMVISUAL" val="0"/>
-  <p:tag name="KSO_WM_UNIT_DIAGRAM_ISREFERUNIT" val="0"/>
-  <p:tag name="KSO_WM_UNIT_TYPE" val="l_h_f"/>
-  <p:tag name="KSO_WM_UNIT_INDEX" val="1_4_1"/>
-  <p:tag name="KSO_WM_UNIT_ID" val="diagram20231731_4*l_h_f*1_4_1"/>
-  <p:tag name="KSO_WM_TEMPLATE_CATEGORY" val="diagram"/>
-  <p:tag name="KSO_WM_TEMPLATE_INDEX" val="20231731"/>
-  <p:tag name="KSO_WM_UNIT_LAYERLEVEL" val="1_1_1"/>
-  <p:tag name="KSO_WM_TAG_VERSION" val="3.0"/>
-  <p:tag name="KSO_WM_BEAUTIFY_FLAG" val="#wm#"/>
-  <p:tag name="KSO_WM_UNIT_TEXT_FILL_FORE_SCHEMECOLOR_INDEX_BRIGHTNESS" val="0.15"/>
-  <p:tag name="KSO_WM_DIAGRAM_GROUP_CODE" val="l1-1"/>
-  <p:tag name="KSO_WM_DIAGRAM_VERSION" val="3"/>
-  <p:tag name="KSO_WM_DIAGRAM_COLOR_TRICK" val="1"/>
-  <p:tag name="KSO_WM_DIAGRAM_COLOR_TEXT_CAN_REMOVE" val="n"/>
-  <p:tag name="KSO_WM_DIAGRAM_MAX_ITEMCNT" val="6"/>
-  <p:tag name="KSO_WM_DIAGRAM_MIN_ITEMCNT" val="2"/>
-  <p:tag name="KSO_WM_DIAGRAM_VIRTUALLY_FRAME" val="{&quot;height&quot;:322.2532958984375,&quot;left&quot;:81.46551181102362,&quot;top&quot;:154.38004496416707,&quot;width&quot;:797.0689763779527}"/>
-  <p:tag name="KSO_WM_DIAGRAM_COLOR_MATCH_VALUE" val="{&quot;shape&quot;:{&quot;fill&quot;:{&quot;type&quot;:0},&quot;glow&quot;:{&quot;colorType&quot;:0},&quot;line&quot;:{&quot;type&quot;:0},&quot;shadow&quot;:{&quot;colorType&quot;:0},&quot;threeD&quot;:{&quot;curvedSurface&quot;:{&quot;brightness&quot;:0,&quot;colorType&quot;:2,&quot;rgb&quot;:&quot;#000000&quot;},&quot;depth&quot;:{&quot;colorType&quot;:0}}},&quot;text&quot;:{&quot;fill&quot;:{&quot;solid&quot;:{&quot;brightness&quot;:0.15000000596046448,&quot;colorType&quot;:1,&quot;foreColorIndex&quot;:13,&quot;transparency&quot;:0},&quot;type&quot;:1},&quot;glow&quot;:{&quot;colorType&quot;:0},&quot;line&quot;:{&quot;type&quot;:0},&quot;shadow&quot;:{&quot;colorType&quot;:0},&quot;threeD&quot;:{&quot;curvedSurface&quot;:{&quot;brightness&quot;:0,&quot;colorType&quot;:2,&quot;rgb&quot;:&quot;#000000&quot;},&quot;depth&quot;:{&quot;colorType&quot;:0}}}}"/>
-  <p:tag name="KSO_WM_UNIT_PRESET_TEXT" val="单击此处输入你的项正文"/>
-  <p:tag name="KSO_WM_UNIT_TEXT_FILL_FORE_SCHEMECOLOR_INDEX" val="1"/>
-  <p:tag name="KSO_WM_UNIT_TEXT_FILL_TYPE" val="1"/>
-  <p:tag name="KSO_WM_UNIT_USESOURCEFORMAT_APPLY" val="1"/>
-</p:tagLst>
-</file>
-
-<file path=ppt/tags/tag98.xml><?xml version="1.0" encoding="utf-8"?>
-<p:tagLst xmlns:a="http://schemas.openxmlformats.org/drawingml/2006/main" xmlns:r="http://schemas.openxmlformats.org/officeDocument/2006/relationships" xmlns:p="http://schemas.openxmlformats.org/presentationml/2006/main">
-  <p:tag name="KSO_WM_UNIT_ISCONTENTSTITLE" val="0"/>
-  <p:tag name="KSO_WM_UNIT_ISNUMDGMTITLE" val="0"/>
-  <p:tag name="KSO_WM_UNIT_NOCLEAR" val="0"/>
-  <p:tag name="KSO_WM_UNIT_VALUE" val="10"/>
-  <p:tag name="KSO_WM_UNIT_HIGHLIGHT" val="0"/>
-  <p:tag name="KSO_WM_UNIT_COMPATIBLE" val="0"/>
-  <p:tag name="KSO_WM_UNIT_DIAGRAM_ISNUMVISUAL" val="0"/>
-  <p:tag name="KSO_WM_UNIT_DIAGRAM_ISREFERUNIT" val="0"/>
-  <p:tag name="KSO_WM_UNIT_TYPE" val="l_h_a"/>
-  <p:tag name="KSO_WM_UNIT_INDEX" val="1_4_1"/>
-  <p:tag name="KSO_WM_UNIT_ID" val="diagram20231731_4*l_h_a*1_4_1"/>
-  <p:tag name="KSO_WM_TEMPLATE_CATEGORY" val="diagram"/>
-  <p:tag name="KSO_WM_TEMPLATE_INDEX" val="20231731"/>
-  <p:tag name="KSO_WM_UNIT_LAYERLEVEL" val="1_1_1"/>
-  <p:tag name="KSO_WM_TAG_VERSION" val="3.0"/>
-  <p:tag name="KSO_WM_BEAUTIFY_FLAG" val="#wm#"/>
-  <p:tag name="KSO_WM_UNIT_TEXT_FILL_FORE_SCHEMECOLOR_INDEX_BRIGHTNESS" val="0.15"/>
-  <p:tag name="KSO_WM_DIAGRAM_GROUP_CODE" val="l1-1"/>
-  <p:tag name="KSO_WM_DIAGRAM_VERSION" val="3"/>
-  <p:tag name="KSO_WM_DIAGRAM_COLOR_TRICK" val="1"/>
-  <p:tag name="KSO_WM_DIAGRAM_COLOR_TEXT_CAN_REMOVE" val="n"/>
-  <p:tag name="KSO_WM_DIAGRAM_MAX_ITEMCNT" val="6"/>
-  <p:tag name="KSO_WM_DIAGRAM_MIN_ITEMCNT" val="2"/>
-  <p:tag name="KSO_WM_DIAGRAM_VIRTUALLY_FRAME" val="{&quot;height&quot;:322.2532958984375,&quot;left&quot;:81.46551181102362,&quot;top&quot;:154.38004496416707,&quot;width&quot;:797.0689763779527}"/>
-  <p:tag name="KSO_WM_DIAGRAM_COLOR_MATCH_VALUE" val="{&quot;shape&quot;:{&quot;fill&quot;:{&quot;type&quot;:0},&quot;glow&quot;:{&quot;colorType&quot;:0},&quot;line&quot;:{&quot;type&quot;:0},&quot;shadow&quot;:{&quot;colorType&quot;:0},&quot;threeD&quot;:{&quot;curvedSurface&quot;:{&quot;brightness&quot;:0,&quot;colorType&quot;:2,&quot;rgb&quot;:&quot;#000000&quot;},&quot;depth&quot;:{&quot;colorType&quot;:0}}},&quot;text&quot;:{&quot;fill&quot;:{&quot;solid&quot;:{&quot;brightness&quot;:0,&quot;colorType&quot;:1,&quot;foreColorIndex&quot;:5,&quot;transparency&quot;:0},&quot;type&quot;:1},&quot;glow&quot;:{&quot;colorType&quot;:0},&quot;line&quot;:{&quot;type&quot;:0},&quot;shadow&quot;:{&quot;colorType&quot;:0},&quot;threeD&quot;:{&quot;curvedSurface&quot;:{&quot;brightness&quot;:0,&quot;colorType&quot;:2,&quot;rgb&quot;:&quot;#000000&quot;},&quot;depth&quot;:{&quot;colorType&quot;:0}}}}"/>
-  <p:tag name="KSO_WM_UNIT_PRESET_TEXT" val="项标题"/>
-  <p:tag name="KSO_WM_UNIT_TEXT_FILL_FORE_SCHEMECOLOR_INDEX" val="1"/>
-  <p:tag name="KSO_WM_UNIT_TEXT_FILL_TYPE" val="1"/>
-  <p:tag name="KSO_WM_UNIT_USESOURCEFORMAT_APPLY" val="1"/>
-</p:tagLst>
-</file>
-
-<file path=ppt/tags/tag99.xml><?xml version="1.0" encoding="utf-8"?>
-<p:tagLst xmlns:a="http://schemas.openxmlformats.org/drawingml/2006/main" xmlns:r="http://schemas.openxmlformats.org/officeDocument/2006/relationships" xmlns:p="http://schemas.openxmlformats.org/presentationml/2006/main">
-  <p:tag name="KSO_WM_UNIT_HIGHLIGHT" val="0"/>
-  <p:tag name="KSO_WM_UNIT_COMPATIBLE" val="0"/>
-  <p:tag name="KSO_WM_UNIT_DIAGRAM_ISNUMVISUAL" val="0"/>
-  <p:tag name="KSO_WM_UNIT_DIAGRAM_ISREFERUNIT" val="0"/>
-  <p:tag name="KSO_WM_UNIT_ID" val="diagram20231731_4*l_h_i*1_4_3"/>
-  <p:tag name="KSO_WM_TEMPLATE_CATEGORY" val="diagram"/>
-  <p:tag name="KSO_WM_TEMPLATE_INDEX" val="20231731"/>
-  <p:tag name="KSO_WM_UNIT_LAYERLEVEL" val="1_1_1"/>
-  <p:tag name="KSO_WM_TAG_VERSION" val="3.0"/>
-  <p:tag name="KSO_WM_BEAUTIFY_FLAG" val="#wm#"/>
-  <p:tag name="KSO_WM_DIAGRAM_GROUP_CODE" val="l1-1"/>
-  <p:tag name="KSO_WM_UNIT_TYPE" val="l_h_i"/>
-  <p:tag name="KSO_WM_UNIT_INDEX" val="1_4_3"/>
-  <p:tag name="KSO_WM_DIAGRAM_VERSION" val="3"/>
-  <p:tag name="KSO_WM_DIAGRAM_COLOR_TRICK" val="1"/>
-  <p:tag name="KSO_WM_DIAGRAM_COLOR_TEXT_CAN_REMOVE" val="n"/>
-  <p:tag name="KSO_WM_DIAGRAM_MAX_ITEMCNT" val="6"/>
-  <p:tag name="KSO_WM_DIAGRAM_MIN_ITEMCNT" val="2"/>
-  <p:tag name="KSO_WM_DIAGRAM_VIRTUALLY_FRAME" val="{&quot;height&quot;:322.2532958984375,&quot;left&quot;:81.46551181102362,&quot;top&quot;:154.38004496416707,&quot;width&quot;:797.0689763779527}"/>
-  <p:tag name="KSO_WM_DIAGRAM_COLOR_MATCH_VALUE" val="{&quot;shape&quot;:{&quot;fill&quot;:{&quot;type&quot;:0},&quot;glow&quot;:{&quot;colorType&quot;:0},&quot;line&quot;:{&quot;gradient&quot;:[{&quot;brightness&quot;:0,&quot;colorType&quot;:1,&quot;foreColorIndex&quot;:5,&quot;pos&quot;:0,&quot;transparency&quot;:1},{&quot;brightness&quot;:0,&quot;colorType&quot;:1,&quot;foreColorIndex&quot;:5,&quot;pos&quot;:1,&quot;transparency&quot;:0}],&quot;type&quot;:2},&quot;shadow&quot;:{&quot;colorType&quot;:0},&quot;threeD&quot;:{&quot;curvedSurface&quot;:{&quot;brightness&quot;:0,&quot;colorType&quot;:2,&quot;rgb&quot;:&quot;#000000&quot;},&quot;depth&quot;:{&quot;colorType&quot;:0}}},&quot;text&quot;:{&quot;fill&quot;:{},&quot;glow&quot;:{},&quot;line&quot;:{},&quot;shadow&quot;:{},&quot;threeD&quot;:{}}}"/>
-  <p:tag name="KSO_WM_UNIT_LINE_FORE_SCHEMECOLOR_INDEX_1_BRIGHTNESS" val="0"/>
-  <p:tag name="KSO_WM_UNIT_LINE_FORE_SCHEMECOLOR_INDEX_1" val="5"/>
-  <p:tag name="KSO_WM_UNIT_LINE_FORE_SCHEMECOLOR_INDEX_1_POS" val="0"/>
-  <p:tag name="KSO_WM_UNIT_LINE_FORE_SCHEMECOLOR_INDEX_1_TRANS" val="1"/>
-  <p:tag name="KSO_WM_UNIT_LINE_FORE_SCHEMECOLOR_INDEX_2_BRIGHTNESS" val="0"/>
-  <p:tag name="KSO_WM_UNIT_LINE_FORE_SCHEMECOLOR_INDEX_2" val="5"/>
-  <p:tag name="KSO_WM_UNIT_LINE_FORE_SCHEMECOLOR_INDEX_2_POS" val="1"/>
-  <p:tag name="KSO_WM_UNIT_LINE_FORE_SCHEMECOLOR_INDEX_2_TRANS" val="0"/>
-  <p:tag name="KSO_WM_UNIT_LINE_GRADIENT_TYPE" val="0"/>
-  <p:tag name="KSO_WM_UNIT_LINE_GRADIENT_ANGLE" val="270"/>
-  <p:tag name="KSO_WM_UNIT_LINE_GRADIENT_DIRECTION" val="6"/>
-  <p:tag name="KSO_WM_UNIT_LINE_FILL_TYPE" val="5"/>
   <p:tag name="KSO_WM_UNIT_USESOURCEFORMAT_APPLY" val="1"/>
 </p:tagLst>
 </file>
